--- a/documents/Litrature Review.pptx
+++ b/documents/Litrature Review.pptx
@@ -5,29 +5,28 @@
     <p:sldMasterId id="2147483648" r:id="rId1"/>
   </p:sldMasterIdLst>
   <p:notesMasterIdLst>
-    <p:notesMasterId r:id="rId22"/>
+    <p:notesMasterId r:id="rId21"/>
   </p:notesMasterIdLst>
   <p:sldIdLst>
     <p:sldId id="256" r:id="rId2"/>
     <p:sldId id="257" r:id="rId3"/>
-    <p:sldId id="274" r:id="rId4"/>
-    <p:sldId id="262" r:id="rId5"/>
-    <p:sldId id="275" r:id="rId6"/>
-    <p:sldId id="258" r:id="rId7"/>
-    <p:sldId id="259" r:id="rId8"/>
-    <p:sldId id="260" r:id="rId9"/>
-    <p:sldId id="261" r:id="rId10"/>
-    <p:sldId id="263" r:id="rId11"/>
-    <p:sldId id="264" r:id="rId12"/>
-    <p:sldId id="265" r:id="rId13"/>
-    <p:sldId id="266" r:id="rId14"/>
-    <p:sldId id="267" r:id="rId15"/>
-    <p:sldId id="268" r:id="rId16"/>
-    <p:sldId id="269" r:id="rId17"/>
-    <p:sldId id="270" r:id="rId18"/>
-    <p:sldId id="271" r:id="rId19"/>
-    <p:sldId id="272" r:id="rId20"/>
-    <p:sldId id="273" r:id="rId21"/>
+    <p:sldId id="276" r:id="rId4"/>
+    <p:sldId id="267" r:id="rId5"/>
+    <p:sldId id="269" r:id="rId6"/>
+    <p:sldId id="268" r:id="rId7"/>
+    <p:sldId id="261" r:id="rId8"/>
+    <p:sldId id="263" r:id="rId9"/>
+    <p:sldId id="264" r:id="rId10"/>
+    <p:sldId id="258" r:id="rId11"/>
+    <p:sldId id="259" r:id="rId12"/>
+    <p:sldId id="260" r:id="rId13"/>
+    <p:sldId id="274" r:id="rId14"/>
+    <p:sldId id="262" r:id="rId15"/>
+    <p:sldId id="275" r:id="rId16"/>
+    <p:sldId id="270" r:id="rId17"/>
+    <p:sldId id="271" r:id="rId18"/>
+    <p:sldId id="272" r:id="rId19"/>
+    <p:sldId id="273" r:id="rId20"/>
   </p:sldIdLst>
   <p:sldSz cx="12192000" cy="6858000"/>
   <p:notesSz cx="7104063" cy="10234613"/>
@@ -265,7 +264,7 @@
       <p15:sldGuideLst xmlns:p15="http://schemas.microsoft.com/office/powerpoint/2012/main"/>
     </p:ext>
     <p:ext uri="http://customooxmlschemas.google.com/">
-      <go:slidesCustomData xmlns="" xmlns:mc="http://schemas.openxmlformats.org/markup-compatibility/2006" xmlns:mv="urn:schemas-microsoft-com:mac:vml" xmlns:c="http://schemas.openxmlformats.org/drawingml/2006/chart" xmlns:dgm="http://schemas.openxmlformats.org/drawingml/2006/diagram" xmlns:o="urn:schemas-microsoft-com:office:office" xmlns:v="urn:schemas-microsoft-com:vml" xmlns:pvml="urn:schemas-microsoft-com:office:powerpoint" xmlns:com="http://schemas.openxmlformats.org/drawingml/2006/compatibility" xmlns:p14="http://schemas.microsoft.com/office/powerpoint/2010/main" xmlns:p15="http://schemas.microsoft.com/office/powerpoint/2012/main" xmlns:go="http://customooxmlschemas.google.com/" r:id="rId24" roundtripDataSignature="AMtx7mjtQ1srNo008AFggN65lsm/0suc6w=="/>
+      <go:slidesCustomData xmlns:go="http://customooxmlschemas.google.com/" xmlns:p15="http://schemas.microsoft.com/office/powerpoint/2012/main" xmlns:p14="http://schemas.microsoft.com/office/powerpoint/2010/main" xmlns:com="http://schemas.openxmlformats.org/drawingml/2006/compatibility" xmlns:pvml="urn:schemas-microsoft-com:office:powerpoint" xmlns:v="urn:schemas-microsoft-com:vml" xmlns:o="urn:schemas-microsoft-com:office:office" xmlns:dgm="http://schemas.openxmlformats.org/drawingml/2006/diagram" xmlns:c="http://schemas.openxmlformats.org/drawingml/2006/chart" xmlns:mv="urn:schemas-microsoft-com:mac:vml" xmlns:mc="http://schemas.openxmlformats.org/markup-compatibility/2006" xmlns="" r:id="rId24" roundtripDataSignature="AMtx7mjtQ1srNo008AFggN65lsm/0suc6w=="/>
     </p:ext>
   </p:extLst>
 </p:presentation>
@@ -977,7 +976,7 @@
   <p:cSld>
     <p:spTree>
       <p:nvGrpSpPr>
-        <p:cNvPr id="1" name="Shape 128"/>
+        <p:cNvPr id="1" name="Shape 98"/>
         <p:cNvGrpSpPr/>
         <p:nvPr/>
       </p:nvGrpSpPr>
@@ -991,7 +990,215 @@
       </p:grpSpPr>
       <p:sp>
         <p:nvSpPr>
-          <p:cNvPr id="129" name="Google Shape;129;p4:notes"/>
+          <p:cNvPr id="99" name="Google Shape;99;g659b3ba530_0_8:notes"/>
+          <p:cNvSpPr>
+            <a:spLocks noGrp="1" noRot="1" noChangeAspect="1"/>
+          </p:cNvSpPr>
+          <p:nvPr>
+            <p:ph type="sldImg" idx="2"/>
+          </p:nvPr>
+        </p:nvSpPr>
+        <p:spPr>
+          <a:xfrm>
+            <a:off x="142875" y="768350"/>
+            <a:ext cx="6819900" cy="3836988"/>
+          </a:xfrm>
+          <a:custGeom>
+            <a:avLst/>
+            <a:gdLst/>
+            <a:ahLst/>
+            <a:cxnLst/>
+            <a:rect l="l" t="t" r="r" b="b"/>
+            <a:pathLst>
+              <a:path w="120000" h="120000" extrusionOk="0">
+                <a:moveTo>
+                  <a:pt x="0" y="0"/>
+                </a:moveTo>
+                <a:lnTo>
+                  <a:pt x="120000" y="0"/>
+                </a:lnTo>
+                <a:lnTo>
+                  <a:pt x="120000" y="120000"/>
+                </a:lnTo>
+                <a:lnTo>
+                  <a:pt x="0" y="120000"/>
+                </a:lnTo>
+                <a:close/>
+              </a:path>
+            </a:pathLst>
+          </a:custGeom>
+        </p:spPr>
+      </p:sp>
+      <p:sp>
+        <p:nvSpPr>
+          <p:cNvPr id="100" name="Google Shape;100;g659b3ba530_0_8:notes"/>
+          <p:cNvSpPr txBox="1">
+            <a:spLocks noGrp="1"/>
+          </p:cNvSpPr>
+          <p:nvPr>
+            <p:ph type="body" idx="1"/>
+          </p:nvPr>
+        </p:nvSpPr>
+        <p:spPr>
+          <a:xfrm>
+            <a:off x="710400" y="4861425"/>
+            <a:ext cx="5683200" cy="4605600"/>
+          </a:xfrm>
+          <a:prstGeom prst="rect">
+            <a:avLst/>
+          </a:prstGeom>
+        </p:spPr>
+        <p:txBody>
+          <a:bodyPr spcFirstLastPara="1" wrap="square" lIns="91425" tIns="91425" rIns="91425" bIns="91425" anchor="t" anchorCtr="0">
+            <a:noAutofit/>
+          </a:bodyPr>
+          <a:lstStyle/>
+          <a:p>
+            <a:pPr marL="0" lvl="0" indent="0" algn="l" rtl="0">
+              <a:spcBef>
+                <a:spcPts val="0"/>
+              </a:spcBef>
+              <a:spcAft>
+                <a:spcPts val="0"/>
+              </a:spcAft>
+              <a:buNone/>
+            </a:pPr>
+            <a:endParaRPr/>
+          </a:p>
+        </p:txBody>
+      </p:sp>
+    </p:spTree>
+  </p:cSld>
+  <p:clrMapOvr>
+    <a:masterClrMapping/>
+  </p:clrMapOvr>
+</p:notes>
+</file>
+
+<file path=ppt/notesSlides/notesSlide11.xml><?xml version="1.0" encoding="utf-8"?>
+<p:notes xmlns:a="http://schemas.openxmlformats.org/drawingml/2006/main" xmlns:r="http://schemas.openxmlformats.org/officeDocument/2006/relationships" xmlns:p="http://schemas.openxmlformats.org/presentationml/2006/main" showMasterSp="0" showMasterPhAnim="0">
+  <p:cSld>
+    <p:spTree>
+      <p:nvGrpSpPr>
+        <p:cNvPr id="1" name="Shape 104"/>
+        <p:cNvGrpSpPr/>
+        <p:nvPr/>
+      </p:nvGrpSpPr>
+      <p:grpSpPr>
+        <a:xfrm>
+          <a:off x="0" y="0"/>
+          <a:ext cx="0" cy="0"/>
+          <a:chOff x="0" y="0"/>
+          <a:chExt cx="0" cy="0"/>
+        </a:xfrm>
+      </p:grpSpPr>
+      <p:sp>
+        <p:nvSpPr>
+          <p:cNvPr id="105" name="Google Shape;105;g659b3ba530_0_13:notes"/>
+          <p:cNvSpPr>
+            <a:spLocks noGrp="1" noRot="1" noChangeAspect="1"/>
+          </p:cNvSpPr>
+          <p:nvPr>
+            <p:ph type="sldImg" idx="2"/>
+          </p:nvPr>
+        </p:nvSpPr>
+        <p:spPr>
+          <a:xfrm>
+            <a:off x="142875" y="768350"/>
+            <a:ext cx="6819900" cy="3836988"/>
+          </a:xfrm>
+          <a:custGeom>
+            <a:avLst/>
+            <a:gdLst/>
+            <a:ahLst/>
+            <a:cxnLst/>
+            <a:rect l="l" t="t" r="r" b="b"/>
+            <a:pathLst>
+              <a:path w="120000" h="120000" extrusionOk="0">
+                <a:moveTo>
+                  <a:pt x="0" y="0"/>
+                </a:moveTo>
+                <a:lnTo>
+                  <a:pt x="120000" y="0"/>
+                </a:lnTo>
+                <a:lnTo>
+                  <a:pt x="120000" y="120000"/>
+                </a:lnTo>
+                <a:lnTo>
+                  <a:pt x="0" y="120000"/>
+                </a:lnTo>
+                <a:close/>
+              </a:path>
+            </a:pathLst>
+          </a:custGeom>
+        </p:spPr>
+      </p:sp>
+      <p:sp>
+        <p:nvSpPr>
+          <p:cNvPr id="106" name="Google Shape;106;g659b3ba530_0_13:notes"/>
+          <p:cNvSpPr txBox="1">
+            <a:spLocks noGrp="1"/>
+          </p:cNvSpPr>
+          <p:nvPr>
+            <p:ph type="body" idx="1"/>
+          </p:nvPr>
+        </p:nvSpPr>
+        <p:spPr>
+          <a:xfrm>
+            <a:off x="710400" y="4861425"/>
+            <a:ext cx="5683200" cy="4605600"/>
+          </a:xfrm>
+          <a:prstGeom prst="rect">
+            <a:avLst/>
+          </a:prstGeom>
+        </p:spPr>
+        <p:txBody>
+          <a:bodyPr spcFirstLastPara="1" wrap="square" lIns="91425" tIns="91425" rIns="91425" bIns="91425" anchor="t" anchorCtr="0">
+            <a:noAutofit/>
+          </a:bodyPr>
+          <a:lstStyle/>
+          <a:p>
+            <a:pPr marL="0" lvl="0" indent="0" algn="l" rtl="0">
+              <a:spcBef>
+                <a:spcPts val="0"/>
+              </a:spcBef>
+              <a:spcAft>
+                <a:spcPts val="0"/>
+              </a:spcAft>
+              <a:buNone/>
+            </a:pPr>
+            <a:endParaRPr/>
+          </a:p>
+        </p:txBody>
+      </p:sp>
+    </p:spTree>
+  </p:cSld>
+  <p:clrMapOvr>
+    <a:masterClrMapping/>
+  </p:clrMapOvr>
+</p:notes>
+</file>
+
+<file path=ppt/notesSlides/notesSlide12.xml><?xml version="1.0" encoding="utf-8"?>
+<p:notes xmlns:a="http://schemas.openxmlformats.org/drawingml/2006/main" xmlns:r="http://schemas.openxmlformats.org/officeDocument/2006/relationships" xmlns:p="http://schemas.openxmlformats.org/presentationml/2006/main" showMasterSp="0" showMasterPhAnim="0">
+  <p:cSld>
+    <p:spTree>
+      <p:nvGrpSpPr>
+        <p:cNvPr id="1" name="Shape 92"/>
+        <p:cNvGrpSpPr/>
+        <p:nvPr/>
+      </p:nvGrpSpPr>
+      <p:grpSpPr>
+        <a:xfrm>
+          <a:off x="0" y="0"/>
+          <a:ext cx="0" cy="0"/>
+          <a:chOff x="0" y="0"/>
+          <a:chExt cx="0" cy="0"/>
+        </a:xfrm>
+      </p:grpSpPr>
+      <p:sp>
+        <p:nvSpPr>
+          <p:cNvPr id="93" name="Google Shape;93;p3:notes"/>
           <p:cNvSpPr txBox="1">
             <a:spLocks noGrp="1"/>
           </p:cNvSpPr>
@@ -1037,7 +1244,7 @@
       </p:sp>
       <p:sp>
         <p:nvSpPr>
-          <p:cNvPr id="130" name="Google Shape;130;p4:notes"/>
+          <p:cNvPr id="94" name="Google Shape;94;p3:notes"/>
           <p:cNvSpPr>
             <a:spLocks noGrp="1" noRot="1" noChangeAspect="1"/>
           </p:cNvSpPr>
@@ -1087,6 +1294,11 @@
         </p:spPr>
       </p:sp>
     </p:spTree>
+    <p:extLst>
+      <p:ext uri="{BB962C8B-B14F-4D97-AF65-F5344CB8AC3E}">
+        <p14:creationId xmlns:p14="http://schemas.microsoft.com/office/powerpoint/2010/main" val="458499850"/>
+      </p:ext>
+    </p:extLst>
   </p:cSld>
   <p:clrMapOvr>
     <a:masterClrMapping/>
@@ -1094,12 +1306,12 @@
 </p:notes>
 </file>
 
-<file path=ppt/notesSlides/notesSlide11.xml><?xml version="1.0" encoding="utf-8"?>
+<file path=ppt/notesSlides/notesSlide13.xml><?xml version="1.0" encoding="utf-8"?>
 <p:notes xmlns:a="http://schemas.openxmlformats.org/drawingml/2006/main" xmlns:r="http://schemas.openxmlformats.org/officeDocument/2006/relationships" xmlns:p="http://schemas.openxmlformats.org/presentationml/2006/main" showMasterSp="0" showMasterPhAnim="0">
   <p:cSld>
     <p:spTree>
       <p:nvGrpSpPr>
-        <p:cNvPr id="1" name="Shape 134"/>
+        <p:cNvPr id="1" name="Shape 116"/>
         <p:cNvGrpSpPr/>
         <p:nvPr/>
       </p:nvGrpSpPr>
@@ -1113,7 +1325,7 @@
       </p:grpSpPr>
       <p:sp>
         <p:nvSpPr>
-          <p:cNvPr id="135" name="Google Shape;135;g659b3ba530_0_23:notes"/>
+          <p:cNvPr id="117" name="Google Shape;117;g659b3ba530_0_18:notes"/>
           <p:cNvSpPr>
             <a:spLocks noGrp="1" noRot="1" noChangeAspect="1"/>
           </p:cNvSpPr>
@@ -1123,8 +1335,8 @@
         </p:nvSpPr>
         <p:spPr>
           <a:xfrm>
-            <a:off x="1184225" y="767575"/>
-            <a:ext cx="4736400" cy="3837900"/>
+            <a:off x="142875" y="768350"/>
+            <a:ext cx="6819900" cy="3836988"/>
           </a:xfrm>
           <a:custGeom>
             <a:avLst/>
@@ -1154,7 +1366,7 @@
       </p:sp>
       <p:sp>
         <p:nvSpPr>
-          <p:cNvPr id="136" name="Google Shape;136;g659b3ba530_0_23:notes"/>
+          <p:cNvPr id="118" name="Google Shape;118;g659b3ba530_0_18:notes"/>
           <p:cNvSpPr txBox="1">
             <a:spLocks noGrp="1"/>
           </p:cNvSpPr>
@@ -1198,441 +1410,7 @@
 </p:notes>
 </file>
 
-<file path=ppt/notesSlides/notesSlide12.xml><?xml version="1.0" encoding="utf-8"?>
-<p:notes xmlns:a="http://schemas.openxmlformats.org/drawingml/2006/main" xmlns:r="http://schemas.openxmlformats.org/officeDocument/2006/relationships" xmlns:p="http://schemas.openxmlformats.org/presentationml/2006/main" showMasterSp="0" showMasterPhAnim="0">
-  <p:cSld>
-    <p:spTree>
-      <p:nvGrpSpPr>
-        <p:cNvPr id="1" name="Shape 140"/>
-        <p:cNvGrpSpPr/>
-        <p:nvPr/>
-      </p:nvGrpSpPr>
-      <p:grpSpPr>
-        <a:xfrm>
-          <a:off x="0" y="0"/>
-          <a:ext cx="0" cy="0"/>
-          <a:chOff x="0" y="0"/>
-          <a:chExt cx="0" cy="0"/>
-        </a:xfrm>
-      </p:grpSpPr>
-      <p:sp>
-        <p:nvSpPr>
-          <p:cNvPr id="141" name="Google Shape;141;g659b3ba530_0_33:notes"/>
-          <p:cNvSpPr>
-            <a:spLocks noGrp="1" noRot="1" noChangeAspect="1"/>
-          </p:cNvSpPr>
-          <p:nvPr>
-            <p:ph type="sldImg" idx="2"/>
-          </p:nvPr>
-        </p:nvSpPr>
-        <p:spPr>
-          <a:xfrm>
-            <a:off x="1184225" y="767575"/>
-            <a:ext cx="4736400" cy="3837900"/>
-          </a:xfrm>
-          <a:custGeom>
-            <a:avLst/>
-            <a:gdLst/>
-            <a:ahLst/>
-            <a:cxnLst/>
-            <a:rect l="l" t="t" r="r" b="b"/>
-            <a:pathLst>
-              <a:path w="120000" h="120000" extrusionOk="0">
-                <a:moveTo>
-                  <a:pt x="0" y="0"/>
-                </a:moveTo>
-                <a:lnTo>
-                  <a:pt x="120000" y="0"/>
-                </a:lnTo>
-                <a:lnTo>
-                  <a:pt x="120000" y="120000"/>
-                </a:lnTo>
-                <a:lnTo>
-                  <a:pt x="0" y="120000"/>
-                </a:lnTo>
-                <a:close/>
-              </a:path>
-            </a:pathLst>
-          </a:custGeom>
-        </p:spPr>
-      </p:sp>
-      <p:sp>
-        <p:nvSpPr>
-          <p:cNvPr id="142" name="Google Shape;142;g659b3ba530_0_33:notes"/>
-          <p:cNvSpPr txBox="1">
-            <a:spLocks noGrp="1"/>
-          </p:cNvSpPr>
-          <p:nvPr>
-            <p:ph type="body" idx="1"/>
-          </p:nvPr>
-        </p:nvSpPr>
-        <p:spPr>
-          <a:xfrm>
-            <a:off x="710400" y="4861425"/>
-            <a:ext cx="5683200" cy="4605600"/>
-          </a:xfrm>
-          <a:prstGeom prst="rect">
-            <a:avLst/>
-          </a:prstGeom>
-        </p:spPr>
-        <p:txBody>
-          <a:bodyPr spcFirstLastPara="1" wrap="square" lIns="91425" tIns="91425" rIns="91425" bIns="91425" anchor="t" anchorCtr="0">
-            <a:noAutofit/>
-          </a:bodyPr>
-          <a:lstStyle/>
-          <a:p>
-            <a:pPr marL="0" lvl="0" indent="0" algn="l" rtl="0">
-              <a:spcBef>
-                <a:spcPts val="0"/>
-              </a:spcBef>
-              <a:spcAft>
-                <a:spcPts val="0"/>
-              </a:spcAft>
-              <a:buNone/>
-            </a:pPr>
-            <a:endParaRPr/>
-          </a:p>
-        </p:txBody>
-      </p:sp>
-    </p:spTree>
-  </p:cSld>
-  <p:clrMapOvr>
-    <a:masterClrMapping/>
-  </p:clrMapOvr>
-</p:notes>
-</file>
-
-<file path=ppt/notesSlides/notesSlide13.xml><?xml version="1.0" encoding="utf-8"?>
-<p:notes xmlns:a="http://schemas.openxmlformats.org/drawingml/2006/main" xmlns:r="http://schemas.openxmlformats.org/officeDocument/2006/relationships" xmlns:p="http://schemas.openxmlformats.org/presentationml/2006/main" showMasterSp="0" showMasterPhAnim="0">
-  <p:cSld>
-    <p:spTree>
-      <p:nvGrpSpPr>
-        <p:cNvPr id="1" name="Shape 146"/>
-        <p:cNvGrpSpPr/>
-        <p:nvPr/>
-      </p:nvGrpSpPr>
-      <p:grpSpPr>
-        <a:xfrm>
-          <a:off x="0" y="0"/>
-          <a:ext cx="0" cy="0"/>
-          <a:chOff x="0" y="0"/>
-          <a:chExt cx="0" cy="0"/>
-        </a:xfrm>
-      </p:grpSpPr>
-      <p:sp>
-        <p:nvSpPr>
-          <p:cNvPr id="147" name="Google Shape;147;p5:notes"/>
-          <p:cNvSpPr txBox="1">
-            <a:spLocks noGrp="1"/>
-          </p:cNvSpPr>
-          <p:nvPr>
-            <p:ph type="body" idx="1"/>
-          </p:nvPr>
-        </p:nvSpPr>
-        <p:spPr>
-          <a:xfrm>
-            <a:off x="710400" y="4861425"/>
-            <a:ext cx="5683225" cy="4605550"/>
-          </a:xfrm>
-          <a:prstGeom prst="rect">
-            <a:avLst/>
-          </a:prstGeom>
-          <a:noFill/>
-          <a:ln>
-            <a:noFill/>
-          </a:ln>
-        </p:spPr>
-        <p:txBody>
-          <a:bodyPr spcFirstLastPara="1" wrap="square" lIns="91425" tIns="91425" rIns="91425" bIns="91425" anchor="t" anchorCtr="0">
-            <a:noAutofit/>
-          </a:bodyPr>
-          <a:lstStyle/>
-          <a:p>
-            <a:pPr marL="0" lvl="0" indent="0" algn="l" rtl="0">
-              <a:lnSpc>
-                <a:spcPct val="100000"/>
-              </a:lnSpc>
-              <a:spcBef>
-                <a:spcPts val="0"/>
-              </a:spcBef>
-              <a:spcAft>
-                <a:spcPts val="0"/>
-              </a:spcAft>
-              <a:buSzPts val="1100"/>
-              <a:buNone/>
-            </a:pPr>
-            <a:endParaRPr/>
-          </a:p>
-        </p:txBody>
-      </p:sp>
-      <p:sp>
-        <p:nvSpPr>
-          <p:cNvPr id="148" name="Google Shape;148;p5:notes"/>
-          <p:cNvSpPr>
-            <a:spLocks noGrp="1" noRot="1" noChangeAspect="1"/>
-          </p:cNvSpPr>
-          <p:nvPr>
-            <p:ph type="sldImg" idx="2"/>
-          </p:nvPr>
-        </p:nvSpPr>
-        <p:spPr>
-          <a:xfrm>
-            <a:off x="142875" y="768350"/>
-            <a:ext cx="6818313" cy="3836988"/>
-          </a:xfrm>
-          <a:custGeom>
-            <a:avLst/>
-            <a:gdLst/>
-            <a:ahLst/>
-            <a:cxnLst/>
-            <a:rect l="l" t="t" r="r" b="b"/>
-            <a:pathLst>
-              <a:path w="120000" h="120000" extrusionOk="0">
-                <a:moveTo>
-                  <a:pt x="0" y="0"/>
-                </a:moveTo>
-                <a:lnTo>
-                  <a:pt x="120000" y="0"/>
-                </a:lnTo>
-                <a:lnTo>
-                  <a:pt x="120000" y="120000"/>
-                </a:lnTo>
-                <a:lnTo>
-                  <a:pt x="0" y="120000"/>
-                </a:lnTo>
-                <a:close/>
-              </a:path>
-            </a:pathLst>
-          </a:custGeom>
-          <a:noFill/>
-          <a:ln w="9525" cap="flat" cmpd="sng">
-            <a:solidFill>
-              <a:srgbClr val="000000"/>
-            </a:solidFill>
-            <a:prstDash val="solid"/>
-            <a:round/>
-            <a:headEnd type="none" w="sm" len="sm"/>
-            <a:tailEnd type="none" w="sm" len="sm"/>
-          </a:ln>
-        </p:spPr>
-      </p:sp>
-    </p:spTree>
-  </p:cSld>
-  <p:clrMapOvr>
-    <a:masterClrMapping/>
-  </p:clrMapOvr>
-</p:notes>
-</file>
-
 <file path=ppt/notesSlides/notesSlide14.xml><?xml version="1.0" encoding="utf-8"?>
-<p:notes xmlns:a="http://schemas.openxmlformats.org/drawingml/2006/main" xmlns:r="http://schemas.openxmlformats.org/officeDocument/2006/relationships" xmlns:p="http://schemas.openxmlformats.org/presentationml/2006/main" showMasterSp="0" showMasterPhAnim="0">
-  <p:cSld>
-    <p:spTree>
-      <p:nvGrpSpPr>
-        <p:cNvPr id="1" name="Shape 152"/>
-        <p:cNvGrpSpPr/>
-        <p:nvPr/>
-      </p:nvGrpSpPr>
-      <p:grpSpPr>
-        <a:xfrm>
-          <a:off x="0" y="0"/>
-          <a:ext cx="0" cy="0"/>
-          <a:chOff x="0" y="0"/>
-          <a:chExt cx="0" cy="0"/>
-        </a:xfrm>
-      </p:grpSpPr>
-      <p:sp>
-        <p:nvSpPr>
-          <p:cNvPr id="153" name="Google Shape;153;g659b3ba530_0_38:notes"/>
-          <p:cNvSpPr>
-            <a:spLocks noGrp="1" noRot="1" noChangeAspect="1"/>
-          </p:cNvSpPr>
-          <p:nvPr>
-            <p:ph type="sldImg" idx="2"/>
-          </p:nvPr>
-        </p:nvSpPr>
-        <p:spPr>
-          <a:xfrm>
-            <a:off x="1184225" y="767575"/>
-            <a:ext cx="4736400" cy="3837900"/>
-          </a:xfrm>
-          <a:custGeom>
-            <a:avLst/>
-            <a:gdLst/>
-            <a:ahLst/>
-            <a:cxnLst/>
-            <a:rect l="l" t="t" r="r" b="b"/>
-            <a:pathLst>
-              <a:path w="120000" h="120000" extrusionOk="0">
-                <a:moveTo>
-                  <a:pt x="0" y="0"/>
-                </a:moveTo>
-                <a:lnTo>
-                  <a:pt x="120000" y="0"/>
-                </a:lnTo>
-                <a:lnTo>
-                  <a:pt x="120000" y="120000"/>
-                </a:lnTo>
-                <a:lnTo>
-                  <a:pt x="0" y="120000"/>
-                </a:lnTo>
-                <a:close/>
-              </a:path>
-            </a:pathLst>
-          </a:custGeom>
-        </p:spPr>
-      </p:sp>
-      <p:sp>
-        <p:nvSpPr>
-          <p:cNvPr id="154" name="Google Shape;154;g659b3ba530_0_38:notes"/>
-          <p:cNvSpPr txBox="1">
-            <a:spLocks noGrp="1"/>
-          </p:cNvSpPr>
-          <p:nvPr>
-            <p:ph type="body" idx="1"/>
-          </p:nvPr>
-        </p:nvSpPr>
-        <p:spPr>
-          <a:xfrm>
-            <a:off x="710400" y="4861425"/>
-            <a:ext cx="5683200" cy="4605600"/>
-          </a:xfrm>
-          <a:prstGeom prst="rect">
-            <a:avLst/>
-          </a:prstGeom>
-        </p:spPr>
-        <p:txBody>
-          <a:bodyPr spcFirstLastPara="1" wrap="square" lIns="91425" tIns="91425" rIns="91425" bIns="91425" anchor="t" anchorCtr="0">
-            <a:noAutofit/>
-          </a:bodyPr>
-          <a:lstStyle/>
-          <a:p>
-            <a:pPr marL="0" lvl="0" indent="0" algn="l" rtl="0">
-              <a:spcBef>
-                <a:spcPts val="0"/>
-              </a:spcBef>
-              <a:spcAft>
-                <a:spcPts val="0"/>
-              </a:spcAft>
-              <a:buNone/>
-            </a:pPr>
-            <a:endParaRPr/>
-          </a:p>
-        </p:txBody>
-      </p:sp>
-    </p:spTree>
-  </p:cSld>
-  <p:clrMapOvr>
-    <a:masterClrMapping/>
-  </p:clrMapOvr>
-</p:notes>
-</file>
-
-<file path=ppt/notesSlides/notesSlide15.xml><?xml version="1.0" encoding="utf-8"?>
-<p:notes xmlns:a="http://schemas.openxmlformats.org/drawingml/2006/main" xmlns:r="http://schemas.openxmlformats.org/officeDocument/2006/relationships" xmlns:p="http://schemas.openxmlformats.org/presentationml/2006/main" showMasterSp="0" showMasterPhAnim="0">
-  <p:cSld>
-    <p:spTree>
-      <p:nvGrpSpPr>
-        <p:cNvPr id="1" name="Shape 158"/>
-        <p:cNvGrpSpPr/>
-        <p:nvPr/>
-      </p:nvGrpSpPr>
-      <p:grpSpPr>
-        <a:xfrm>
-          <a:off x="0" y="0"/>
-          <a:ext cx="0" cy="0"/>
-          <a:chOff x="0" y="0"/>
-          <a:chExt cx="0" cy="0"/>
-        </a:xfrm>
-      </p:grpSpPr>
-      <p:sp>
-        <p:nvSpPr>
-          <p:cNvPr id="159" name="Google Shape;159;g659b3ba530_0_43:notes"/>
-          <p:cNvSpPr>
-            <a:spLocks noGrp="1" noRot="1" noChangeAspect="1"/>
-          </p:cNvSpPr>
-          <p:nvPr>
-            <p:ph type="sldImg" idx="2"/>
-          </p:nvPr>
-        </p:nvSpPr>
-        <p:spPr>
-          <a:xfrm>
-            <a:off x="1184225" y="767575"/>
-            <a:ext cx="4736400" cy="3837900"/>
-          </a:xfrm>
-          <a:custGeom>
-            <a:avLst/>
-            <a:gdLst/>
-            <a:ahLst/>
-            <a:cxnLst/>
-            <a:rect l="l" t="t" r="r" b="b"/>
-            <a:pathLst>
-              <a:path w="120000" h="120000" extrusionOk="0">
-                <a:moveTo>
-                  <a:pt x="0" y="0"/>
-                </a:moveTo>
-                <a:lnTo>
-                  <a:pt x="120000" y="0"/>
-                </a:lnTo>
-                <a:lnTo>
-                  <a:pt x="120000" y="120000"/>
-                </a:lnTo>
-                <a:lnTo>
-                  <a:pt x="0" y="120000"/>
-                </a:lnTo>
-                <a:close/>
-              </a:path>
-            </a:pathLst>
-          </a:custGeom>
-        </p:spPr>
-      </p:sp>
-      <p:sp>
-        <p:nvSpPr>
-          <p:cNvPr id="160" name="Google Shape;160;g659b3ba530_0_43:notes"/>
-          <p:cNvSpPr txBox="1">
-            <a:spLocks noGrp="1"/>
-          </p:cNvSpPr>
-          <p:nvPr>
-            <p:ph type="body" idx="1"/>
-          </p:nvPr>
-        </p:nvSpPr>
-        <p:spPr>
-          <a:xfrm>
-            <a:off x="710400" y="4861425"/>
-            <a:ext cx="5683200" cy="4605600"/>
-          </a:xfrm>
-          <a:prstGeom prst="rect">
-            <a:avLst/>
-          </a:prstGeom>
-        </p:spPr>
-        <p:txBody>
-          <a:bodyPr spcFirstLastPara="1" wrap="square" lIns="91425" tIns="91425" rIns="91425" bIns="91425" anchor="t" anchorCtr="0">
-            <a:noAutofit/>
-          </a:bodyPr>
-          <a:lstStyle/>
-          <a:p>
-            <a:pPr marL="0" lvl="0" indent="0" algn="l" rtl="0">
-              <a:spcBef>
-                <a:spcPts val="0"/>
-              </a:spcBef>
-              <a:spcAft>
-                <a:spcPts val="0"/>
-              </a:spcAft>
-              <a:buNone/>
-            </a:pPr>
-            <a:endParaRPr/>
-          </a:p>
-        </p:txBody>
-      </p:sp>
-    </p:spTree>
-  </p:cSld>
-  <p:clrMapOvr>
-    <a:masterClrMapping/>
-  </p:clrMapOvr>
-</p:notes>
-</file>
-
-<file path=ppt/notesSlides/notesSlide16.xml><?xml version="1.0" encoding="utf-8"?>
 <p:notes xmlns:a="http://schemas.openxmlformats.org/drawingml/2006/main" xmlns:r="http://schemas.openxmlformats.org/officeDocument/2006/relationships" xmlns:p="http://schemas.openxmlformats.org/presentationml/2006/main" showMasterSp="0" showMasterPhAnim="0">
   <p:cSld>
     <p:spTree>
@@ -1758,7 +1536,7 @@
 </p:notes>
 </file>
 
-<file path=ppt/notesSlides/notesSlide17.xml><?xml version="1.0" encoding="utf-8"?>
+<file path=ppt/notesSlides/notesSlide15.xml><?xml version="1.0" encoding="utf-8"?>
 <p:notes xmlns:a="http://schemas.openxmlformats.org/drawingml/2006/main" xmlns:r="http://schemas.openxmlformats.org/officeDocument/2006/relationships" xmlns:p="http://schemas.openxmlformats.org/presentationml/2006/main" showMasterSp="0" showMasterPhAnim="0">
   <p:cSld>
     <p:spTree>
@@ -1880,7 +1658,7 @@
 </p:notes>
 </file>
 
-<file path=ppt/notesSlides/notesSlide18.xml><?xml version="1.0" encoding="utf-8"?>
+<file path=ppt/notesSlides/notesSlide16.xml><?xml version="1.0" encoding="utf-8"?>
 <p:notes xmlns:a="http://schemas.openxmlformats.org/drawingml/2006/main" xmlns:r="http://schemas.openxmlformats.org/officeDocument/2006/relationships" xmlns:p="http://schemas.openxmlformats.org/presentationml/2006/main" showMasterSp="0" showMasterPhAnim="0">
   <p:cSld>
     <p:spTree>
@@ -2002,7 +1780,7 @@
 </p:notes>
 </file>
 
-<file path=ppt/notesSlides/notesSlide19.xml><?xml version="1.0" encoding="utf-8"?>
+<file path=ppt/notesSlides/notesSlide17.xml><?xml version="1.0" encoding="utf-8"?>
 <p:notes xmlns:a="http://schemas.openxmlformats.org/drawingml/2006/main" xmlns:r="http://schemas.openxmlformats.org/officeDocument/2006/relationships" xmlns:p="http://schemas.openxmlformats.org/presentationml/2006/main" showMasterSp="0" showMasterPhAnim="0">
   <p:cSld>
     <p:spTree>
@@ -2233,7 +2011,7 @@
   <p:cSld>
     <p:spTree>
       <p:nvGrpSpPr>
-        <p:cNvPr id="1" name="Shape 92"/>
+        <p:cNvPr id="1" name="Shape 146"/>
         <p:cNvGrpSpPr/>
         <p:nvPr/>
       </p:nvGrpSpPr>
@@ -2247,7 +2025,7 @@
       </p:grpSpPr>
       <p:sp>
         <p:nvSpPr>
-          <p:cNvPr id="93" name="Google Shape;93;p3:notes"/>
+          <p:cNvPr id="147" name="Google Shape;147;p5:notes"/>
           <p:cNvSpPr txBox="1">
             <a:spLocks noGrp="1"/>
           </p:cNvSpPr>
@@ -2293,238 +2071,7 @@
       </p:sp>
       <p:sp>
         <p:nvSpPr>
-          <p:cNvPr id="94" name="Google Shape;94;p3:notes"/>
-          <p:cNvSpPr>
-            <a:spLocks noGrp="1" noRot="1" noChangeAspect="1"/>
-          </p:cNvSpPr>
-          <p:nvPr>
-            <p:ph type="sldImg" idx="2"/>
-          </p:nvPr>
-        </p:nvSpPr>
-        <p:spPr>
-          <a:xfrm>
-            <a:off x="142875" y="768350"/>
-            <a:ext cx="6818313" cy="3836988"/>
-          </a:xfrm>
-          <a:custGeom>
-            <a:avLst/>
-            <a:gdLst/>
-            <a:ahLst/>
-            <a:cxnLst/>
-            <a:rect l="l" t="t" r="r" b="b"/>
-            <a:pathLst>
-              <a:path w="120000" h="120000" extrusionOk="0">
-                <a:moveTo>
-                  <a:pt x="0" y="0"/>
-                </a:moveTo>
-                <a:lnTo>
-                  <a:pt x="120000" y="0"/>
-                </a:lnTo>
-                <a:lnTo>
-                  <a:pt x="120000" y="120000"/>
-                </a:lnTo>
-                <a:lnTo>
-                  <a:pt x="0" y="120000"/>
-                </a:lnTo>
-                <a:close/>
-              </a:path>
-            </a:pathLst>
-          </a:custGeom>
-          <a:noFill/>
-          <a:ln w="9525" cap="flat" cmpd="sng">
-            <a:solidFill>
-              <a:srgbClr val="000000"/>
-            </a:solidFill>
-            <a:prstDash val="solid"/>
-            <a:round/>
-            <a:headEnd type="none" w="sm" len="sm"/>
-            <a:tailEnd type="none" w="sm" len="sm"/>
-          </a:ln>
-        </p:spPr>
-      </p:sp>
-    </p:spTree>
-    <p:extLst>
-      <p:ext uri="{BB962C8B-B14F-4D97-AF65-F5344CB8AC3E}">
-        <p14:creationId xmlns:p14="http://schemas.microsoft.com/office/powerpoint/2010/main" val="458499850"/>
-      </p:ext>
-    </p:extLst>
-  </p:cSld>
-  <p:clrMapOvr>
-    <a:masterClrMapping/>
-  </p:clrMapOvr>
-</p:notes>
-</file>
-
-<file path=ppt/notesSlides/notesSlide4.xml><?xml version="1.0" encoding="utf-8"?>
-<p:notes xmlns:a="http://schemas.openxmlformats.org/drawingml/2006/main" xmlns:r="http://schemas.openxmlformats.org/officeDocument/2006/relationships" xmlns:p="http://schemas.openxmlformats.org/presentationml/2006/main" showMasterSp="0" showMasterPhAnim="0">
-  <p:cSld>
-    <p:spTree>
-      <p:nvGrpSpPr>
-        <p:cNvPr id="1" name="Shape 116"/>
-        <p:cNvGrpSpPr/>
-        <p:nvPr/>
-      </p:nvGrpSpPr>
-      <p:grpSpPr>
-        <a:xfrm>
-          <a:off x="0" y="0"/>
-          <a:ext cx="0" cy="0"/>
-          <a:chOff x="0" y="0"/>
-          <a:chExt cx="0" cy="0"/>
-        </a:xfrm>
-      </p:grpSpPr>
-      <p:sp>
-        <p:nvSpPr>
-          <p:cNvPr id="117" name="Google Shape;117;g659b3ba530_0_18:notes"/>
-          <p:cNvSpPr>
-            <a:spLocks noGrp="1" noRot="1" noChangeAspect="1"/>
-          </p:cNvSpPr>
-          <p:nvPr>
-            <p:ph type="sldImg" idx="2"/>
-          </p:nvPr>
-        </p:nvSpPr>
-        <p:spPr>
-          <a:xfrm>
-            <a:off x="142875" y="768350"/>
-            <a:ext cx="6819900" cy="3836988"/>
-          </a:xfrm>
-          <a:custGeom>
-            <a:avLst/>
-            <a:gdLst/>
-            <a:ahLst/>
-            <a:cxnLst/>
-            <a:rect l="l" t="t" r="r" b="b"/>
-            <a:pathLst>
-              <a:path w="120000" h="120000" extrusionOk="0">
-                <a:moveTo>
-                  <a:pt x="0" y="0"/>
-                </a:moveTo>
-                <a:lnTo>
-                  <a:pt x="120000" y="0"/>
-                </a:lnTo>
-                <a:lnTo>
-                  <a:pt x="120000" y="120000"/>
-                </a:lnTo>
-                <a:lnTo>
-                  <a:pt x="0" y="120000"/>
-                </a:lnTo>
-                <a:close/>
-              </a:path>
-            </a:pathLst>
-          </a:custGeom>
-        </p:spPr>
-      </p:sp>
-      <p:sp>
-        <p:nvSpPr>
-          <p:cNvPr id="118" name="Google Shape;118;g659b3ba530_0_18:notes"/>
-          <p:cNvSpPr txBox="1">
-            <a:spLocks noGrp="1"/>
-          </p:cNvSpPr>
-          <p:nvPr>
-            <p:ph type="body" idx="1"/>
-          </p:nvPr>
-        </p:nvSpPr>
-        <p:spPr>
-          <a:xfrm>
-            <a:off x="710400" y="4861425"/>
-            <a:ext cx="5683200" cy="4605600"/>
-          </a:xfrm>
-          <a:prstGeom prst="rect">
-            <a:avLst/>
-          </a:prstGeom>
-        </p:spPr>
-        <p:txBody>
-          <a:bodyPr spcFirstLastPara="1" wrap="square" lIns="91425" tIns="91425" rIns="91425" bIns="91425" anchor="t" anchorCtr="0">
-            <a:noAutofit/>
-          </a:bodyPr>
-          <a:lstStyle/>
-          <a:p>
-            <a:pPr marL="0" lvl="0" indent="0" algn="l" rtl="0">
-              <a:spcBef>
-                <a:spcPts val="0"/>
-              </a:spcBef>
-              <a:spcAft>
-                <a:spcPts val="0"/>
-              </a:spcAft>
-              <a:buNone/>
-            </a:pPr>
-            <a:endParaRPr/>
-          </a:p>
-        </p:txBody>
-      </p:sp>
-    </p:spTree>
-  </p:cSld>
-  <p:clrMapOvr>
-    <a:masterClrMapping/>
-  </p:clrMapOvr>
-</p:notes>
-</file>
-
-<file path=ppt/notesSlides/notesSlide5.xml><?xml version="1.0" encoding="utf-8"?>
-<p:notes xmlns:a="http://schemas.openxmlformats.org/drawingml/2006/main" xmlns:r="http://schemas.openxmlformats.org/officeDocument/2006/relationships" xmlns:p="http://schemas.openxmlformats.org/presentationml/2006/main" showMasterSp="0" showMasterPhAnim="0">
-  <p:cSld>
-    <p:spTree>
-      <p:nvGrpSpPr>
-        <p:cNvPr id="1" name="Shape 92"/>
-        <p:cNvGrpSpPr/>
-        <p:nvPr/>
-      </p:nvGrpSpPr>
-      <p:grpSpPr>
-        <a:xfrm>
-          <a:off x="0" y="0"/>
-          <a:ext cx="0" cy="0"/>
-          <a:chOff x="0" y="0"/>
-          <a:chExt cx="0" cy="0"/>
-        </a:xfrm>
-      </p:grpSpPr>
-      <p:sp>
-        <p:nvSpPr>
-          <p:cNvPr id="93" name="Google Shape;93;p3:notes"/>
-          <p:cNvSpPr txBox="1">
-            <a:spLocks noGrp="1"/>
-          </p:cNvSpPr>
-          <p:nvPr>
-            <p:ph type="body" idx="1"/>
-          </p:nvPr>
-        </p:nvSpPr>
-        <p:spPr>
-          <a:xfrm>
-            <a:off x="710400" y="4861425"/>
-            <a:ext cx="5683225" cy="4605550"/>
-          </a:xfrm>
-          <a:prstGeom prst="rect">
-            <a:avLst/>
-          </a:prstGeom>
-          <a:noFill/>
-          <a:ln>
-            <a:noFill/>
-          </a:ln>
-        </p:spPr>
-        <p:txBody>
-          <a:bodyPr spcFirstLastPara="1" wrap="square" lIns="91425" tIns="91425" rIns="91425" bIns="91425" anchor="t" anchorCtr="0">
-            <a:noAutofit/>
-          </a:bodyPr>
-          <a:lstStyle/>
-          <a:p>
-            <a:pPr marL="0" lvl="0" indent="0" algn="l" rtl="0">
-              <a:lnSpc>
-                <a:spcPct val="100000"/>
-              </a:lnSpc>
-              <a:spcBef>
-                <a:spcPts val="0"/>
-              </a:spcBef>
-              <a:spcAft>
-                <a:spcPts val="0"/>
-              </a:spcAft>
-              <a:buSzPts val="1100"/>
-              <a:buNone/>
-            </a:pPr>
-            <a:endParaRPr/>
-          </a:p>
-        </p:txBody>
-      </p:sp>
-      <p:sp>
-        <p:nvSpPr>
-          <p:cNvPr id="94" name="Google Shape;94;p3:notes"/>
+          <p:cNvPr id="148" name="Google Shape;148;p5:notes"/>
           <p:cNvSpPr>
             <a:spLocks noGrp="1" noRot="1" noChangeAspect="1"/>
           </p:cNvSpPr>
@@ -2581,12 +2128,12 @@
 </p:notes>
 </file>
 
-<file path=ppt/notesSlides/notesSlide6.xml><?xml version="1.0" encoding="utf-8"?>
+<file path=ppt/notesSlides/notesSlide4.xml><?xml version="1.0" encoding="utf-8"?>
 <p:notes xmlns:a="http://schemas.openxmlformats.org/drawingml/2006/main" xmlns:r="http://schemas.openxmlformats.org/officeDocument/2006/relationships" xmlns:p="http://schemas.openxmlformats.org/presentationml/2006/main" showMasterSp="0" showMasterPhAnim="0">
   <p:cSld>
     <p:spTree>
       <p:nvGrpSpPr>
-        <p:cNvPr id="1" name="Shape 98"/>
+        <p:cNvPr id="1" name="Shape 158"/>
         <p:cNvGrpSpPr/>
         <p:nvPr/>
       </p:nvGrpSpPr>
@@ -2600,7 +2147,7 @@
       </p:grpSpPr>
       <p:sp>
         <p:nvSpPr>
-          <p:cNvPr id="99" name="Google Shape;99;g659b3ba530_0_8:notes"/>
+          <p:cNvPr id="159" name="Google Shape;159;g659b3ba530_0_43:notes"/>
           <p:cNvSpPr>
             <a:spLocks noGrp="1" noRot="1" noChangeAspect="1"/>
           </p:cNvSpPr>
@@ -2641,7 +2188,7 @@
       </p:sp>
       <p:sp>
         <p:nvSpPr>
-          <p:cNvPr id="100" name="Google Shape;100;g659b3ba530_0_8:notes"/>
+          <p:cNvPr id="160" name="Google Shape;160;g659b3ba530_0_43:notes"/>
           <p:cNvSpPr txBox="1">
             <a:spLocks noGrp="1"/>
           </p:cNvSpPr>
@@ -2685,12 +2232,12 @@
 </p:notes>
 </file>
 
-<file path=ppt/notesSlides/notesSlide7.xml><?xml version="1.0" encoding="utf-8"?>
+<file path=ppt/notesSlides/notesSlide5.xml><?xml version="1.0" encoding="utf-8"?>
 <p:notes xmlns:a="http://schemas.openxmlformats.org/drawingml/2006/main" xmlns:r="http://schemas.openxmlformats.org/officeDocument/2006/relationships" xmlns:p="http://schemas.openxmlformats.org/presentationml/2006/main" showMasterSp="0" showMasterPhAnim="0">
   <p:cSld>
     <p:spTree>
       <p:nvGrpSpPr>
-        <p:cNvPr id="1" name="Shape 104"/>
+        <p:cNvPr id="1" name="Shape 152"/>
         <p:cNvGrpSpPr/>
         <p:nvPr/>
       </p:nvGrpSpPr>
@@ -2704,7 +2251,7 @@
       </p:grpSpPr>
       <p:sp>
         <p:nvSpPr>
-          <p:cNvPr id="105" name="Google Shape;105;g659b3ba530_0_13:notes"/>
+          <p:cNvPr id="153" name="Google Shape;153;g659b3ba530_0_38:notes"/>
           <p:cNvSpPr>
             <a:spLocks noGrp="1" noRot="1" noChangeAspect="1"/>
           </p:cNvSpPr>
@@ -2745,7 +2292,7 @@
       </p:sp>
       <p:sp>
         <p:nvSpPr>
-          <p:cNvPr id="106" name="Google Shape;106;g659b3ba530_0_13:notes"/>
+          <p:cNvPr id="154" name="Google Shape;154;g659b3ba530_0_38:notes"/>
           <p:cNvSpPr txBox="1">
             <a:spLocks noGrp="1"/>
           </p:cNvSpPr>
@@ -2789,7 +2336,7 @@
 </p:notes>
 </file>
 
-<file path=ppt/notesSlides/notesSlide8.xml><?xml version="1.0" encoding="utf-8"?>
+<file path=ppt/notesSlides/notesSlide6.xml><?xml version="1.0" encoding="utf-8"?>
 <p:notes xmlns:a="http://schemas.openxmlformats.org/drawingml/2006/main" xmlns:r="http://schemas.openxmlformats.org/officeDocument/2006/relationships" xmlns:p="http://schemas.openxmlformats.org/presentationml/2006/main" showMasterSp="0" showMasterPhAnim="0">
   <p:cSld>
     <p:spTree>
@@ -2893,7 +2440,7 @@
 </p:notes>
 </file>
 
-<file path=ppt/notesSlides/notesSlide9.xml><?xml version="1.0" encoding="utf-8"?>
+<file path=ppt/notesSlides/notesSlide7.xml><?xml version="1.0" encoding="utf-8"?>
 <p:notes xmlns:a="http://schemas.openxmlformats.org/drawingml/2006/main" xmlns:r="http://schemas.openxmlformats.org/officeDocument/2006/relationships" xmlns:p="http://schemas.openxmlformats.org/presentationml/2006/main" showMasterSp="0" showMasterPhAnim="0">
   <p:cSld>
     <p:spTree>
@@ -2988,6 +2535,250 @@
             <a:endParaRPr/>
           </a:p>
         </p:txBody>
+      </p:sp>
+    </p:spTree>
+  </p:cSld>
+  <p:clrMapOvr>
+    <a:masterClrMapping/>
+  </p:clrMapOvr>
+</p:notes>
+</file>
+
+<file path=ppt/notesSlides/notesSlide8.xml><?xml version="1.0" encoding="utf-8"?>
+<p:notes xmlns:a="http://schemas.openxmlformats.org/drawingml/2006/main" xmlns:r="http://schemas.openxmlformats.org/officeDocument/2006/relationships" xmlns:p="http://schemas.openxmlformats.org/presentationml/2006/main" showMasterSp="0" showMasterPhAnim="0">
+  <p:cSld>
+    <p:spTree>
+      <p:nvGrpSpPr>
+        <p:cNvPr id="1" name="Shape 128"/>
+        <p:cNvGrpSpPr/>
+        <p:nvPr/>
+      </p:nvGrpSpPr>
+      <p:grpSpPr>
+        <a:xfrm>
+          <a:off x="0" y="0"/>
+          <a:ext cx="0" cy="0"/>
+          <a:chOff x="0" y="0"/>
+          <a:chExt cx="0" cy="0"/>
+        </a:xfrm>
+      </p:grpSpPr>
+      <p:sp>
+        <p:nvSpPr>
+          <p:cNvPr id="129" name="Google Shape;129;p4:notes"/>
+          <p:cNvSpPr txBox="1">
+            <a:spLocks noGrp="1"/>
+          </p:cNvSpPr>
+          <p:nvPr>
+            <p:ph type="body" idx="1"/>
+          </p:nvPr>
+        </p:nvSpPr>
+        <p:spPr>
+          <a:xfrm>
+            <a:off x="710400" y="4861425"/>
+            <a:ext cx="5683225" cy="4605550"/>
+          </a:xfrm>
+          <a:prstGeom prst="rect">
+            <a:avLst/>
+          </a:prstGeom>
+          <a:noFill/>
+          <a:ln>
+            <a:noFill/>
+          </a:ln>
+        </p:spPr>
+        <p:txBody>
+          <a:bodyPr spcFirstLastPara="1" wrap="square" lIns="91425" tIns="91425" rIns="91425" bIns="91425" anchor="t" anchorCtr="0">
+            <a:noAutofit/>
+          </a:bodyPr>
+          <a:lstStyle/>
+          <a:p>
+            <a:pPr marL="0" lvl="0" indent="0" algn="l" rtl="0">
+              <a:lnSpc>
+                <a:spcPct val="100000"/>
+              </a:lnSpc>
+              <a:spcBef>
+                <a:spcPts val="0"/>
+              </a:spcBef>
+              <a:spcAft>
+                <a:spcPts val="0"/>
+              </a:spcAft>
+              <a:buSzPts val="1100"/>
+              <a:buNone/>
+            </a:pPr>
+            <a:endParaRPr/>
+          </a:p>
+        </p:txBody>
+      </p:sp>
+      <p:sp>
+        <p:nvSpPr>
+          <p:cNvPr id="130" name="Google Shape;130;p4:notes"/>
+          <p:cNvSpPr>
+            <a:spLocks noGrp="1" noRot="1" noChangeAspect="1"/>
+          </p:cNvSpPr>
+          <p:nvPr>
+            <p:ph type="sldImg" idx="2"/>
+          </p:nvPr>
+        </p:nvSpPr>
+        <p:spPr>
+          <a:xfrm>
+            <a:off x="142875" y="768350"/>
+            <a:ext cx="6818313" cy="3836988"/>
+          </a:xfrm>
+          <a:custGeom>
+            <a:avLst/>
+            <a:gdLst/>
+            <a:ahLst/>
+            <a:cxnLst/>
+            <a:rect l="l" t="t" r="r" b="b"/>
+            <a:pathLst>
+              <a:path w="120000" h="120000" extrusionOk="0">
+                <a:moveTo>
+                  <a:pt x="0" y="0"/>
+                </a:moveTo>
+                <a:lnTo>
+                  <a:pt x="120000" y="0"/>
+                </a:lnTo>
+                <a:lnTo>
+                  <a:pt x="120000" y="120000"/>
+                </a:lnTo>
+                <a:lnTo>
+                  <a:pt x="0" y="120000"/>
+                </a:lnTo>
+                <a:close/>
+              </a:path>
+            </a:pathLst>
+          </a:custGeom>
+          <a:noFill/>
+          <a:ln w="9525" cap="flat" cmpd="sng">
+            <a:solidFill>
+              <a:srgbClr val="000000"/>
+            </a:solidFill>
+            <a:prstDash val="solid"/>
+            <a:round/>
+            <a:headEnd type="none" w="sm" len="sm"/>
+            <a:tailEnd type="none" w="sm" len="sm"/>
+          </a:ln>
+        </p:spPr>
+      </p:sp>
+    </p:spTree>
+  </p:cSld>
+  <p:clrMapOvr>
+    <a:masterClrMapping/>
+  </p:clrMapOvr>
+</p:notes>
+</file>
+
+<file path=ppt/notesSlides/notesSlide9.xml><?xml version="1.0" encoding="utf-8"?>
+<p:notes xmlns:a="http://schemas.openxmlformats.org/drawingml/2006/main" xmlns:r="http://schemas.openxmlformats.org/officeDocument/2006/relationships" xmlns:p="http://schemas.openxmlformats.org/presentationml/2006/main" showMasterSp="0" showMasterPhAnim="0">
+  <p:cSld>
+    <p:spTree>
+      <p:nvGrpSpPr>
+        <p:cNvPr id="1" name="Shape 92"/>
+        <p:cNvGrpSpPr/>
+        <p:nvPr/>
+      </p:nvGrpSpPr>
+      <p:grpSpPr>
+        <a:xfrm>
+          <a:off x="0" y="0"/>
+          <a:ext cx="0" cy="0"/>
+          <a:chOff x="0" y="0"/>
+          <a:chExt cx="0" cy="0"/>
+        </a:xfrm>
+      </p:grpSpPr>
+      <p:sp>
+        <p:nvSpPr>
+          <p:cNvPr id="93" name="Google Shape;93;p3:notes"/>
+          <p:cNvSpPr txBox="1">
+            <a:spLocks noGrp="1"/>
+          </p:cNvSpPr>
+          <p:nvPr>
+            <p:ph type="body" idx="1"/>
+          </p:nvPr>
+        </p:nvSpPr>
+        <p:spPr>
+          <a:xfrm>
+            <a:off x="710400" y="4861425"/>
+            <a:ext cx="5683225" cy="4605550"/>
+          </a:xfrm>
+          <a:prstGeom prst="rect">
+            <a:avLst/>
+          </a:prstGeom>
+          <a:noFill/>
+          <a:ln>
+            <a:noFill/>
+          </a:ln>
+        </p:spPr>
+        <p:txBody>
+          <a:bodyPr spcFirstLastPara="1" wrap="square" lIns="91425" tIns="91425" rIns="91425" bIns="91425" anchor="t" anchorCtr="0">
+            <a:noAutofit/>
+          </a:bodyPr>
+          <a:lstStyle/>
+          <a:p>
+            <a:pPr marL="0" lvl="0" indent="0" algn="l" rtl="0">
+              <a:lnSpc>
+                <a:spcPct val="100000"/>
+              </a:lnSpc>
+              <a:spcBef>
+                <a:spcPts val="0"/>
+              </a:spcBef>
+              <a:spcAft>
+                <a:spcPts val="0"/>
+              </a:spcAft>
+              <a:buSzPts val="1100"/>
+              <a:buNone/>
+            </a:pPr>
+            <a:endParaRPr/>
+          </a:p>
+        </p:txBody>
+      </p:sp>
+      <p:sp>
+        <p:nvSpPr>
+          <p:cNvPr id="94" name="Google Shape;94;p3:notes"/>
+          <p:cNvSpPr>
+            <a:spLocks noGrp="1" noRot="1" noChangeAspect="1"/>
+          </p:cNvSpPr>
+          <p:nvPr>
+            <p:ph type="sldImg" idx="2"/>
+          </p:nvPr>
+        </p:nvSpPr>
+        <p:spPr>
+          <a:xfrm>
+            <a:off x="142875" y="768350"/>
+            <a:ext cx="6818313" cy="3836988"/>
+          </a:xfrm>
+          <a:custGeom>
+            <a:avLst/>
+            <a:gdLst/>
+            <a:ahLst/>
+            <a:cxnLst/>
+            <a:rect l="l" t="t" r="r" b="b"/>
+            <a:pathLst>
+              <a:path w="120000" h="120000" extrusionOk="0">
+                <a:moveTo>
+                  <a:pt x="0" y="0"/>
+                </a:moveTo>
+                <a:lnTo>
+                  <a:pt x="120000" y="0"/>
+                </a:lnTo>
+                <a:lnTo>
+                  <a:pt x="120000" y="120000"/>
+                </a:lnTo>
+                <a:lnTo>
+                  <a:pt x="0" y="120000"/>
+                </a:lnTo>
+                <a:close/>
+              </a:path>
+            </a:pathLst>
+          </a:custGeom>
+          <a:noFill/>
+          <a:ln w="9525" cap="flat" cmpd="sng">
+            <a:solidFill>
+              <a:srgbClr val="000000"/>
+            </a:solidFill>
+            <a:prstDash val="solid"/>
+            <a:round/>
+            <a:headEnd type="none" w="sm" len="sm"/>
+            <a:tailEnd type="none" w="sm" len="sm"/>
+          </a:ln>
+        </p:spPr>
       </p:sp>
     </p:spTree>
   </p:cSld>
@@ -16850,7 +16641,7 @@
   <p:cSld>
     <p:spTree>
       <p:nvGrpSpPr>
-        <p:cNvPr id="1" name="Shape 125"/>
+        <p:cNvPr id="1" name="Shape 95"/>
         <p:cNvGrpSpPr/>
         <p:nvPr/>
       </p:nvGrpSpPr>
@@ -16864,7 +16655,128 @@
       </p:grpSpPr>
       <p:sp>
         <p:nvSpPr>
-          <p:cNvPr id="126" name="Google Shape;126;g659b3ba530_0_28"/>
+          <p:cNvPr id="97" name="Google Shape;97;p3"/>
+          <p:cNvSpPr txBox="1">
+            <a:spLocks noGrp="1"/>
+          </p:cNvSpPr>
+          <p:nvPr>
+            <p:ph type="body" idx="1"/>
+          </p:nvPr>
+        </p:nvSpPr>
+        <p:spPr>
+          <a:xfrm>
+            <a:off x="838200" y="1842225"/>
+            <a:ext cx="10515600" cy="4351200"/>
+          </a:xfrm>
+          <a:prstGeom prst="rect">
+            <a:avLst/>
+          </a:prstGeom>
+          <a:noFill/>
+          <a:ln>
+            <a:noFill/>
+          </a:ln>
+        </p:spPr>
+        <p:txBody>
+          <a:bodyPr spcFirstLastPara="1" wrap="square" lIns="91425" tIns="45700" rIns="91425" bIns="45700" anchor="t" anchorCtr="0">
+            <a:normAutofit/>
+          </a:bodyPr>
+          <a:lstStyle/>
+          <a:p>
+            <a:pPr marL="457200" lvl="1" indent="0" algn="l" rtl="0">
+              <a:lnSpc>
+                <a:spcPct val="90000"/>
+              </a:lnSpc>
+              <a:spcBef>
+                <a:spcPts val="500"/>
+              </a:spcBef>
+              <a:spcAft>
+                <a:spcPts val="0"/>
+              </a:spcAft>
+              <a:buClr>
+                <a:schemeClr val="dk1"/>
+              </a:buClr>
+              <a:buSzPts val="2600"/>
+              <a:buNone/>
+            </a:pPr>
+            <a:endParaRPr sz="2600" dirty="0">
+              <a:latin typeface="Times New Roman"/>
+              <a:ea typeface="Times New Roman"/>
+              <a:cs typeface="Times New Roman"/>
+              <a:sym typeface="Times New Roman"/>
+            </a:endParaRPr>
+          </a:p>
+          <a:p>
+            <a:pPr marL="457200" lvl="1" indent="-457200">
+              <a:buSzPts val="2600"/>
+            </a:pPr>
+            <a:r>
+              <a:rPr lang="en-US" sz="2600" dirty="0">
+                <a:latin typeface="Times New Roman"/>
+                <a:ea typeface="Times New Roman"/>
+                <a:cs typeface="Times New Roman"/>
+                <a:sym typeface="Times New Roman"/>
+              </a:rPr>
+              <a:t>VANETs provides communication between vehicles themselves and between vehicles and road side units, which can be integrated for creating a smart city.</a:t>
+            </a:r>
+          </a:p>
+          <a:p>
+            <a:pPr marL="457200" lvl="1" indent="-457200">
+              <a:buSzPts val="2600"/>
+            </a:pPr>
+            <a:endParaRPr lang="en-US" sz="2600" dirty="0">
+              <a:latin typeface="Times New Roman"/>
+              <a:ea typeface="Times New Roman"/>
+              <a:cs typeface="Times New Roman"/>
+              <a:sym typeface="Times New Roman"/>
+            </a:endParaRPr>
+          </a:p>
+          <a:p>
+            <a:pPr marL="457200" lvl="1" indent="-457200">
+              <a:buSzPts val="2600"/>
+            </a:pPr>
+            <a:r>
+              <a:rPr lang="en-US" sz="2600" dirty="0">
+                <a:latin typeface="Times New Roman" panose="02020603050405020304" pitchFamily="18" charset="0"/>
+                <a:cs typeface="Times New Roman" panose="02020603050405020304" pitchFamily="18" charset="0"/>
+              </a:rPr>
+              <a:t>Continuous broadcasting is done whether any vehicle is in range or not communication is established or not. </a:t>
+            </a:r>
+          </a:p>
+          <a:p>
+            <a:pPr marL="0" lvl="1" indent="0" algn="l" rtl="0">
+              <a:lnSpc>
+                <a:spcPct val="90000"/>
+              </a:lnSpc>
+              <a:spcBef>
+                <a:spcPts val="500"/>
+              </a:spcBef>
+              <a:spcAft>
+                <a:spcPts val="0"/>
+              </a:spcAft>
+              <a:buClr>
+                <a:schemeClr val="dk1"/>
+              </a:buClr>
+              <a:buSzPts val="2600"/>
+              <a:buNone/>
+            </a:pPr>
+            <a:endParaRPr lang="en-US" sz="2600" dirty="0">
+              <a:latin typeface="Times New Roman"/>
+              <a:ea typeface="Times New Roman"/>
+              <a:cs typeface="Times New Roman"/>
+              <a:sym typeface="Times New Roman"/>
+            </a:endParaRPr>
+          </a:p>
+        </p:txBody>
+      </p:sp>
+      <p:sp>
+        <p:nvSpPr>
+          <p:cNvPr id="7" name="Google Shape;102;g659b3ba530_0_8">
+            <a:extLst>
+              <a:ext uri="{FF2B5EF4-FFF2-40B4-BE49-F238E27FC236}">
+                <a16:creationId xmlns:a16="http://schemas.microsoft.com/office/drawing/2014/main" id="{91B91BEC-4C63-48C0-ABE4-0A7D1F32888B}"/>
+              </a:ext>
+            </a:extLst>
+          </p:cNvPr>
           <p:cNvSpPr txBox="1">
             <a:spLocks noGrp="1"/>
           </p:cNvSpPr>
@@ -16887,22 +16799,250 @@
           </a:bodyPr>
           <a:lstStyle/>
           <a:p>
-            <a:pPr marL="0" lvl="0" indent="0" algn="l" rtl="0">
-              <a:spcBef>
-                <a:spcPts val="0"/>
-              </a:spcBef>
-              <a:spcAft>
-                <a:spcPts val="0"/>
-              </a:spcAft>
-              <a:buNone/>
-            </a:pPr>
-            <a:endParaRPr/>
+            <a:pPr lvl="0"/>
+            <a:r>
+              <a:rPr lang="en-US" sz="3200" dirty="0">
+                <a:latin typeface="Times New Roman"/>
+                <a:ea typeface="Times New Roman"/>
+                <a:cs typeface="Times New Roman"/>
+                <a:sym typeface="Times New Roman"/>
+              </a:rPr>
+              <a:t>Study 3: </a:t>
+            </a:r>
+            <a:r>
+              <a:rPr lang="en-US" sz="2600" dirty="0" err="1">
+                <a:latin typeface="Times New Roman"/>
+                <a:ea typeface="Times New Roman"/>
+                <a:cs typeface="Times New Roman"/>
+                <a:sym typeface="Times New Roman"/>
+              </a:rPr>
+              <a:t>Khekare</a:t>
+            </a:r>
+            <a:r>
+              <a:rPr lang="en-US" sz="2600" dirty="0">
+                <a:latin typeface="Times New Roman"/>
+                <a:ea typeface="Times New Roman"/>
+                <a:cs typeface="Times New Roman"/>
+                <a:sym typeface="Times New Roman"/>
+              </a:rPr>
+              <a:t>, G.S., </a:t>
+            </a:r>
+            <a:r>
+              <a:rPr lang="en-US" sz="2600" dirty="0" err="1">
+                <a:latin typeface="Times New Roman"/>
+                <a:ea typeface="Times New Roman"/>
+                <a:cs typeface="Times New Roman"/>
+                <a:sym typeface="Times New Roman"/>
+              </a:rPr>
+              <a:t>Sakhare</a:t>
+            </a:r>
+            <a:r>
+              <a:rPr lang="en-US" sz="2600" dirty="0">
+                <a:latin typeface="Times New Roman"/>
+                <a:ea typeface="Times New Roman"/>
+                <a:cs typeface="Times New Roman"/>
+                <a:sym typeface="Times New Roman"/>
+              </a:rPr>
+              <a:t> A.V. proposed VANETs (Vehicular Ad Hoc Networks)</a:t>
+            </a:r>
+            <a:r>
+              <a:rPr lang="en-US" dirty="0">
+                <a:latin typeface="Times New Roman"/>
+                <a:ea typeface="Times New Roman"/>
+                <a:cs typeface="Times New Roman"/>
+                <a:sym typeface="Times New Roman"/>
+              </a:rPr>
+              <a:t> </a:t>
+            </a:r>
+            <a:r>
+              <a:rPr lang="en-US" sz="1800" dirty="0">
+                <a:latin typeface="Times New Roman"/>
+                <a:ea typeface="Times New Roman"/>
+                <a:cs typeface="Times New Roman"/>
+                <a:sym typeface="Times New Roman"/>
+              </a:rPr>
+              <a:t>(2013)</a:t>
+            </a:r>
+            <a:endParaRPr lang="en-US" sz="1800" dirty="0"/>
           </a:p>
         </p:txBody>
       </p:sp>
+    </p:spTree>
+  </p:cSld>
+  <p:clrMapOvr>
+    <a:masterClrMapping/>
+  </p:clrMapOvr>
+</p:sld>
+</file>
+
+<file path=ppt/slides/slide11.xml><?xml version="1.0" encoding="utf-8"?>
+<p:sld xmlns:a="http://schemas.openxmlformats.org/drawingml/2006/main" xmlns:r="http://schemas.openxmlformats.org/officeDocument/2006/relationships" xmlns:p="http://schemas.openxmlformats.org/presentationml/2006/main">
+  <p:cSld>
+    <p:spTree>
+      <p:nvGrpSpPr>
+        <p:cNvPr id="1" name="Shape 101"/>
+        <p:cNvGrpSpPr/>
+        <p:nvPr/>
+      </p:nvGrpSpPr>
+      <p:grpSpPr>
+        <a:xfrm>
+          <a:off x="0" y="0"/>
+          <a:ext cx="0" cy="0"/>
+          <a:chOff x="0" y="0"/>
+          <a:chExt cx="0" cy="0"/>
+        </a:xfrm>
+      </p:grpSpPr>
       <p:sp>
         <p:nvSpPr>
-          <p:cNvPr id="127" name="Google Shape;127;g659b3ba530_0_28"/>
+          <p:cNvPr id="102" name="Google Shape;102;g659b3ba530_0_8"/>
+          <p:cNvSpPr txBox="1">
+            <a:spLocks noGrp="1"/>
+          </p:cNvSpPr>
+          <p:nvPr>
+            <p:ph type="title"/>
+          </p:nvPr>
+        </p:nvSpPr>
+        <p:spPr>
+          <a:xfrm>
+            <a:off x="838200" y="365125"/>
+            <a:ext cx="10515600" cy="1325700"/>
+          </a:xfrm>
+          <a:prstGeom prst="rect">
+            <a:avLst/>
+          </a:prstGeom>
+        </p:spPr>
+        <p:txBody>
+          <a:bodyPr spcFirstLastPara="1" wrap="square" lIns="91425" tIns="45700" rIns="91425" bIns="45700" anchor="ctr" anchorCtr="0">
+            <a:noAutofit/>
+          </a:bodyPr>
+          <a:lstStyle/>
+          <a:p>
+            <a:pPr lvl="0"/>
+            <a:r>
+              <a:rPr lang="en-US" sz="3200" dirty="0">
+                <a:latin typeface="Times New Roman"/>
+                <a:ea typeface="Times New Roman"/>
+                <a:cs typeface="Times New Roman"/>
+                <a:sym typeface="Times New Roman"/>
+              </a:rPr>
+              <a:t>Study 3: </a:t>
+            </a:r>
+            <a:r>
+              <a:rPr lang="en-US" sz="2600" dirty="0" err="1">
+                <a:latin typeface="Times New Roman"/>
+                <a:ea typeface="Times New Roman"/>
+                <a:cs typeface="Times New Roman"/>
+                <a:sym typeface="Times New Roman"/>
+              </a:rPr>
+              <a:t>Khekare</a:t>
+            </a:r>
+            <a:r>
+              <a:rPr lang="en-US" sz="2600" dirty="0">
+                <a:latin typeface="Times New Roman"/>
+                <a:ea typeface="Times New Roman"/>
+                <a:cs typeface="Times New Roman"/>
+                <a:sym typeface="Times New Roman"/>
+              </a:rPr>
+              <a:t>, G.S., </a:t>
+            </a:r>
+            <a:r>
+              <a:rPr lang="en-US" sz="2600" dirty="0" err="1">
+                <a:latin typeface="Times New Roman"/>
+                <a:ea typeface="Times New Roman"/>
+                <a:cs typeface="Times New Roman"/>
+                <a:sym typeface="Times New Roman"/>
+              </a:rPr>
+              <a:t>Sakhare</a:t>
+            </a:r>
+            <a:r>
+              <a:rPr lang="en-US" sz="2600" dirty="0">
+                <a:latin typeface="Times New Roman"/>
+                <a:ea typeface="Times New Roman"/>
+                <a:cs typeface="Times New Roman"/>
+                <a:sym typeface="Times New Roman"/>
+              </a:rPr>
+              <a:t> A.V. proposed VANETs (Vehicular Ad Hoc Networks)</a:t>
+            </a:r>
+            <a:r>
+              <a:rPr lang="en-US" dirty="0">
+                <a:latin typeface="Times New Roman"/>
+                <a:ea typeface="Times New Roman"/>
+                <a:cs typeface="Times New Roman"/>
+                <a:sym typeface="Times New Roman"/>
+              </a:rPr>
+              <a:t> </a:t>
+            </a:r>
+            <a:r>
+              <a:rPr lang="en-US" sz="1800" dirty="0">
+                <a:latin typeface="Times New Roman"/>
+                <a:ea typeface="Times New Roman"/>
+                <a:cs typeface="Times New Roman"/>
+                <a:sym typeface="Times New Roman"/>
+              </a:rPr>
+              <a:t>(2013)</a:t>
+            </a:r>
+            <a:endParaRPr lang="en-US" sz="1800" dirty="0"/>
+          </a:p>
+        </p:txBody>
+      </p:sp>
+      <p:pic>
+        <p:nvPicPr>
+          <p:cNvPr id="6" name="Picture 5">
+            <a:extLst>
+              <a:ext uri="{FF2B5EF4-FFF2-40B4-BE49-F238E27FC236}">
+                <a16:creationId xmlns:a16="http://schemas.microsoft.com/office/drawing/2014/main" id="{AD2DC2E1-60B1-49CD-81D6-A08D2E9F6B85}"/>
+              </a:ext>
+            </a:extLst>
+          </p:cNvPr>
+          <p:cNvPicPr>
+            <a:picLocks noChangeAspect="1"/>
+          </p:cNvPicPr>
+          <p:nvPr/>
+        </p:nvPicPr>
+        <p:blipFill>
+          <a:blip r:embed="rId3"/>
+          <a:stretch>
+            <a:fillRect/>
+          </a:stretch>
+        </p:blipFill>
+        <p:spPr>
+          <a:xfrm>
+            <a:off x="2620652" y="1557235"/>
+            <a:ext cx="6950696" cy="5006722"/>
+          </a:xfrm>
+          <a:prstGeom prst="rect">
+            <a:avLst/>
+          </a:prstGeom>
+        </p:spPr>
+      </p:pic>
+    </p:spTree>
+  </p:cSld>
+  <p:clrMapOvr>
+    <a:masterClrMapping/>
+  </p:clrMapOvr>
+</p:sld>
+</file>
+
+<file path=ppt/slides/slide12.xml><?xml version="1.0" encoding="utf-8"?>
+<p:sld xmlns:a="http://schemas.openxmlformats.org/drawingml/2006/main" xmlns:r="http://schemas.openxmlformats.org/officeDocument/2006/relationships" xmlns:p="http://schemas.openxmlformats.org/presentationml/2006/main">
+  <p:cSld>
+    <p:spTree>
+      <p:nvGrpSpPr>
+        <p:cNvPr id="1" name="Shape 107"/>
+        <p:cNvGrpSpPr/>
+        <p:nvPr/>
+      </p:nvGrpSpPr>
+      <p:grpSpPr>
+        <a:xfrm>
+          <a:off x="0" y="0"/>
+          <a:ext cx="0" cy="0"/>
+          <a:chOff x="0" y="0"/>
+          <a:chExt cx="0" cy="0"/>
+        </a:xfrm>
+      </p:grpSpPr>
+      <p:sp>
+        <p:nvSpPr>
+          <p:cNvPr id="109" name="Google Shape;109;g659b3ba530_0_13"/>
           <p:cNvSpPr txBox="1">
             <a:spLocks noGrp="1"/>
           </p:cNvSpPr>
@@ -16925,291 +17065,53 @@
           </a:bodyPr>
           <a:lstStyle/>
           <a:p>
-            <a:pPr marL="0" lvl="0" indent="0" algn="l" rtl="0">
-              <a:spcBef>
-                <a:spcPts val="1000"/>
-              </a:spcBef>
-              <a:spcAft>
-                <a:spcPts val="0"/>
-              </a:spcAft>
-              <a:buNone/>
-            </a:pPr>
-            <a:endParaRPr/>
-          </a:p>
-        </p:txBody>
-      </p:sp>
-      <p:pic>
-        <p:nvPicPr>
-          <p:cNvPr id="3" name="Picture 2">
-            <a:extLst>
-              <a:ext uri="{FF2B5EF4-FFF2-40B4-BE49-F238E27FC236}">
-                <a16:creationId xmlns:a16="http://schemas.microsoft.com/office/drawing/2014/main" id="{DD0F8CC6-FD5B-4E34-8680-E124EABB1F76}"/>
-              </a:ext>
-            </a:extLst>
-          </p:cNvPr>
-          <p:cNvPicPr>
-            <a:picLocks noChangeAspect="1"/>
-          </p:cNvPicPr>
-          <p:nvPr/>
-        </p:nvPicPr>
-        <p:blipFill>
-          <a:blip r:embed="rId3"/>
-          <a:stretch>
-            <a:fillRect/>
-          </a:stretch>
-        </p:blipFill>
-        <p:spPr>
-          <a:xfrm>
-            <a:off x="4386606" y="1825625"/>
-            <a:ext cx="3418788" cy="4528928"/>
-          </a:xfrm>
-          <a:prstGeom prst="rect">
-            <a:avLst/>
-          </a:prstGeom>
-        </p:spPr>
-      </p:pic>
-    </p:spTree>
-  </p:cSld>
-  <p:clrMapOvr>
-    <a:masterClrMapping/>
-  </p:clrMapOvr>
-</p:sld>
-</file>
-
-<file path=ppt/slides/slide11.xml><?xml version="1.0" encoding="utf-8"?>
-<p:sld xmlns:a="http://schemas.openxmlformats.org/drawingml/2006/main" xmlns:r="http://schemas.openxmlformats.org/officeDocument/2006/relationships" xmlns:p="http://schemas.openxmlformats.org/presentationml/2006/main">
-  <p:cSld>
-    <p:spTree>
-      <p:nvGrpSpPr>
-        <p:cNvPr id="1" name="Shape 131"/>
-        <p:cNvGrpSpPr/>
-        <p:nvPr/>
-      </p:nvGrpSpPr>
-      <p:grpSpPr>
-        <a:xfrm>
-          <a:off x="0" y="0"/>
-          <a:ext cx="0" cy="0"/>
-          <a:chOff x="0" y="0"/>
-          <a:chExt cx="0" cy="0"/>
-        </a:xfrm>
-      </p:grpSpPr>
-      <p:sp>
-        <p:nvSpPr>
-          <p:cNvPr id="132" name="Google Shape;132;p4"/>
-          <p:cNvSpPr txBox="1">
-            <a:spLocks noGrp="1"/>
-          </p:cNvSpPr>
-          <p:nvPr>
-            <p:ph type="title"/>
-          </p:nvPr>
-        </p:nvSpPr>
-        <p:spPr>
-          <a:xfrm>
-            <a:off x="838200" y="365125"/>
-            <a:ext cx="10515600" cy="1325563"/>
-          </a:xfrm>
-          <a:prstGeom prst="rect">
-            <a:avLst/>
-          </a:prstGeom>
-          <a:noFill/>
-          <a:ln>
-            <a:noFill/>
-          </a:ln>
-        </p:spPr>
-        <p:txBody>
-          <a:bodyPr spcFirstLastPara="1" wrap="square" lIns="91425" tIns="45700" rIns="91425" bIns="45700" anchor="ctr" anchorCtr="0">
-            <a:normAutofit/>
-          </a:bodyPr>
-          <a:lstStyle/>
-          <a:p>
-            <a:pPr marL="0" lvl="0" indent="0" algn="l" rtl="0">
-              <a:lnSpc>
-                <a:spcPct val="90000"/>
-              </a:lnSpc>
-              <a:spcBef>
-                <a:spcPts val="0"/>
-              </a:spcBef>
-              <a:spcAft>
-                <a:spcPts val="0"/>
-              </a:spcAft>
-              <a:buSzPts val="2800"/>
-              <a:buNone/>
+            <a:pPr indent="-457200">
+              <a:buSzPct val="100000"/>
             </a:pPr>
             <a:r>
-              <a:rPr lang="en-US" sz="2800">
-                <a:latin typeface="Times New Roman"/>
-                <a:ea typeface="Times New Roman"/>
-                <a:cs typeface="Times New Roman"/>
-                <a:sym typeface="Times New Roman"/>
+              <a:rPr lang="en-US" sz="2600" dirty="0">
+                <a:latin typeface="Times New Roman" panose="02020603050405020304" pitchFamily="18" charset="0"/>
+                <a:cs typeface="Times New Roman" panose="02020603050405020304" pitchFamily="18" charset="0"/>
               </a:rPr>
-              <a:t>Study 3: </a:t>
+              <a:t>Warning message module then sends the data to the traffic density calculation module. Then calculations are made in this module and traffic density of each road is calculated.</a:t>
             </a:r>
+          </a:p>
+          <a:p>
+            <a:pPr indent="-457200">
+              <a:buSzPct val="100000"/>
+            </a:pPr>
+            <a:endParaRPr lang="en-US" sz="2600" dirty="0">
+              <a:latin typeface="Times New Roman" panose="02020603050405020304" pitchFamily="18" charset="0"/>
+              <a:cs typeface="Times New Roman" panose="02020603050405020304" pitchFamily="18" charset="0"/>
+            </a:endParaRPr>
+          </a:p>
+          <a:p>
+            <a:pPr indent="-457200">
+              <a:buSzPct val="100000"/>
+            </a:pPr>
             <a:r>
-              <a:rPr lang="en-US" sz="1400">
-                <a:latin typeface="Times New Roman"/>
-                <a:ea typeface="Times New Roman"/>
-                <a:cs typeface="Times New Roman"/>
-                <a:sym typeface="Times New Roman"/>
+              <a:rPr lang="en-US" sz="2600" dirty="0">
+                <a:latin typeface="Times New Roman" panose="02020603050405020304" pitchFamily="18" charset="0"/>
+                <a:cs typeface="Times New Roman" panose="02020603050405020304" pitchFamily="18" charset="0"/>
               </a:rPr>
-              <a:t>(2010)</a:t>
+              <a:t>This framework of a smart city that will transmit information about traffic conditions and will go a long way in aiding drivers to take spontaneous and smart decisions to prevent themselves from vehicular congestion which will ultimately help in reducing the overall congestion.</a:t>
             </a:r>
-            <a:endParaRPr sz="1400">
-              <a:latin typeface="Times New Roman"/>
-              <a:ea typeface="Times New Roman"/>
-              <a:cs typeface="Times New Roman"/>
-              <a:sym typeface="Times New Roman"/>
+            <a:endParaRPr sz="2600" dirty="0">
+              <a:latin typeface="Times New Roman" panose="02020603050405020304" pitchFamily="18" charset="0"/>
+              <a:cs typeface="Times New Roman" panose="02020603050405020304" pitchFamily="18" charset="0"/>
             </a:endParaRPr>
           </a:p>
         </p:txBody>
       </p:sp>
       <p:sp>
         <p:nvSpPr>
-          <p:cNvPr id="133" name="Google Shape;133;p4"/>
-          <p:cNvSpPr txBox="1">
-            <a:spLocks noGrp="1"/>
-          </p:cNvSpPr>
-          <p:nvPr>
-            <p:ph type="body" idx="1"/>
-          </p:nvPr>
-        </p:nvSpPr>
-        <p:spPr>
-          <a:xfrm>
-            <a:off x="838200" y="1835150"/>
-            <a:ext cx="10515600" cy="4351200"/>
-          </a:xfrm>
-          <a:prstGeom prst="rect">
-            <a:avLst/>
-          </a:prstGeom>
-          <a:noFill/>
-          <a:ln>
-            <a:noFill/>
-          </a:ln>
-        </p:spPr>
-        <p:txBody>
-          <a:bodyPr spcFirstLastPara="1" wrap="square" lIns="91425" tIns="45700" rIns="91425" bIns="45700" anchor="t" anchorCtr="0">
-            <a:noAutofit/>
-          </a:bodyPr>
-          <a:lstStyle/>
-          <a:p>
-            <a:pPr marL="0" lvl="0" indent="0" algn="l" rtl="0">
-              <a:lnSpc>
-                <a:spcPct val="90000"/>
-              </a:lnSpc>
-              <a:spcBef>
-                <a:spcPts val="0"/>
-              </a:spcBef>
-              <a:spcAft>
-                <a:spcPts val="0"/>
-              </a:spcAft>
-              <a:buClr>
-                <a:schemeClr val="dk1"/>
-              </a:buClr>
-              <a:buSzPts val="2400"/>
-              <a:buNone/>
-            </a:pPr>
-            <a:r>
-              <a:rPr lang="en-US" sz="2600">
-                <a:latin typeface="Times New Roman"/>
-                <a:ea typeface="Times New Roman"/>
-                <a:cs typeface="Times New Roman"/>
-                <a:sym typeface="Times New Roman"/>
-              </a:rPr>
-              <a:t>Salama A.S., Saleh B.K. and Eassa M.M. provide a design of an integrated intelligent system for management and controlling traffic lights with the help of Photoelectric Sensors.</a:t>
-            </a:r>
-            <a:endParaRPr sz="2600">
-              <a:latin typeface="Times New Roman"/>
-              <a:ea typeface="Times New Roman"/>
-              <a:cs typeface="Times New Roman"/>
-              <a:sym typeface="Times New Roman"/>
-            </a:endParaRPr>
-          </a:p>
-          <a:p>
-            <a:pPr marL="0" lvl="0" indent="0" algn="l" rtl="0">
-              <a:lnSpc>
-                <a:spcPct val="90000"/>
-              </a:lnSpc>
-              <a:spcBef>
-                <a:spcPts val="0"/>
-              </a:spcBef>
-              <a:spcAft>
-                <a:spcPts val="0"/>
-              </a:spcAft>
-              <a:buClr>
-                <a:schemeClr val="dk1"/>
-              </a:buClr>
-              <a:buSzPts val="2400"/>
-              <a:buNone/>
-            </a:pPr>
-            <a:endParaRPr sz="2600">
-              <a:latin typeface="Times New Roman"/>
-              <a:ea typeface="Times New Roman"/>
-              <a:cs typeface="Times New Roman"/>
-              <a:sym typeface="Times New Roman"/>
-            </a:endParaRPr>
-          </a:p>
-          <a:p>
-            <a:pPr marL="0" lvl="0" indent="0" algn="l" rtl="0">
-              <a:lnSpc>
-                <a:spcPct val="90000"/>
-              </a:lnSpc>
-              <a:spcBef>
-                <a:spcPts val="1000"/>
-              </a:spcBef>
-              <a:spcAft>
-                <a:spcPts val="0"/>
-              </a:spcAft>
-              <a:buClr>
-                <a:schemeClr val="dk1"/>
-              </a:buClr>
-              <a:buSzPts val="2400"/>
-              <a:buNone/>
-            </a:pPr>
-            <a:r>
-              <a:rPr lang="en-US" sz="2600">
-                <a:latin typeface="Times New Roman"/>
-                <a:ea typeface="Times New Roman"/>
-                <a:cs typeface="Times New Roman"/>
-                <a:sym typeface="Times New Roman"/>
-              </a:rPr>
-              <a:t>The system uses real-time traffic knowledge to control the traffic lights also provides support for pedestrian crossing and emergency vehicle passing</a:t>
-            </a:r>
-            <a:endParaRPr sz="2600">
-              <a:latin typeface="Times New Roman"/>
-              <a:ea typeface="Times New Roman"/>
-              <a:cs typeface="Times New Roman"/>
-              <a:sym typeface="Times New Roman"/>
-            </a:endParaRPr>
-          </a:p>
-        </p:txBody>
-      </p:sp>
-    </p:spTree>
-  </p:cSld>
-  <p:clrMapOvr>
-    <a:masterClrMapping/>
-  </p:clrMapOvr>
-</p:sld>
-</file>
-
-<file path=ppt/slides/slide12.xml><?xml version="1.0" encoding="utf-8"?>
-<p:sld xmlns:a="http://schemas.openxmlformats.org/drawingml/2006/main" xmlns:r="http://schemas.openxmlformats.org/officeDocument/2006/relationships" xmlns:p="http://schemas.openxmlformats.org/presentationml/2006/main">
-  <p:cSld>
-    <p:spTree>
-      <p:nvGrpSpPr>
-        <p:cNvPr id="1" name="Shape 137"/>
-        <p:cNvGrpSpPr/>
-        <p:nvPr/>
-      </p:nvGrpSpPr>
-      <p:grpSpPr>
-        <a:xfrm>
-          <a:off x="0" y="0"/>
-          <a:ext cx="0" cy="0"/>
-          <a:chOff x="0" y="0"/>
-          <a:chExt cx="0" cy="0"/>
-        </a:xfrm>
-      </p:grpSpPr>
-      <p:sp>
-        <p:nvSpPr>
-          <p:cNvPr id="138" name="Google Shape;138;g659b3ba530_0_23"/>
+          <p:cNvPr id="4" name="Google Shape;102;g659b3ba530_0_8">
+            <a:extLst>
+              <a:ext uri="{FF2B5EF4-FFF2-40B4-BE49-F238E27FC236}">
+                <a16:creationId xmlns:a16="http://schemas.microsoft.com/office/drawing/2014/main" id="{6E8089A3-B148-4FFC-9A1C-5AA4D835D867}"/>
+              </a:ext>
+            </a:extLst>
+          </p:cNvPr>
           <p:cNvSpPr txBox="1">
             <a:spLocks noGrp="1"/>
           </p:cNvSpPr>
@@ -17232,100 +17134,71 @@
           </a:bodyPr>
           <a:lstStyle/>
           <a:p>
-            <a:pPr marL="0" lvl="0" indent="0" algn="l" rtl="0">
-              <a:spcBef>
-                <a:spcPts val="0"/>
-              </a:spcBef>
-              <a:spcAft>
-                <a:spcPts val="0"/>
-              </a:spcAft>
-              <a:buNone/>
-            </a:pPr>
-            <a:endParaRPr/>
-          </a:p>
-        </p:txBody>
-      </p:sp>
-      <p:sp>
-        <p:nvSpPr>
-          <p:cNvPr id="139" name="Google Shape;139;g659b3ba530_0_23"/>
-          <p:cNvSpPr txBox="1">
-            <a:spLocks noGrp="1"/>
-          </p:cNvSpPr>
-          <p:nvPr>
-            <p:ph type="body" idx="1"/>
-          </p:nvPr>
-        </p:nvSpPr>
-        <p:spPr>
-          <a:xfrm>
-            <a:off x="838200" y="1825625"/>
-            <a:ext cx="10515600" cy="4351200"/>
-          </a:xfrm>
-          <a:prstGeom prst="rect">
-            <a:avLst/>
-          </a:prstGeom>
-        </p:spPr>
-        <p:txBody>
-          <a:bodyPr spcFirstLastPara="1" wrap="square" lIns="91425" tIns="45700" rIns="91425" bIns="45700" anchor="t" anchorCtr="0">
-            <a:noAutofit/>
-          </a:bodyPr>
-          <a:lstStyle/>
-          <a:p>
-            <a:pPr marL="0" lvl="0" indent="0" algn="l" rtl="0">
-              <a:spcBef>
-                <a:spcPts val="1000"/>
-              </a:spcBef>
-              <a:spcAft>
-                <a:spcPts val="0"/>
-              </a:spcAft>
-              <a:buClr>
-                <a:schemeClr val="dk1"/>
-              </a:buClr>
-              <a:buSzPts val="1100"/>
-              <a:buFont typeface="Arial"/>
-              <a:buNone/>
-            </a:pPr>
+            <a:pPr lvl="0"/>
             <a:r>
-              <a:rPr lang="en-US" sz="1600"/>
-              <a:t>Salama A.S., Saleh B.K. and Eassa M.M. provide a design of an integrated intelligent system for management and controlling traffic lights with the help of Photoelectric Sensors. With the calculation of the relative weight of each road, the</a:t>
+              <a:rPr lang="en-US" sz="3200" dirty="0">
+                <a:latin typeface="Times New Roman"/>
+                <a:ea typeface="Times New Roman"/>
+                <a:cs typeface="Times New Roman"/>
+                <a:sym typeface="Times New Roman"/>
+              </a:rPr>
+              <a:t>Study 3: </a:t>
             </a:r>
-            <a:endParaRPr sz="1600"/>
-          </a:p>
-          <a:p>
-            <a:pPr marL="0" lvl="0" indent="0" algn="l" rtl="0">
-              <a:spcBef>
-                <a:spcPts val="1000"/>
-              </a:spcBef>
-              <a:spcAft>
-                <a:spcPts val="0"/>
-              </a:spcAft>
-              <a:buClr>
-                <a:schemeClr val="dk1"/>
-              </a:buClr>
-              <a:buSzPts val="1100"/>
-              <a:buFont typeface="Arial"/>
-              <a:buNone/>
-            </a:pPr>
             <a:r>
-              <a:rPr lang="en-US" sz="1600"/>
-              <a:t>system will then open the traffic for that road which is more crowded and give it a longer time as compared to the other less congested roads. The real time decision making ability of the system stands out very saliently. Moreover, the system can</a:t>
+              <a:rPr lang="en-US" sz="2600" dirty="0" err="1">
+                <a:latin typeface="Times New Roman"/>
+                <a:ea typeface="Times New Roman"/>
+                <a:cs typeface="Times New Roman"/>
+                <a:sym typeface="Times New Roman"/>
+              </a:rPr>
+              <a:t>Khekare</a:t>
             </a:r>
-            <a:endParaRPr sz="1600"/>
-          </a:p>
-          <a:p>
-            <a:pPr marL="0" lvl="0" indent="0" algn="l" rtl="0">
-              <a:spcBef>
-                <a:spcPts val="1000"/>
-              </a:spcBef>
-              <a:spcAft>
-                <a:spcPts val="0"/>
-              </a:spcAft>
-              <a:buNone/>
-            </a:pPr>
             <a:r>
-              <a:rPr lang="en-US" sz="1600"/>
-              <a:t>also be programmed for emergency scenarios such as passing of presidents, ministries, ambulance vehicles and fire-trucks that require virtually zero congestion through an active RFID based technology. As a result the system will guarantee the fluency of traffic for such emergency cases or for the main vital streets and paths that require the fluent traffic all the time, without affecting the fluency of traffic generally at normal streets according to the time of the day and the traffic density. Also the proposed system can be tuned to run automatically without any human intervention or can be tuned to allow human intervention at certain circumstances.</a:t>
+              <a:rPr lang="en-US" sz="2600" dirty="0">
+                <a:latin typeface="Times New Roman"/>
+                <a:ea typeface="Times New Roman"/>
+                <a:cs typeface="Times New Roman"/>
+                <a:sym typeface="Times New Roman"/>
+              </a:rPr>
+              <a:t>, G.S., </a:t>
             </a:r>
-            <a:endParaRPr sz="1600"/>
+            <a:r>
+              <a:rPr lang="en-US" sz="2600" dirty="0" err="1">
+                <a:latin typeface="Times New Roman"/>
+                <a:ea typeface="Times New Roman"/>
+                <a:cs typeface="Times New Roman"/>
+                <a:sym typeface="Times New Roman"/>
+              </a:rPr>
+              <a:t>Sakhare</a:t>
+            </a:r>
+            <a:r>
+              <a:rPr lang="en-US" sz="2600" dirty="0">
+                <a:latin typeface="Times New Roman"/>
+                <a:ea typeface="Times New Roman"/>
+                <a:cs typeface="Times New Roman"/>
+                <a:sym typeface="Times New Roman"/>
+              </a:rPr>
+              <a:t> A.V. proposed VANETs (Vehicular Ad Hoc Networks)</a:t>
+            </a:r>
+            <a:r>
+              <a:rPr lang="en-US" dirty="0">
+                <a:latin typeface="Times New Roman"/>
+                <a:ea typeface="Times New Roman"/>
+                <a:cs typeface="Times New Roman"/>
+                <a:sym typeface="Times New Roman"/>
+              </a:rPr>
+              <a:t> </a:t>
+            </a:r>
+            <a:r>
+              <a:rPr lang="en-US" sz="1800" dirty="0">
+                <a:latin typeface="Times New Roman"/>
+                <a:ea typeface="Times New Roman"/>
+                <a:cs typeface="Times New Roman"/>
+                <a:sym typeface="Times New Roman"/>
+              </a:rPr>
+              <a:t>(2013)</a:t>
+            </a:r>
+            <a:endParaRPr lang="en-US" sz="1800" dirty="0"/>
           </a:p>
         </p:txBody>
       </p:sp>
@@ -17342,7 +17215,7 @@
   <p:cSld>
     <p:spTree>
       <p:nvGrpSpPr>
-        <p:cNvPr id="1" name="Shape 143"/>
+        <p:cNvPr id="1" name="Shape 95"/>
         <p:cNvGrpSpPr/>
         <p:nvPr/>
       </p:nvGrpSpPr>
@@ -17356,7 +17229,504 @@
       </p:grpSpPr>
       <p:sp>
         <p:nvSpPr>
-          <p:cNvPr id="144" name="Google Shape;144;g659b3ba530_0_33"/>
+          <p:cNvPr id="97" name="Google Shape;97;p3"/>
+          <p:cNvSpPr txBox="1">
+            <a:spLocks noGrp="1"/>
+          </p:cNvSpPr>
+          <p:nvPr>
+            <p:ph type="body" idx="1"/>
+          </p:nvPr>
+        </p:nvSpPr>
+        <p:spPr>
+          <a:xfrm>
+            <a:off x="838200" y="1842225"/>
+            <a:ext cx="10515600" cy="4351200"/>
+          </a:xfrm>
+          <a:prstGeom prst="rect">
+            <a:avLst/>
+          </a:prstGeom>
+          <a:noFill/>
+          <a:ln>
+            <a:noFill/>
+          </a:ln>
+        </p:spPr>
+        <p:txBody>
+          <a:bodyPr spcFirstLastPara="1" wrap="square" lIns="91425" tIns="45700" rIns="91425" bIns="45700" anchor="t" anchorCtr="0">
+            <a:normAutofit/>
+          </a:bodyPr>
+          <a:lstStyle/>
+          <a:p>
+            <a:pPr marL="457200" lvl="1" indent="0" algn="l" rtl="0">
+              <a:lnSpc>
+                <a:spcPct val="90000"/>
+              </a:lnSpc>
+              <a:spcBef>
+                <a:spcPts val="500"/>
+              </a:spcBef>
+              <a:spcAft>
+                <a:spcPts val="0"/>
+              </a:spcAft>
+              <a:buClr>
+                <a:schemeClr val="dk1"/>
+              </a:buClr>
+              <a:buSzPts val="2600"/>
+              <a:buNone/>
+            </a:pPr>
+            <a:endParaRPr sz="2600" dirty="0">
+              <a:latin typeface="Times New Roman"/>
+              <a:ea typeface="Times New Roman"/>
+              <a:cs typeface="Times New Roman"/>
+              <a:sym typeface="Times New Roman"/>
+            </a:endParaRPr>
+          </a:p>
+          <a:p>
+            <a:pPr marL="457200" lvl="1" indent="-457200">
+              <a:buSzPts val="2600"/>
+            </a:pPr>
+            <a:r>
+              <a:rPr lang="en-US" sz="2600" dirty="0">
+                <a:latin typeface="Times New Roman"/>
+                <a:ea typeface="Times New Roman"/>
+                <a:cs typeface="Times New Roman"/>
+                <a:sym typeface="Times New Roman"/>
+              </a:rPr>
+              <a:t>Cameras would be capturing video and broadcasting it to the servers where using video and image processing techniques the vehicle density on every side of the road is calculated and an algorithm is employed to switch the traffic lights accordingly.</a:t>
+            </a:r>
+          </a:p>
+          <a:p>
+            <a:pPr marL="457200" lvl="1" indent="-457200">
+              <a:buSzPts val="2600"/>
+            </a:pPr>
+            <a:endParaRPr lang="en-US" sz="2600" dirty="0">
+              <a:latin typeface="Times New Roman"/>
+              <a:ea typeface="Times New Roman"/>
+              <a:cs typeface="Times New Roman"/>
+              <a:sym typeface="Times New Roman"/>
+            </a:endParaRPr>
+          </a:p>
+          <a:p>
+            <a:pPr marL="457200" lvl="1" indent="-457200">
+              <a:buSzPts val="2600"/>
+            </a:pPr>
+            <a:r>
+              <a:rPr lang="en-US" sz="2600" dirty="0">
+                <a:latin typeface="Times New Roman" panose="02020603050405020304" pitchFamily="18" charset="0"/>
+                <a:cs typeface="Times New Roman" panose="02020603050405020304" pitchFamily="18" charset="0"/>
+              </a:rPr>
+              <a:t>Peak Time: Density is very high on the roads majorly because of the commuters and as stated in the results Dynamic coded algorithm on average has shown an improvement of about 35% above the Hard Coded system. </a:t>
+            </a:r>
+          </a:p>
+          <a:p>
+            <a:pPr marL="457200" lvl="1" indent="-457200">
+              <a:buSzPts val="2600"/>
+            </a:pPr>
+            <a:endParaRPr lang="en-US" sz="2600" dirty="0">
+              <a:latin typeface="Times New Roman"/>
+              <a:ea typeface="Times New Roman"/>
+              <a:cs typeface="Times New Roman"/>
+              <a:sym typeface="Times New Roman"/>
+            </a:endParaRPr>
+          </a:p>
+        </p:txBody>
+      </p:sp>
+      <p:sp>
+        <p:nvSpPr>
+          <p:cNvPr id="7" name="Google Shape;120;g659b3ba530_0_18">
+            <a:extLst>
+              <a:ext uri="{FF2B5EF4-FFF2-40B4-BE49-F238E27FC236}">
+                <a16:creationId xmlns:a16="http://schemas.microsoft.com/office/drawing/2014/main" id="{5AA5D658-1D9C-4787-A519-EA88F65F0348}"/>
+              </a:ext>
+            </a:extLst>
+          </p:cNvPr>
+          <p:cNvSpPr txBox="1">
+            <a:spLocks/>
+          </p:cNvSpPr>
+          <p:nvPr/>
+        </p:nvSpPr>
+        <p:spPr>
+          <a:xfrm>
+            <a:off x="838200" y="365125"/>
+            <a:ext cx="10515600" cy="1325700"/>
+          </a:xfrm>
+          <a:prstGeom prst="rect">
+            <a:avLst/>
+          </a:prstGeom>
+          <a:noFill/>
+          <a:ln>
+            <a:noFill/>
+          </a:ln>
+        </p:spPr>
+        <p:txBody>
+          <a:bodyPr spcFirstLastPara="1" wrap="square" lIns="91425" tIns="45700" rIns="91425" bIns="45700" anchor="ctr" anchorCtr="0">
+            <a:noAutofit/>
+          </a:bodyPr>
+          <a:lstStyle>
+            <a:defPPr marR="0" lvl="0" algn="l" rtl="0">
+              <a:lnSpc>
+                <a:spcPct val="100000"/>
+              </a:lnSpc>
+              <a:spcBef>
+                <a:spcPts val="0"/>
+              </a:spcBef>
+              <a:spcAft>
+                <a:spcPts val="0"/>
+              </a:spcAft>
+            </a:defPPr>
+            <a:lvl1pPr marR="0" lvl="0" algn="l" rtl="0">
+              <a:lnSpc>
+                <a:spcPct val="90000"/>
+              </a:lnSpc>
+              <a:spcBef>
+                <a:spcPts val="0"/>
+              </a:spcBef>
+              <a:spcAft>
+                <a:spcPts val="0"/>
+              </a:spcAft>
+              <a:buClr>
+                <a:schemeClr val="dk1"/>
+              </a:buClr>
+              <a:buSzPts val="1800"/>
+              <a:buFont typeface="Calibri"/>
+              <a:buNone/>
+              <a:defRPr sz="4400" b="0" i="0" u="none" strike="noStrike" cap="none">
+                <a:solidFill>
+                  <a:schemeClr val="dk1"/>
+                </a:solidFill>
+                <a:latin typeface="Calibri"/>
+                <a:ea typeface="Calibri"/>
+                <a:cs typeface="Calibri"/>
+                <a:sym typeface="Calibri"/>
+              </a:defRPr>
+            </a:lvl1pPr>
+            <a:lvl2pPr marR="0" lvl="1" algn="l" rtl="0">
+              <a:lnSpc>
+                <a:spcPct val="100000"/>
+              </a:lnSpc>
+              <a:spcBef>
+                <a:spcPts val="0"/>
+              </a:spcBef>
+              <a:spcAft>
+                <a:spcPts val="0"/>
+              </a:spcAft>
+              <a:buClr>
+                <a:srgbClr val="000000"/>
+              </a:buClr>
+              <a:buSzPts val="1400"/>
+              <a:buFont typeface="Arial"/>
+              <a:buNone/>
+              <a:defRPr sz="1800" b="0" i="0" u="none" strike="noStrike" cap="none">
+                <a:solidFill>
+                  <a:srgbClr val="000000"/>
+                </a:solidFill>
+                <a:latin typeface="Arial"/>
+                <a:ea typeface="Arial"/>
+                <a:cs typeface="Arial"/>
+                <a:sym typeface="Arial"/>
+              </a:defRPr>
+            </a:lvl2pPr>
+            <a:lvl3pPr marR="0" lvl="2" algn="l" rtl="0">
+              <a:lnSpc>
+                <a:spcPct val="100000"/>
+              </a:lnSpc>
+              <a:spcBef>
+                <a:spcPts val="0"/>
+              </a:spcBef>
+              <a:spcAft>
+                <a:spcPts val="0"/>
+              </a:spcAft>
+              <a:buClr>
+                <a:srgbClr val="000000"/>
+              </a:buClr>
+              <a:buSzPts val="1400"/>
+              <a:buFont typeface="Arial"/>
+              <a:buNone/>
+              <a:defRPr sz="1800" b="0" i="0" u="none" strike="noStrike" cap="none">
+                <a:solidFill>
+                  <a:srgbClr val="000000"/>
+                </a:solidFill>
+                <a:latin typeface="Arial"/>
+                <a:ea typeface="Arial"/>
+                <a:cs typeface="Arial"/>
+                <a:sym typeface="Arial"/>
+              </a:defRPr>
+            </a:lvl3pPr>
+            <a:lvl4pPr marR="0" lvl="3" algn="l" rtl="0">
+              <a:lnSpc>
+                <a:spcPct val="100000"/>
+              </a:lnSpc>
+              <a:spcBef>
+                <a:spcPts val="0"/>
+              </a:spcBef>
+              <a:spcAft>
+                <a:spcPts val="0"/>
+              </a:spcAft>
+              <a:buClr>
+                <a:srgbClr val="000000"/>
+              </a:buClr>
+              <a:buSzPts val="1400"/>
+              <a:buFont typeface="Arial"/>
+              <a:buNone/>
+              <a:defRPr sz="1800" b="0" i="0" u="none" strike="noStrike" cap="none">
+                <a:solidFill>
+                  <a:srgbClr val="000000"/>
+                </a:solidFill>
+                <a:latin typeface="Arial"/>
+                <a:ea typeface="Arial"/>
+                <a:cs typeface="Arial"/>
+                <a:sym typeface="Arial"/>
+              </a:defRPr>
+            </a:lvl4pPr>
+            <a:lvl5pPr marR="0" lvl="4" algn="l" rtl="0">
+              <a:lnSpc>
+                <a:spcPct val="100000"/>
+              </a:lnSpc>
+              <a:spcBef>
+                <a:spcPts val="0"/>
+              </a:spcBef>
+              <a:spcAft>
+                <a:spcPts val="0"/>
+              </a:spcAft>
+              <a:buClr>
+                <a:srgbClr val="000000"/>
+              </a:buClr>
+              <a:buSzPts val="1400"/>
+              <a:buFont typeface="Arial"/>
+              <a:buNone/>
+              <a:defRPr sz="1800" b="0" i="0" u="none" strike="noStrike" cap="none">
+                <a:solidFill>
+                  <a:srgbClr val="000000"/>
+                </a:solidFill>
+                <a:latin typeface="Arial"/>
+                <a:ea typeface="Arial"/>
+                <a:cs typeface="Arial"/>
+                <a:sym typeface="Arial"/>
+              </a:defRPr>
+            </a:lvl5pPr>
+            <a:lvl6pPr marR="0" lvl="5" algn="l" rtl="0">
+              <a:lnSpc>
+                <a:spcPct val="100000"/>
+              </a:lnSpc>
+              <a:spcBef>
+                <a:spcPts val="0"/>
+              </a:spcBef>
+              <a:spcAft>
+                <a:spcPts val="0"/>
+              </a:spcAft>
+              <a:buClr>
+                <a:srgbClr val="000000"/>
+              </a:buClr>
+              <a:buSzPts val="1400"/>
+              <a:buFont typeface="Arial"/>
+              <a:buNone/>
+              <a:defRPr sz="1800" b="0" i="0" u="none" strike="noStrike" cap="none">
+                <a:solidFill>
+                  <a:srgbClr val="000000"/>
+                </a:solidFill>
+                <a:latin typeface="Arial"/>
+                <a:ea typeface="Arial"/>
+                <a:cs typeface="Arial"/>
+                <a:sym typeface="Arial"/>
+              </a:defRPr>
+            </a:lvl6pPr>
+            <a:lvl7pPr marR="0" lvl="6" algn="l" rtl="0">
+              <a:lnSpc>
+                <a:spcPct val="100000"/>
+              </a:lnSpc>
+              <a:spcBef>
+                <a:spcPts val="0"/>
+              </a:spcBef>
+              <a:spcAft>
+                <a:spcPts val="0"/>
+              </a:spcAft>
+              <a:buClr>
+                <a:srgbClr val="000000"/>
+              </a:buClr>
+              <a:buSzPts val="1400"/>
+              <a:buFont typeface="Arial"/>
+              <a:buNone/>
+              <a:defRPr sz="1800" b="0" i="0" u="none" strike="noStrike" cap="none">
+                <a:solidFill>
+                  <a:srgbClr val="000000"/>
+                </a:solidFill>
+                <a:latin typeface="Arial"/>
+                <a:ea typeface="Arial"/>
+                <a:cs typeface="Arial"/>
+                <a:sym typeface="Arial"/>
+              </a:defRPr>
+            </a:lvl7pPr>
+            <a:lvl8pPr marR="0" lvl="7" algn="l" rtl="0">
+              <a:lnSpc>
+                <a:spcPct val="100000"/>
+              </a:lnSpc>
+              <a:spcBef>
+                <a:spcPts val="0"/>
+              </a:spcBef>
+              <a:spcAft>
+                <a:spcPts val="0"/>
+              </a:spcAft>
+              <a:buClr>
+                <a:srgbClr val="000000"/>
+              </a:buClr>
+              <a:buSzPts val="1400"/>
+              <a:buFont typeface="Arial"/>
+              <a:buNone/>
+              <a:defRPr sz="1800" b="0" i="0" u="none" strike="noStrike" cap="none">
+                <a:solidFill>
+                  <a:srgbClr val="000000"/>
+                </a:solidFill>
+                <a:latin typeface="Arial"/>
+                <a:ea typeface="Arial"/>
+                <a:cs typeface="Arial"/>
+                <a:sym typeface="Arial"/>
+              </a:defRPr>
+            </a:lvl8pPr>
+            <a:lvl9pPr marR="0" lvl="8" algn="l" rtl="0">
+              <a:lnSpc>
+                <a:spcPct val="100000"/>
+              </a:lnSpc>
+              <a:spcBef>
+                <a:spcPts val="0"/>
+              </a:spcBef>
+              <a:spcAft>
+                <a:spcPts val="0"/>
+              </a:spcAft>
+              <a:buClr>
+                <a:srgbClr val="000000"/>
+              </a:buClr>
+              <a:buSzPts val="1400"/>
+              <a:buFont typeface="Arial"/>
+              <a:buNone/>
+              <a:defRPr sz="1800" b="0" i="0" u="none" strike="noStrike" cap="none">
+                <a:solidFill>
+                  <a:srgbClr val="000000"/>
+                </a:solidFill>
+                <a:latin typeface="Arial"/>
+                <a:ea typeface="Arial"/>
+                <a:cs typeface="Arial"/>
+                <a:sym typeface="Arial"/>
+              </a:defRPr>
+            </a:lvl9pPr>
+          </a:lstStyle>
+          <a:p>
+            <a:br>
+              <a:rPr lang="en-US" sz="3200" dirty="0">
+                <a:latin typeface="Times New Roman"/>
+                <a:ea typeface="Times New Roman"/>
+                <a:cs typeface="Times New Roman"/>
+                <a:sym typeface="Times New Roman"/>
+              </a:rPr>
+            </a:br>
+            <a:r>
+              <a:rPr lang="en-US" sz="3200" dirty="0">
+                <a:latin typeface="Times New Roman"/>
+                <a:ea typeface="Times New Roman"/>
+                <a:cs typeface="Times New Roman"/>
+                <a:sym typeface="Times New Roman"/>
+              </a:rPr>
+              <a:t>Study 4:</a:t>
+            </a:r>
+            <a:r>
+              <a:rPr lang="en-US" dirty="0">
+                <a:latin typeface="Times New Roman"/>
+                <a:ea typeface="Times New Roman"/>
+                <a:cs typeface="Times New Roman"/>
+                <a:sym typeface="Times New Roman"/>
+              </a:rPr>
+              <a:t> </a:t>
+            </a:r>
+            <a:r>
+              <a:rPr lang="en-US" sz="2600" dirty="0">
+                <a:latin typeface="Times New Roman" panose="02020603050405020304" pitchFamily="18" charset="0"/>
+                <a:cs typeface="Times New Roman" panose="02020603050405020304" pitchFamily="18" charset="0"/>
+              </a:rPr>
+              <a:t>Kanungo, A., Sharma, A., &amp; Singla, C</a:t>
+            </a:r>
+            <a:r>
+              <a:rPr lang="en-US" sz="2600" dirty="0">
+                <a:latin typeface="Times New Roman" panose="02020603050405020304" pitchFamily="18" charset="0"/>
+                <a:ea typeface="Times New Roman"/>
+                <a:cs typeface="Times New Roman" panose="02020603050405020304" pitchFamily="18" charset="0"/>
+                <a:sym typeface="Times New Roman"/>
+              </a:rPr>
+              <a:t>. proposed </a:t>
+            </a:r>
+            <a:r>
+              <a:rPr lang="en-US" sz="2600" dirty="0">
+                <a:latin typeface="Times New Roman" panose="02020603050405020304" pitchFamily="18" charset="0"/>
+                <a:cs typeface="Times New Roman" panose="02020603050405020304" pitchFamily="18" charset="0"/>
+              </a:rPr>
+              <a:t>Smart traffic lights switching and traffic density calculation using video</a:t>
+            </a:r>
+            <a:r>
+              <a:rPr lang="en-US" sz="2600" i="1" dirty="0">
+                <a:latin typeface="Times New Roman" panose="02020603050405020304" pitchFamily="18" charset="0"/>
+                <a:cs typeface="Times New Roman" panose="02020603050405020304" pitchFamily="18" charset="0"/>
+              </a:rPr>
+              <a:t> </a:t>
+            </a:r>
+            <a:r>
+              <a:rPr lang="en-US" sz="2600" dirty="0">
+                <a:latin typeface="Times New Roman" panose="02020603050405020304" pitchFamily="18" charset="0"/>
+                <a:cs typeface="Times New Roman" panose="02020603050405020304" pitchFamily="18" charset="0"/>
+              </a:rPr>
+              <a:t>processing</a:t>
+            </a:r>
+            <a:r>
+              <a:rPr lang="en-US" i="1" dirty="0">
+                <a:latin typeface="Times New Roman" panose="02020603050405020304" pitchFamily="18" charset="0"/>
+                <a:cs typeface="Times New Roman" panose="02020603050405020304" pitchFamily="18" charset="0"/>
+              </a:rPr>
+              <a:t> </a:t>
+            </a:r>
+            <a:r>
+              <a:rPr lang="en-US" sz="1800" dirty="0">
+                <a:latin typeface="Times New Roman"/>
+                <a:ea typeface="Times New Roman"/>
+                <a:cs typeface="Times New Roman"/>
+                <a:sym typeface="Times New Roman"/>
+              </a:rPr>
+              <a:t>(2014)</a:t>
+            </a:r>
+            <a:br>
+              <a:rPr lang="en-US" sz="3200" dirty="0"/>
+            </a:br>
+            <a:endParaRPr lang="en-US" dirty="0"/>
+          </a:p>
+        </p:txBody>
+      </p:sp>
+    </p:spTree>
+    <p:extLst>
+      <p:ext uri="{BB962C8B-B14F-4D97-AF65-F5344CB8AC3E}">
+        <p14:creationId xmlns:p14="http://schemas.microsoft.com/office/powerpoint/2010/main" val="284297557"/>
+      </p:ext>
+    </p:extLst>
+  </p:cSld>
+  <p:clrMapOvr>
+    <a:masterClrMapping/>
+  </p:clrMapOvr>
+</p:sld>
+</file>
+
+<file path=ppt/slides/slide14.xml><?xml version="1.0" encoding="utf-8"?>
+<p:sld xmlns:a="http://schemas.openxmlformats.org/drawingml/2006/main" xmlns:r="http://schemas.openxmlformats.org/officeDocument/2006/relationships" xmlns:p="http://schemas.openxmlformats.org/presentationml/2006/main">
+  <p:cSld>
+    <p:spTree>
+      <p:nvGrpSpPr>
+        <p:cNvPr id="1" name="Shape 119"/>
+        <p:cNvGrpSpPr/>
+        <p:nvPr/>
+      </p:nvGrpSpPr>
+      <p:grpSpPr>
+        <a:xfrm>
+          <a:off x="0" y="0"/>
+          <a:ext cx="0" cy="0"/>
+          <a:chOff x="0" y="0"/>
+          <a:chExt cx="0" cy="0"/>
+        </a:xfrm>
+      </p:grpSpPr>
+      <p:sp>
+        <p:nvSpPr>
+          <p:cNvPr id="120" name="Google Shape;120;g659b3ba530_0_18"/>
           <p:cNvSpPr txBox="1">
             <a:spLocks noGrp="1"/>
           </p:cNvSpPr>
@@ -17379,57 +17749,122 @@
           </a:bodyPr>
           <a:lstStyle/>
           <a:p>
-            <a:pPr marL="0" lvl="0" indent="0" algn="l" rtl="0">
-              <a:spcBef>
-                <a:spcPts val="0"/>
-              </a:spcBef>
-              <a:spcAft>
-                <a:spcPts val="0"/>
-              </a:spcAft>
-              <a:buNone/>
-            </a:pPr>
-            <a:endParaRPr/>
+            <a:br>
+              <a:rPr lang="en-US" sz="3200" dirty="0">
+                <a:latin typeface="Times New Roman"/>
+                <a:ea typeface="Times New Roman"/>
+                <a:cs typeface="Times New Roman"/>
+                <a:sym typeface="Times New Roman"/>
+              </a:rPr>
+            </a:br>
+            <a:r>
+              <a:rPr lang="en-US" sz="3200" dirty="0">
+                <a:latin typeface="Times New Roman"/>
+                <a:ea typeface="Times New Roman"/>
+                <a:cs typeface="Times New Roman"/>
+                <a:sym typeface="Times New Roman"/>
+              </a:rPr>
+              <a:t>Study 4:</a:t>
+            </a:r>
+            <a:r>
+              <a:rPr lang="en-US" dirty="0">
+                <a:latin typeface="Times New Roman"/>
+                <a:ea typeface="Times New Roman"/>
+                <a:cs typeface="Times New Roman"/>
+                <a:sym typeface="Times New Roman"/>
+              </a:rPr>
+              <a:t> </a:t>
+            </a:r>
+            <a:r>
+              <a:rPr lang="en-US" sz="2600" dirty="0">
+                <a:latin typeface="Times New Roman" panose="02020603050405020304" pitchFamily="18" charset="0"/>
+                <a:cs typeface="Times New Roman" panose="02020603050405020304" pitchFamily="18" charset="0"/>
+              </a:rPr>
+              <a:t>Kanungo, A., Sharma, A., &amp; Singla, C</a:t>
+            </a:r>
+            <a:r>
+              <a:rPr lang="en-US" sz="2600" dirty="0">
+                <a:latin typeface="Times New Roman" panose="02020603050405020304" pitchFamily="18" charset="0"/>
+                <a:ea typeface="Times New Roman"/>
+                <a:cs typeface="Times New Roman" panose="02020603050405020304" pitchFamily="18" charset="0"/>
+                <a:sym typeface="Times New Roman"/>
+              </a:rPr>
+              <a:t>. proposed </a:t>
+            </a:r>
+            <a:r>
+              <a:rPr lang="en-US" sz="2600" dirty="0">
+                <a:latin typeface="Times New Roman" panose="02020603050405020304" pitchFamily="18" charset="0"/>
+                <a:cs typeface="Times New Roman" panose="02020603050405020304" pitchFamily="18" charset="0"/>
+              </a:rPr>
+              <a:t>Smart traffic lights switching and traffic density calculation using video</a:t>
+            </a:r>
+            <a:r>
+              <a:rPr lang="en-US" sz="2600" i="1" dirty="0">
+                <a:latin typeface="Times New Roman" panose="02020603050405020304" pitchFamily="18" charset="0"/>
+                <a:cs typeface="Times New Roman" panose="02020603050405020304" pitchFamily="18" charset="0"/>
+              </a:rPr>
+              <a:t> </a:t>
+            </a:r>
+            <a:r>
+              <a:rPr lang="en-US" sz="2600" dirty="0">
+                <a:latin typeface="Times New Roman" panose="02020603050405020304" pitchFamily="18" charset="0"/>
+                <a:cs typeface="Times New Roman" panose="02020603050405020304" pitchFamily="18" charset="0"/>
+              </a:rPr>
+              <a:t>processing</a:t>
+            </a:r>
+            <a:r>
+              <a:rPr lang="en-US" i="1" dirty="0">
+                <a:latin typeface="Times New Roman" panose="02020603050405020304" pitchFamily="18" charset="0"/>
+                <a:cs typeface="Times New Roman" panose="02020603050405020304" pitchFamily="18" charset="0"/>
+              </a:rPr>
+              <a:t> </a:t>
+            </a:r>
+            <a:r>
+              <a:rPr lang="en-US" sz="1800" dirty="0">
+                <a:latin typeface="Times New Roman"/>
+                <a:ea typeface="Times New Roman"/>
+                <a:cs typeface="Times New Roman"/>
+                <a:sym typeface="Times New Roman"/>
+              </a:rPr>
+              <a:t>(2014)</a:t>
+            </a:r>
+            <a:br>
+              <a:rPr lang="en-US" sz="3200" dirty="0"/>
+            </a:br>
+            <a:endParaRPr dirty="0"/>
           </a:p>
         </p:txBody>
       </p:sp>
-      <p:sp>
-        <p:nvSpPr>
-          <p:cNvPr id="145" name="Google Shape;145;g659b3ba530_0_33"/>
-          <p:cNvSpPr txBox="1">
-            <a:spLocks noGrp="1"/>
-          </p:cNvSpPr>
-          <p:nvPr>
-            <p:ph type="body" idx="1"/>
-          </p:nvPr>
-        </p:nvSpPr>
+      <p:pic>
+        <p:nvPicPr>
+          <p:cNvPr id="2" name="Picture 1">
+            <a:extLst>
+              <a:ext uri="{FF2B5EF4-FFF2-40B4-BE49-F238E27FC236}">
+                <a16:creationId xmlns:a16="http://schemas.microsoft.com/office/drawing/2014/main" id="{02EBFC5B-EEA6-4ECB-A550-0483D7B91A8A}"/>
+              </a:ext>
+            </a:extLst>
+          </p:cNvPr>
+          <p:cNvPicPr>
+            <a:picLocks noChangeAspect="1"/>
+          </p:cNvPicPr>
+          <p:nvPr/>
+        </p:nvPicPr>
+        <p:blipFill>
+          <a:blip r:embed="rId3"/>
+          <a:stretch>
+            <a:fillRect/>
+          </a:stretch>
+        </p:blipFill>
         <p:spPr>
           <a:xfrm>
-            <a:off x="838200" y="1825625"/>
-            <a:ext cx="10515600" cy="4351200"/>
+            <a:off x="2378697" y="1744894"/>
+            <a:ext cx="7434606" cy="4763378"/>
           </a:xfrm>
           <a:prstGeom prst="rect">
             <a:avLst/>
           </a:prstGeom>
         </p:spPr>
-        <p:txBody>
-          <a:bodyPr spcFirstLastPara="1" wrap="square" lIns="91425" tIns="45700" rIns="91425" bIns="45700" anchor="t" anchorCtr="0">
-            <a:noAutofit/>
-          </a:bodyPr>
-          <a:lstStyle/>
-          <a:p>
-            <a:pPr marL="0" lvl="0" indent="0" algn="l" rtl="0">
-              <a:spcBef>
-                <a:spcPts val="1000"/>
-              </a:spcBef>
-              <a:spcAft>
-                <a:spcPts val="0"/>
-              </a:spcAft>
-              <a:buNone/>
-            </a:pPr>
-            <a:endParaRPr/>
-          </a:p>
-        </p:txBody>
-      </p:sp>
+      </p:pic>
     </p:spTree>
   </p:cSld>
   <p:clrMapOvr>
@@ -17438,12 +17873,12 @@
 </p:sld>
 </file>
 
-<file path=ppt/slides/slide14.xml><?xml version="1.0" encoding="utf-8"?>
+<file path=ppt/slides/slide15.xml><?xml version="1.0" encoding="utf-8"?>
 <p:sld xmlns:a="http://schemas.openxmlformats.org/drawingml/2006/main" xmlns:r="http://schemas.openxmlformats.org/officeDocument/2006/relationships" xmlns:p="http://schemas.openxmlformats.org/presentationml/2006/main">
   <p:cSld>
     <p:spTree>
       <p:nvGrpSpPr>
-        <p:cNvPr id="1" name="Shape 149"/>
+        <p:cNvPr id="1" name=""/>
         <p:cNvGrpSpPr/>
         <p:nvPr/>
       </p:nvGrpSpPr>
@@ -17457,277 +17892,75 @@
       </p:grpSpPr>
       <p:sp>
         <p:nvSpPr>
-          <p:cNvPr id="150" name="Google Shape;150;p5"/>
-          <p:cNvSpPr txBox="1">
-            <a:spLocks noGrp="1"/>
-          </p:cNvSpPr>
-          <p:nvPr>
-            <p:ph type="title"/>
-          </p:nvPr>
-        </p:nvSpPr>
-        <p:spPr>
-          <a:xfrm>
-            <a:off x="838200" y="365125"/>
-            <a:ext cx="10515600" cy="1325563"/>
-          </a:xfrm>
-          <a:prstGeom prst="rect">
-            <a:avLst/>
-          </a:prstGeom>
-          <a:noFill/>
-          <a:ln>
-            <a:noFill/>
-          </a:ln>
-        </p:spPr>
-        <p:txBody>
-          <a:bodyPr spcFirstLastPara="1" wrap="square" lIns="91425" tIns="45700" rIns="91425" bIns="45700" anchor="ctr" anchorCtr="0">
-            <a:normAutofit/>
-          </a:bodyPr>
-          <a:lstStyle/>
-          <a:p>
-            <a:pPr marL="0" lvl="0" indent="0" algn="l" rtl="0">
-              <a:lnSpc>
-                <a:spcPct val="90000"/>
-              </a:lnSpc>
-              <a:spcBef>
-                <a:spcPts val="0"/>
-              </a:spcBef>
-              <a:spcAft>
-                <a:spcPts val="0"/>
-              </a:spcAft>
-              <a:buClr>
-                <a:schemeClr val="dk1"/>
-              </a:buClr>
-              <a:buSzPts val="2800"/>
-              <a:buFont typeface="Times New Roman"/>
-              <a:buNone/>
-            </a:pPr>
-            <a:r>
-              <a:rPr lang="en-US" sz="2800">
-                <a:latin typeface="Times New Roman"/>
-                <a:ea typeface="Times New Roman"/>
-                <a:cs typeface="Times New Roman"/>
-                <a:sym typeface="Times New Roman"/>
-              </a:rPr>
-              <a:t>Study 4: </a:t>
-            </a:r>
-            <a:r>
-              <a:rPr lang="en-US" sz="1400">
-                <a:latin typeface="Times New Roman"/>
-                <a:ea typeface="Times New Roman"/>
-                <a:cs typeface="Times New Roman"/>
-                <a:sym typeface="Times New Roman"/>
-              </a:rPr>
-              <a:t>(2009)</a:t>
-            </a:r>
-            <a:endParaRPr sz="1400">
-              <a:latin typeface="Times New Roman"/>
-              <a:ea typeface="Times New Roman"/>
-              <a:cs typeface="Times New Roman"/>
-              <a:sym typeface="Times New Roman"/>
-            </a:endParaRPr>
-          </a:p>
-        </p:txBody>
-      </p:sp>
-      <p:sp>
-        <p:nvSpPr>
-          <p:cNvPr id="151" name="Google Shape;151;p5"/>
-          <p:cNvSpPr txBox="1">
+          <p:cNvPr id="3" name="Text Placeholder 2">
+            <a:extLst>
+              <a:ext uri="{FF2B5EF4-FFF2-40B4-BE49-F238E27FC236}">
+                <a16:creationId xmlns:a16="http://schemas.microsoft.com/office/drawing/2014/main" id="{E3D46EF3-7F4F-491B-89E7-0E9EE34C56BA}"/>
+              </a:ext>
+            </a:extLst>
+          </p:cNvPr>
+          <p:cNvSpPr>
             <a:spLocks noGrp="1"/>
           </p:cNvSpPr>
           <p:nvPr>
             <p:ph type="body" idx="1"/>
           </p:nvPr>
         </p:nvSpPr>
-        <p:spPr>
-          <a:xfrm>
-            <a:off x="838200" y="1825625"/>
-            <a:ext cx="10515600" cy="4351338"/>
-          </a:xfrm>
-          <a:prstGeom prst="rect">
-            <a:avLst/>
-          </a:prstGeom>
-          <a:noFill/>
-          <a:ln>
-            <a:noFill/>
-          </a:ln>
-        </p:spPr>
+        <p:spPr/>
         <p:txBody>
-          <a:bodyPr spcFirstLastPara="1" wrap="square" lIns="91425" tIns="45700" rIns="91425" bIns="45700" anchor="t" anchorCtr="0">
+          <a:bodyPr>
             <a:normAutofit/>
           </a:bodyPr>
           <a:lstStyle/>
           <a:p>
-            <a:pPr marL="0" lvl="0" indent="0" algn="l" rtl="0">
-              <a:lnSpc>
-                <a:spcPct val="90000"/>
-              </a:lnSpc>
-              <a:spcBef>
-                <a:spcPts val="0"/>
-              </a:spcBef>
-              <a:spcAft>
-                <a:spcPts val="0"/>
-              </a:spcAft>
-              <a:buClr>
-                <a:schemeClr val="dk1"/>
-              </a:buClr>
-              <a:buSzPts val="2600"/>
-              <a:buNone/>
-            </a:pPr>
             <a:r>
-              <a:rPr lang="en-US" sz="2400">
-                <a:latin typeface="Times New Roman"/>
-                <a:ea typeface="Times New Roman"/>
-                <a:cs typeface="Times New Roman"/>
-                <a:sym typeface="Times New Roman"/>
+              <a:rPr lang="en-US" sz="2600" dirty="0">
+                <a:latin typeface="Times New Roman" panose="02020603050405020304" pitchFamily="18" charset="0"/>
+                <a:cs typeface="Times New Roman" panose="02020603050405020304" pitchFamily="18" charset="0"/>
               </a:rPr>
-              <a:t>Haimeng Zhao, Xifeng Zheng, Weiya Liu presented a design of intelligent traffic control system based on DSP and Nios II. </a:t>
+              <a:t>After Sunset or Low Light Conditions: Here the system doesn’t work up to the expectations due to lower light conditions, in that case we could switch over system to hard coded during night time.</a:t>
             </a:r>
-            <a:endParaRPr sz="2400">
-              <a:latin typeface="Times New Roman"/>
-              <a:ea typeface="Times New Roman"/>
-              <a:cs typeface="Times New Roman"/>
-              <a:sym typeface="Times New Roman"/>
+          </a:p>
+          <a:p>
+            <a:endParaRPr lang="en-US" sz="2600" dirty="0">
+              <a:latin typeface="Times New Roman" panose="02020603050405020304" pitchFamily="18" charset="0"/>
+              <a:cs typeface="Times New Roman" panose="02020603050405020304" pitchFamily="18" charset="0"/>
             </a:endParaRPr>
           </a:p>
           <a:p>
-            <a:pPr marL="0" lvl="0" indent="0" algn="l" rtl="0">
-              <a:lnSpc>
-                <a:spcPct val="90000"/>
-              </a:lnSpc>
-              <a:spcBef>
-                <a:spcPts val="0"/>
-              </a:spcBef>
-              <a:spcAft>
-                <a:spcPts val="0"/>
-              </a:spcAft>
-              <a:buClr>
-                <a:schemeClr val="dk1"/>
-              </a:buClr>
-              <a:buSzPts val="2600"/>
-              <a:buNone/>
-            </a:pPr>
-            <a:endParaRPr sz="2400">
-              <a:latin typeface="Times New Roman"/>
-              <a:ea typeface="Times New Roman"/>
-              <a:cs typeface="Times New Roman"/>
-              <a:sym typeface="Times New Roman"/>
-            </a:endParaRPr>
-          </a:p>
-          <a:p>
-            <a:pPr marL="0" lvl="0" indent="0" algn="l" rtl="0">
-              <a:lnSpc>
-                <a:spcPct val="90000"/>
-              </a:lnSpc>
-              <a:spcBef>
-                <a:spcPts val="0"/>
-              </a:spcBef>
-              <a:spcAft>
-                <a:spcPts val="0"/>
-              </a:spcAft>
-              <a:buClr>
-                <a:schemeClr val="dk1"/>
-              </a:buClr>
-              <a:buSzPts val="2600"/>
-              <a:buNone/>
-            </a:pPr>
             <a:r>
-              <a:rPr lang="en-US" sz="2400">
-                <a:latin typeface="Times New Roman"/>
-                <a:ea typeface="Times New Roman"/>
-                <a:cs typeface="Times New Roman"/>
-                <a:sym typeface="Times New Roman"/>
+              <a:rPr lang="en-US" sz="2600" dirty="0">
+                <a:latin typeface="Times New Roman" panose="02020603050405020304" pitchFamily="18" charset="0"/>
+                <a:cs typeface="Times New Roman" panose="02020603050405020304" pitchFamily="18" charset="0"/>
               </a:rPr>
-              <a:t>Their model of intelligent traffic control system deploys dual-CPU combined with the logic control of FPGA (Field Programmable Gate Array) </a:t>
+              <a:t>This reduce traffic congestion on roads overriding the older system of hard coded</a:t>
             </a:r>
-            <a:endParaRPr sz="2400">
-              <a:latin typeface="Times New Roman"/>
-              <a:ea typeface="Times New Roman"/>
-              <a:cs typeface="Times New Roman"/>
-              <a:sym typeface="Times New Roman"/>
-            </a:endParaRPr>
-          </a:p>
-          <a:p>
-            <a:pPr marL="0" lvl="0" indent="0" algn="l" rtl="0">
-              <a:lnSpc>
-                <a:spcPct val="90000"/>
-              </a:lnSpc>
-              <a:spcBef>
-                <a:spcPts val="0"/>
-              </a:spcBef>
-              <a:spcAft>
-                <a:spcPts val="0"/>
-              </a:spcAft>
-              <a:buClr>
-                <a:schemeClr val="dk1"/>
-              </a:buClr>
-              <a:buSzPts val="2600"/>
-              <a:buNone/>
-            </a:pPr>
-            <a:endParaRPr sz="2400">
-              <a:latin typeface="Times New Roman"/>
-              <a:ea typeface="Times New Roman"/>
-              <a:cs typeface="Times New Roman"/>
-              <a:sym typeface="Times New Roman"/>
-            </a:endParaRPr>
-          </a:p>
-          <a:p>
-            <a:pPr marL="0" lvl="0" indent="0" algn="l" rtl="0">
-              <a:lnSpc>
-                <a:spcPct val="90000"/>
-              </a:lnSpc>
-              <a:spcBef>
-                <a:spcPts val="0"/>
-              </a:spcBef>
-              <a:spcAft>
-                <a:spcPts val="0"/>
-              </a:spcAft>
-              <a:buClr>
-                <a:schemeClr val="dk1"/>
-              </a:buClr>
-              <a:buSzPts val="2600"/>
-              <a:buNone/>
-            </a:pPr>
             <a:r>
-              <a:rPr lang="en-US" sz="2400">
-                <a:latin typeface="Times New Roman"/>
-                <a:ea typeface="Times New Roman"/>
-                <a:cs typeface="Times New Roman"/>
-                <a:sym typeface="Times New Roman"/>
+              <a:rPr lang="en-US" sz="2600" u="sng" dirty="0">
+                <a:latin typeface="Times New Roman" panose="02020603050405020304" pitchFamily="18" charset="0"/>
+                <a:cs typeface="Times New Roman" panose="02020603050405020304" pitchFamily="18" charset="0"/>
               </a:rPr>
-              <a:t>In order to achieve vehicular congestion it is different from the conventional traffic signal controller in way that it works mostly at the mode of timing and multiple phases according to the user demands dynamically.</a:t>
+              <a:t> </a:t>
             </a:r>
-            <a:endParaRPr sz="2400"/>
+            <a:r>
+              <a:rPr lang="en-US" sz="2600" dirty="0">
+                <a:latin typeface="Times New Roman" panose="02020603050405020304" pitchFamily="18" charset="0"/>
+                <a:cs typeface="Times New Roman" panose="02020603050405020304" pitchFamily="18" charset="0"/>
+              </a:rPr>
+              <a:t>lights which cause unwanted delays.</a:t>
+            </a:r>
           </a:p>
         </p:txBody>
       </p:sp>
-    </p:spTree>
-  </p:cSld>
-  <p:clrMapOvr>
-    <a:masterClrMapping/>
-  </p:clrMapOvr>
-</p:sld>
-</file>
-
-<file path=ppt/slides/slide15.xml><?xml version="1.0" encoding="utf-8"?>
-<p:sld xmlns:a="http://schemas.openxmlformats.org/drawingml/2006/main" xmlns:r="http://schemas.openxmlformats.org/officeDocument/2006/relationships" xmlns:p="http://schemas.openxmlformats.org/presentationml/2006/main">
-  <p:cSld>
-    <p:spTree>
-      <p:nvGrpSpPr>
-        <p:cNvPr id="1" name="Shape 155"/>
-        <p:cNvGrpSpPr/>
-        <p:nvPr/>
-      </p:nvGrpSpPr>
-      <p:grpSpPr>
-        <a:xfrm>
-          <a:off x="0" y="0"/>
-          <a:ext cx="0" cy="0"/>
-          <a:chOff x="0" y="0"/>
-          <a:chExt cx="0" cy="0"/>
-        </a:xfrm>
-      </p:grpSpPr>
       <p:sp>
         <p:nvSpPr>
-          <p:cNvPr id="156" name="Google Shape;156;g659b3ba530_0_38"/>
+          <p:cNvPr id="4" name="Google Shape;120;g659b3ba530_0_18">
+            <a:extLst>
+              <a:ext uri="{FF2B5EF4-FFF2-40B4-BE49-F238E27FC236}">
+                <a16:creationId xmlns:a16="http://schemas.microsoft.com/office/drawing/2014/main" id="{EB466EDC-72C9-49E3-9D72-212A6C5ABB05}"/>
+              </a:ext>
+            </a:extLst>
+          </p:cNvPr>
           <p:cNvSpPr txBox="1">
             <a:spLocks noGrp="1"/>
           </p:cNvSpPr>
@@ -17750,230 +17983,98 @@
           </a:bodyPr>
           <a:lstStyle/>
           <a:p>
-            <a:pPr marL="0" lvl="0" indent="0" algn="l" rtl="0">
-              <a:spcBef>
-                <a:spcPts val="0"/>
-              </a:spcBef>
-              <a:spcAft>
-                <a:spcPts val="0"/>
-              </a:spcAft>
-              <a:buNone/>
-            </a:pPr>
-            <a:endParaRPr/>
-          </a:p>
-        </p:txBody>
-      </p:sp>
-      <p:sp>
-        <p:nvSpPr>
-          <p:cNvPr id="157" name="Google Shape;157;g659b3ba530_0_38"/>
-          <p:cNvSpPr txBox="1">
-            <a:spLocks noGrp="1"/>
-          </p:cNvSpPr>
-          <p:nvPr>
-            <p:ph type="body" idx="1"/>
-          </p:nvPr>
-        </p:nvSpPr>
-        <p:spPr>
-          <a:xfrm>
-            <a:off x="838200" y="1825625"/>
-            <a:ext cx="10515600" cy="4351200"/>
-          </a:xfrm>
-          <a:prstGeom prst="rect">
-            <a:avLst/>
-          </a:prstGeom>
-        </p:spPr>
-        <p:txBody>
-          <a:bodyPr spcFirstLastPara="1" wrap="square" lIns="91425" tIns="45700" rIns="91425" bIns="45700" anchor="t" anchorCtr="0">
-            <a:noAutofit/>
-          </a:bodyPr>
-          <a:lstStyle/>
-          <a:p>
-            <a:pPr marL="0" lvl="0" indent="0" algn="l" rtl="0">
-              <a:spcBef>
-                <a:spcPts val="1000"/>
-              </a:spcBef>
-              <a:spcAft>
-                <a:spcPts val="0"/>
-              </a:spcAft>
-              <a:buClr>
-                <a:schemeClr val="dk1"/>
-              </a:buClr>
-              <a:buSzPts val="1100"/>
-              <a:buFont typeface="Arial"/>
-              <a:buNone/>
-            </a:pPr>
+            <a:br>
+              <a:rPr lang="en-US" sz="3200" dirty="0">
+                <a:latin typeface="Times New Roman"/>
+                <a:ea typeface="Times New Roman"/>
+                <a:cs typeface="Times New Roman"/>
+                <a:sym typeface="Times New Roman"/>
+              </a:rPr>
+            </a:br>
             <a:r>
-              <a:rPr lang="en-US" sz="1600"/>
-              <a:t>Their model of intelligent</a:t>
+              <a:rPr lang="en-US" sz="3200" dirty="0">
+                <a:latin typeface="Times New Roman"/>
+                <a:ea typeface="Times New Roman"/>
+                <a:cs typeface="Times New Roman"/>
+                <a:sym typeface="Times New Roman"/>
+              </a:rPr>
+              <a:t>Study 4:</a:t>
             </a:r>
-            <a:endParaRPr sz="1600"/>
-          </a:p>
-          <a:p>
-            <a:pPr marL="0" lvl="0" indent="0" algn="l" rtl="0">
-              <a:spcBef>
-                <a:spcPts val="1000"/>
-              </a:spcBef>
-              <a:spcAft>
-                <a:spcPts val="0"/>
-              </a:spcAft>
-              <a:buClr>
-                <a:schemeClr val="dk1"/>
-              </a:buClr>
-              <a:buSzPts val="1100"/>
-              <a:buFont typeface="Arial"/>
-              <a:buNone/>
-            </a:pPr>
             <a:r>
-              <a:rPr lang="en-US" sz="1600"/>
-              <a:t>traffic control system deploys dual-CPU combined with the logic control of</a:t>
+              <a:rPr lang="en-US" dirty="0">
+                <a:latin typeface="Times New Roman"/>
+                <a:ea typeface="Times New Roman"/>
+                <a:cs typeface="Times New Roman"/>
+                <a:sym typeface="Times New Roman"/>
+              </a:rPr>
+              <a:t> </a:t>
             </a:r>
-            <a:endParaRPr sz="1600"/>
-          </a:p>
-          <a:p>
-            <a:pPr marL="0" lvl="0" indent="0" algn="l" rtl="0">
-              <a:spcBef>
-                <a:spcPts val="1000"/>
-              </a:spcBef>
-              <a:spcAft>
-                <a:spcPts val="0"/>
-              </a:spcAft>
-              <a:buClr>
-                <a:schemeClr val="dk1"/>
-              </a:buClr>
-              <a:buSzPts val="1100"/>
-              <a:buFont typeface="Arial"/>
-              <a:buNone/>
-            </a:pPr>
             <a:r>
-              <a:rPr lang="en-US" sz="1600"/>
-              <a:t>FPGA (Field Programmable Gate Array) which involves functions like</a:t>
+              <a:rPr lang="en-US" sz="2600" dirty="0">
+                <a:latin typeface="Times New Roman" panose="02020603050405020304" pitchFamily="18" charset="0"/>
+                <a:cs typeface="Times New Roman" panose="02020603050405020304" pitchFamily="18" charset="0"/>
+              </a:rPr>
+              <a:t>Kanungo, A., Sharma, A., &amp; Singla, C</a:t>
             </a:r>
-            <a:endParaRPr sz="1600"/>
-          </a:p>
-          <a:p>
-            <a:pPr marL="0" lvl="0" indent="0" algn="l" rtl="0">
-              <a:spcBef>
-                <a:spcPts val="1000"/>
-              </a:spcBef>
-              <a:spcAft>
-                <a:spcPts val="0"/>
-              </a:spcAft>
-              <a:buClr>
-                <a:schemeClr val="dk1"/>
-              </a:buClr>
-              <a:buSzPts val="1100"/>
-              <a:buFont typeface="Arial"/>
-              <a:buNone/>
-            </a:pPr>
             <a:r>
-              <a:rPr lang="en-US" sz="1600"/>
-              <a:t>cross-phase adjustment, exchanging and establishing related information and</a:t>
+              <a:rPr lang="en-US" sz="2600" dirty="0">
+                <a:latin typeface="Times New Roman" panose="02020603050405020304" pitchFamily="18" charset="0"/>
+                <a:ea typeface="Times New Roman"/>
+                <a:cs typeface="Times New Roman" panose="02020603050405020304" pitchFamily="18" charset="0"/>
+                <a:sym typeface="Times New Roman"/>
+              </a:rPr>
+              <a:t>. proposed </a:t>
             </a:r>
-            <a:endParaRPr sz="1600"/>
-          </a:p>
-          <a:p>
-            <a:pPr marL="0" lvl="0" indent="0" algn="l" rtl="0">
-              <a:spcBef>
-                <a:spcPts val="1000"/>
-              </a:spcBef>
-              <a:spcAft>
-                <a:spcPts val="0"/>
-              </a:spcAft>
-              <a:buClr>
-                <a:schemeClr val="dk1"/>
-              </a:buClr>
-              <a:buSzPts val="1100"/>
-              <a:buFont typeface="Arial"/>
-              <a:buNone/>
-            </a:pPr>
             <a:r>
-              <a:rPr lang="en-US" sz="1600"/>
-              <a:t>live human-computer interaction. In order to achieve vehicular congestion it</a:t>
+              <a:rPr lang="en-US" sz="2600" dirty="0">
+                <a:latin typeface="Times New Roman" panose="02020603050405020304" pitchFamily="18" charset="0"/>
+                <a:cs typeface="Times New Roman" panose="02020603050405020304" pitchFamily="18" charset="0"/>
+              </a:rPr>
+              <a:t>Smart traffic lights switching and traffic density calculation using video</a:t>
             </a:r>
-            <a:endParaRPr sz="1600"/>
-          </a:p>
-          <a:p>
-            <a:pPr marL="0" lvl="0" indent="0" algn="l" rtl="0">
-              <a:spcBef>
-                <a:spcPts val="1000"/>
-              </a:spcBef>
-              <a:spcAft>
-                <a:spcPts val="0"/>
-              </a:spcAft>
-              <a:buClr>
-                <a:schemeClr val="dk1"/>
-              </a:buClr>
-              <a:buSzPts val="1100"/>
-              <a:buFont typeface="Arial"/>
-              <a:buNone/>
-            </a:pPr>
             <a:r>
-              <a:rPr lang="en-US" sz="1600"/>
-              <a:t>is different from the conventional traffic signal controller in way that it works</a:t>
+              <a:rPr lang="en-US" sz="2600" i="1" dirty="0">
+                <a:latin typeface="Times New Roman" panose="02020603050405020304" pitchFamily="18" charset="0"/>
+                <a:cs typeface="Times New Roman" panose="02020603050405020304" pitchFamily="18" charset="0"/>
+              </a:rPr>
+              <a:t> </a:t>
             </a:r>
-            <a:endParaRPr sz="1600"/>
-          </a:p>
-          <a:p>
-            <a:pPr marL="0" lvl="0" indent="0" algn="l" rtl="0">
-              <a:spcBef>
-                <a:spcPts val="1000"/>
-              </a:spcBef>
-              <a:spcAft>
-                <a:spcPts val="0"/>
-              </a:spcAft>
-              <a:buClr>
-                <a:schemeClr val="dk1"/>
-              </a:buClr>
-              <a:buSzPts val="1100"/>
-              <a:buFont typeface="Arial"/>
-              <a:buNone/>
-            </a:pPr>
             <a:r>
-              <a:rPr lang="en-US" sz="1600"/>
-              <a:t>mostly at the mode of timing and multiple phases according to the user</a:t>
+              <a:rPr lang="en-US" sz="2600" dirty="0">
+                <a:latin typeface="Times New Roman" panose="02020603050405020304" pitchFamily="18" charset="0"/>
+                <a:cs typeface="Times New Roman" panose="02020603050405020304" pitchFamily="18" charset="0"/>
+              </a:rPr>
+              <a:t>processing</a:t>
             </a:r>
-            <a:endParaRPr sz="1600"/>
-          </a:p>
-          <a:p>
-            <a:pPr marL="0" lvl="0" indent="0" algn="l" rtl="0">
-              <a:spcBef>
-                <a:spcPts val="1000"/>
-              </a:spcBef>
-              <a:spcAft>
-                <a:spcPts val="0"/>
-              </a:spcAft>
-              <a:buClr>
-                <a:schemeClr val="dk1"/>
-              </a:buClr>
-              <a:buSzPts val="1100"/>
-              <a:buFont typeface="Arial"/>
-              <a:buNone/>
-            </a:pPr>
             <a:r>
-              <a:rPr lang="en-US" sz="1600"/>
-              <a:t>demands dynamically. Both the hardware and software system are realised in</a:t>
+              <a:rPr lang="en-US" i="1" dirty="0">
+                <a:latin typeface="Times New Roman" panose="02020603050405020304" pitchFamily="18" charset="0"/>
+                <a:cs typeface="Times New Roman" panose="02020603050405020304" pitchFamily="18" charset="0"/>
+              </a:rPr>
+              <a:t> </a:t>
             </a:r>
-            <a:endParaRPr sz="1600"/>
-          </a:p>
-          <a:p>
-            <a:pPr marL="0" lvl="0" indent="0" algn="l" rtl="0">
-              <a:spcBef>
-                <a:spcPts val="1000"/>
-              </a:spcBef>
-              <a:spcAft>
-                <a:spcPts val="0"/>
-              </a:spcAft>
-              <a:buNone/>
-            </a:pPr>
             <a:r>
-              <a:rPr lang="en-US" sz="1600"/>
-              <a:t>the paper</a:t>
+              <a:rPr lang="en-US" sz="1800" dirty="0">
+                <a:latin typeface="Times New Roman"/>
+                <a:ea typeface="Times New Roman"/>
+                <a:cs typeface="Times New Roman"/>
+                <a:sym typeface="Times New Roman"/>
+              </a:rPr>
+              <a:t>(2014)</a:t>
             </a:r>
-            <a:endParaRPr sz="1600"/>
+            <a:br>
+              <a:rPr lang="en-US" sz="3200" dirty="0"/>
+            </a:br>
+            <a:endParaRPr dirty="0"/>
           </a:p>
         </p:txBody>
       </p:sp>
     </p:spTree>
+    <p:extLst>
+      <p:ext uri="{BB962C8B-B14F-4D97-AF65-F5344CB8AC3E}">
+        <p14:creationId xmlns:p14="http://schemas.microsoft.com/office/powerpoint/2010/main" val="1661168478"/>
+      </p:ext>
+    </p:extLst>
   </p:cSld>
   <p:clrMapOvr>
     <a:masterClrMapping/>
@@ -17982,107 +18083,6 @@
 </file>
 
 <file path=ppt/slides/slide16.xml><?xml version="1.0" encoding="utf-8"?>
-<p:sld xmlns:a="http://schemas.openxmlformats.org/drawingml/2006/main" xmlns:r="http://schemas.openxmlformats.org/officeDocument/2006/relationships" xmlns:p="http://schemas.openxmlformats.org/presentationml/2006/main">
-  <p:cSld>
-    <p:spTree>
-      <p:nvGrpSpPr>
-        <p:cNvPr id="1" name="Shape 161"/>
-        <p:cNvGrpSpPr/>
-        <p:nvPr/>
-      </p:nvGrpSpPr>
-      <p:grpSpPr>
-        <a:xfrm>
-          <a:off x="0" y="0"/>
-          <a:ext cx="0" cy="0"/>
-          <a:chOff x="0" y="0"/>
-          <a:chExt cx="0" cy="0"/>
-        </a:xfrm>
-      </p:grpSpPr>
-      <p:sp>
-        <p:nvSpPr>
-          <p:cNvPr id="162" name="Google Shape;162;g659b3ba530_0_43"/>
-          <p:cNvSpPr txBox="1">
-            <a:spLocks noGrp="1"/>
-          </p:cNvSpPr>
-          <p:nvPr>
-            <p:ph type="title"/>
-          </p:nvPr>
-        </p:nvSpPr>
-        <p:spPr>
-          <a:xfrm>
-            <a:off x="838200" y="365125"/>
-            <a:ext cx="10515600" cy="1325700"/>
-          </a:xfrm>
-          <a:prstGeom prst="rect">
-            <a:avLst/>
-          </a:prstGeom>
-        </p:spPr>
-        <p:txBody>
-          <a:bodyPr spcFirstLastPara="1" wrap="square" lIns="91425" tIns="45700" rIns="91425" bIns="45700" anchor="ctr" anchorCtr="0">
-            <a:noAutofit/>
-          </a:bodyPr>
-          <a:lstStyle/>
-          <a:p>
-            <a:pPr marL="0" lvl="0" indent="0" algn="l" rtl="0">
-              <a:spcBef>
-                <a:spcPts val="0"/>
-              </a:spcBef>
-              <a:spcAft>
-                <a:spcPts val="0"/>
-              </a:spcAft>
-              <a:buNone/>
-            </a:pPr>
-            <a:endParaRPr/>
-          </a:p>
-        </p:txBody>
-      </p:sp>
-      <p:sp>
-        <p:nvSpPr>
-          <p:cNvPr id="163" name="Google Shape;163;g659b3ba530_0_43"/>
-          <p:cNvSpPr txBox="1">
-            <a:spLocks noGrp="1"/>
-          </p:cNvSpPr>
-          <p:nvPr>
-            <p:ph type="body" idx="1"/>
-          </p:nvPr>
-        </p:nvSpPr>
-        <p:spPr>
-          <a:xfrm>
-            <a:off x="838200" y="1825625"/>
-            <a:ext cx="10515600" cy="4351200"/>
-          </a:xfrm>
-          <a:prstGeom prst="rect">
-            <a:avLst/>
-          </a:prstGeom>
-        </p:spPr>
-        <p:txBody>
-          <a:bodyPr spcFirstLastPara="1" wrap="square" lIns="91425" tIns="45700" rIns="91425" bIns="45700" anchor="t" anchorCtr="0">
-            <a:noAutofit/>
-          </a:bodyPr>
-          <a:lstStyle/>
-          <a:p>
-            <a:pPr marL="0" lvl="0" indent="0" algn="l" rtl="0">
-              <a:spcBef>
-                <a:spcPts val="1000"/>
-              </a:spcBef>
-              <a:spcAft>
-                <a:spcPts val="0"/>
-              </a:spcAft>
-              <a:buNone/>
-            </a:pPr>
-            <a:endParaRPr/>
-          </a:p>
-        </p:txBody>
-      </p:sp>
-    </p:spTree>
-  </p:cSld>
-  <p:clrMapOvr>
-    <a:masterClrMapping/>
-  </p:clrMapOvr>
-</p:sld>
-</file>
-
-<file path=ppt/slides/slide17.xml><?xml version="1.0" encoding="utf-8"?>
 <p:sld xmlns:a="http://schemas.openxmlformats.org/drawingml/2006/main" xmlns:r="http://schemas.openxmlformats.org/officeDocument/2006/relationships" xmlns:p="http://schemas.openxmlformats.org/presentationml/2006/main">
   <p:cSld>
     <p:spTree>
@@ -18103,11 +18103,17 @@
         <p:nvGraphicFramePr>
           <p:cNvPr id="168" name="Google Shape;168;g70854cd016_0_0"/>
           <p:cNvGraphicFramePr/>
-          <p:nvPr/>
+          <p:nvPr>
+            <p:extLst>
+              <p:ext uri="{D42A27DB-BD31-4B8C-83A1-F6EECF244321}">
+                <p14:modId xmlns:p14="http://schemas.microsoft.com/office/powerpoint/2010/main" val="353688531"/>
+              </p:ext>
+            </p:extLst>
+          </p:nvPr>
         </p:nvGraphicFramePr>
         <p:xfrm>
-          <a:off x="712803" y="1796989"/>
-          <a:ext cx="10819300" cy="6492090"/>
+          <a:off x="625035" y="592442"/>
+          <a:ext cx="10745021" cy="6438112"/>
         </p:xfrm>
         <a:graphic>
           <a:graphicData uri="http://schemas.openxmlformats.org/drawingml/2006/table">
@@ -18117,7 +18123,7 @@
                 <a:tableStyleId>{9A453C88-1E02-4705-B2C8-376F6F29899A}</a:tableStyleId>
               </a:tblPr>
               <a:tblGrid>
-                <a:gridCol w="2704825">
+                <a:gridCol w="2630546">
                   <a:extLst>
                     <a:ext uri="{9D8B030D-6E8A-4147-A177-3AD203B41FA5}">
                       <a16:colId xmlns:a16="http://schemas.microsoft.com/office/drawing/2014/main" val="20000"/>
@@ -18146,7 +18152,7 @@
                   </a:extLst>
                 </a:gridCol>
               </a:tblGrid>
-              <a:tr h="381000">
+              <a:tr h="478559">
                 <a:tc>
                   <a:txBody>
                     <a:bodyPr/>
@@ -18170,10 +18176,10 @@
                         <a:buNone/>
                       </a:pPr>
                       <a:r>
-                        <a:rPr lang="en-US" sz="2000" b="1" u="none" strike="noStrike" cap="none"/>
+                        <a:rPr lang="en-US" sz="2000" b="1" u="none" strike="noStrike" cap="none" dirty="0"/>
                         <a:t>Name</a:t>
                       </a:r>
-                      <a:endParaRPr sz="2000" b="1" u="none" strike="noStrike" cap="none"/>
+                      <a:endParaRPr sz="2000" b="1" u="none" strike="noStrike" cap="none" dirty="0"/>
                     </a:p>
                   </a:txBody>
                   <a:tcPr marL="91425" marR="91425" marT="91425" marB="91425">
@@ -18240,10 +18246,10 @@
                         <a:buNone/>
                       </a:pPr>
                       <a:r>
-                        <a:rPr lang="en-US" sz="2000" b="1" u="none" strike="noStrike" cap="none"/>
+                        <a:rPr lang="en-US" sz="2000" b="1" u="none" strike="noStrike" cap="none" dirty="0"/>
                         <a:t>Advantage</a:t>
                       </a:r>
-                      <a:endParaRPr sz="2000" b="1" u="none" strike="noStrike" cap="none"/>
+                      <a:endParaRPr sz="2000" b="1" u="none" strike="noStrike" cap="none" dirty="0"/>
                     </a:p>
                   </a:txBody>
                   <a:tcPr marL="91425" marR="91425" marT="91425" marB="91425">
@@ -18275,10 +18281,10 @@
                         <a:buNone/>
                       </a:pPr>
                       <a:r>
-                        <a:rPr lang="en-US" sz="2000" b="1" u="none" strike="noStrike" cap="none"/>
+                        <a:rPr lang="en-US" sz="2000" b="1" u="none" strike="noStrike" cap="none" dirty="0"/>
                         <a:t>Limits</a:t>
                       </a:r>
-                      <a:endParaRPr sz="2000" b="1" u="none" strike="noStrike" cap="none"/>
+                      <a:endParaRPr sz="2000" b="1" u="none" strike="noStrike" cap="none" dirty="0"/>
                     </a:p>
                   </a:txBody>
                   <a:tcPr marL="91425" marR="91425" marT="91425" marB="91425">
@@ -18293,7 +18299,7 @@
                   </a:ext>
                 </a:extLst>
               </a:tr>
-              <a:tr h="381000">
+              <a:tr h="1256266">
                 <a:tc>
                   <a:txBody>
                     <a:bodyPr/>
@@ -18317,22 +18323,21 @@
                         <a:buNone/>
                       </a:pPr>
                       <a:r>
-                        <a:rPr lang="en-US" sz="2000" u="none" strike="noStrike" cap="none">
-                          <a:solidFill>
-                            <a:schemeClr val="dk1"/>
-                          </a:solidFill>
-                          <a:latin typeface="Times New Roman"/>
-                          <a:ea typeface="Times New Roman"/>
-                          <a:cs typeface="Times New Roman"/>
+                        <a:rPr lang="en-US" sz="2000" dirty="0">
+                          <a:latin typeface="Times New Roman" panose="02020603050405020304" pitchFamily="18" charset="0"/>
+                          <a:cs typeface="Times New Roman" panose="02020603050405020304" pitchFamily="18" charset="0"/>
+                        </a:rPr>
+                        <a:t>Kanungo A, Sharma A &amp; Singla C</a:t>
+                      </a:r>
+                      <a:r>
+                        <a:rPr lang="en-US" sz="2000" dirty="0">
+                          <a:latin typeface="Times New Roman" panose="02020603050405020304" pitchFamily="18" charset="0"/>
+                          <a:cs typeface="Times New Roman" panose="02020603050405020304" pitchFamily="18" charset="0"/>
                           <a:sym typeface="Times New Roman"/>
                         </a:rPr>
-                        <a:t>Khekare, G.S., Sakhare A.V.</a:t>
+                        <a:t> (2014)</a:t>
                       </a:r>
-                      <a:r>
-                        <a:rPr lang="en-US" sz="2000" u="none" strike="noStrike" cap="none"/>
-                        <a:t>(Case 1)</a:t>
-                      </a:r>
-                      <a:endParaRPr sz="2000" u="none" strike="noStrike" cap="none"/>
+                      <a:endParaRPr sz="2000" u="none" strike="noStrike" cap="none" dirty="0"/>
                     </a:p>
                   </a:txBody>
                   <a:tcPr marL="91425" marR="91425" marT="91425" marB="91425"/>
@@ -18359,7 +18364,251 @@
                         <a:buFont typeface="Arial"/>
                         <a:buNone/>
                       </a:pPr>
-                      <a:endParaRPr sz="2000" u="none" strike="noStrike" cap="none">
+                      <a:endParaRPr lang="en-US" sz="2000" dirty="0">
+                        <a:latin typeface="Times New Roman" panose="02020603050405020304" pitchFamily="18" charset="0"/>
+                        <a:cs typeface="Times New Roman" panose="02020603050405020304" pitchFamily="18" charset="0"/>
+                      </a:endParaRPr>
+                    </a:p>
+                    <a:p>
+                      <a:pPr marL="0" marR="0" lvl="0" indent="0" algn="ctr" rtl="0">
+                        <a:lnSpc>
+                          <a:spcPct val="100000"/>
+                        </a:lnSpc>
+                        <a:spcBef>
+                          <a:spcPts val="0"/>
+                        </a:spcBef>
+                        <a:spcAft>
+                          <a:spcPts val="0"/>
+                        </a:spcAft>
+                        <a:buClr>
+                          <a:schemeClr val="dk1"/>
+                        </a:buClr>
+                        <a:buSzPts val="1100"/>
+                        <a:buFont typeface="Arial"/>
+                        <a:buNone/>
+                      </a:pPr>
+                      <a:r>
+                        <a:rPr lang="en-US" sz="2000" dirty="0">
+                          <a:latin typeface="Times New Roman" panose="02020603050405020304" pitchFamily="18" charset="0"/>
+                          <a:cs typeface="Times New Roman" panose="02020603050405020304" pitchFamily="18" charset="0"/>
+                        </a:rPr>
+                        <a:t>Video</a:t>
+                      </a:r>
+                      <a:r>
+                        <a:rPr lang="en-US" sz="2000" i="1" dirty="0">
+                          <a:latin typeface="Times New Roman" panose="02020603050405020304" pitchFamily="18" charset="0"/>
+                          <a:cs typeface="Times New Roman" panose="02020603050405020304" pitchFamily="18" charset="0"/>
+                        </a:rPr>
+                        <a:t> </a:t>
+                      </a:r>
+                      <a:r>
+                        <a:rPr lang="en-US" sz="2000" i="0" dirty="0">
+                          <a:latin typeface="Times New Roman" panose="02020603050405020304" pitchFamily="18" charset="0"/>
+                          <a:cs typeface="Times New Roman" panose="02020603050405020304" pitchFamily="18" charset="0"/>
+                        </a:rPr>
+                        <a:t>Processing</a:t>
+                      </a:r>
+                      <a:endParaRPr sz="2000" i="0" u="none" strike="noStrike" cap="none" dirty="0"/>
+                    </a:p>
+                  </a:txBody>
+                  <a:tcPr marL="91425" marR="91425" marT="91425" marB="91425"/>
+                </a:tc>
+                <a:tc>
+                  <a:txBody>
+                    <a:bodyPr/>
+                    <a:lstStyle/>
+                    <a:p>
+                      <a:pPr marL="0" marR="0" lvl="0" indent="0" algn="ctr" defTabSz="914400" rtl="0" eaLnBrk="1" fontAlgn="auto" latinLnBrk="0" hangingPunct="1">
+                        <a:lnSpc>
+                          <a:spcPct val="90000"/>
+                        </a:lnSpc>
+                        <a:spcBef>
+                          <a:spcPts val="0"/>
+                        </a:spcBef>
+                        <a:spcAft>
+                          <a:spcPts val="0"/>
+                        </a:spcAft>
+                        <a:buClr>
+                          <a:schemeClr val="dk1"/>
+                        </a:buClr>
+                        <a:buSzPts val="2400"/>
+                        <a:buFont typeface="Arial"/>
+                        <a:buNone/>
+                        <a:tabLst/>
+                        <a:defRPr/>
+                      </a:pPr>
+                      <a:r>
+                        <a:rPr lang="en-US" sz="2000" dirty="0">
+                          <a:latin typeface="Times New Roman" panose="02020603050405020304" pitchFamily="18" charset="0"/>
+                          <a:cs typeface="Times New Roman" panose="02020603050405020304" pitchFamily="18" charset="0"/>
+                        </a:rPr>
+                        <a:t>improvement of about 35% above the Hard Coded system. </a:t>
+                      </a:r>
+                    </a:p>
+                    <a:p>
+                      <a:pPr marL="0" marR="0" lvl="0" indent="0" algn="ctr" rtl="0">
+                        <a:lnSpc>
+                          <a:spcPct val="90000"/>
+                        </a:lnSpc>
+                        <a:spcBef>
+                          <a:spcPts val="0"/>
+                        </a:spcBef>
+                        <a:spcAft>
+                          <a:spcPts val="0"/>
+                        </a:spcAft>
+                        <a:buClr>
+                          <a:schemeClr val="dk1"/>
+                        </a:buClr>
+                        <a:buSzPts val="2400"/>
+                        <a:buFont typeface="Arial"/>
+                        <a:buNone/>
+                      </a:pPr>
+                      <a:endParaRPr sz="2000" u="none" strike="noStrike" cap="none" dirty="0"/>
+                    </a:p>
+                  </a:txBody>
+                  <a:tcPr marL="91425" marR="91425" marT="91425" marB="91425"/>
+                </a:tc>
+                <a:tc>
+                  <a:txBody>
+                    <a:bodyPr/>
+                    <a:lstStyle/>
+                    <a:p>
+                      <a:pPr marL="0" marR="0" lvl="0" indent="0" algn="ctr" defTabSz="914400" rtl="0" eaLnBrk="1" fontAlgn="auto" latinLnBrk="0" hangingPunct="1">
+                        <a:lnSpc>
+                          <a:spcPct val="100000"/>
+                        </a:lnSpc>
+                        <a:spcBef>
+                          <a:spcPts val="0"/>
+                        </a:spcBef>
+                        <a:spcAft>
+                          <a:spcPts val="0"/>
+                        </a:spcAft>
+                        <a:buClr>
+                          <a:srgbClr val="000000"/>
+                        </a:buClr>
+                        <a:buSzPts val="2000"/>
+                        <a:buFont typeface="Arial"/>
+                        <a:buNone/>
+                        <a:tabLst/>
+                        <a:defRPr/>
+                      </a:pPr>
+                      <a:r>
+                        <a:rPr lang="en-IN" sz="2000" dirty="0"/>
+                        <a:t>Ineffective during night hours</a:t>
+                      </a:r>
+                    </a:p>
+                  </a:txBody>
+                  <a:tcPr marL="91425" marR="91425" marT="91425" marB="91425"/>
+                </a:tc>
+                <a:extLst>
+                  <a:ext uri="{0D108BD9-81ED-4DB2-BD59-A6C34878D82A}">
+                    <a16:rowId xmlns:a16="http://schemas.microsoft.com/office/drawing/2014/main" val="10001"/>
+                  </a:ext>
+                </a:extLst>
+              </a:tr>
+              <a:tr h="1316090">
+                <a:tc>
+                  <a:txBody>
+                    <a:bodyPr/>
+                    <a:lstStyle/>
+                    <a:p>
+                      <a:pPr marL="0" marR="0" lvl="0" indent="0" algn="ctr" rtl="0">
+                        <a:lnSpc>
+                          <a:spcPct val="100000"/>
+                        </a:lnSpc>
+                        <a:spcBef>
+                          <a:spcPts val="0"/>
+                        </a:spcBef>
+                        <a:spcAft>
+                          <a:spcPts val="0"/>
+                        </a:spcAft>
+                        <a:buClr>
+                          <a:srgbClr val="000000"/>
+                        </a:buClr>
+                        <a:buSzPts val="2000"/>
+                        <a:buFont typeface="Arial"/>
+                        <a:buNone/>
+                      </a:pPr>
+                      <a:r>
+                        <a:rPr lang="en-US" sz="2000" u="none" strike="noStrike" cap="none" dirty="0" err="1">
+                          <a:solidFill>
+                            <a:schemeClr val="dk1"/>
+                          </a:solidFill>
+                          <a:latin typeface="Times New Roman"/>
+                          <a:ea typeface="Times New Roman"/>
+                          <a:cs typeface="Times New Roman"/>
+                          <a:sym typeface="Times New Roman"/>
+                        </a:rPr>
+                        <a:t>Khekare</a:t>
+                      </a:r>
+                      <a:r>
+                        <a:rPr lang="en-US" sz="2000" u="none" strike="noStrike" cap="none" dirty="0">
+                          <a:solidFill>
+                            <a:schemeClr val="dk1"/>
+                          </a:solidFill>
+                          <a:latin typeface="Times New Roman"/>
+                          <a:ea typeface="Times New Roman"/>
+                          <a:cs typeface="Times New Roman"/>
+                          <a:sym typeface="Times New Roman"/>
+                        </a:rPr>
+                        <a:t>, G.S, </a:t>
+                      </a:r>
+                      <a:r>
+                        <a:rPr lang="en-US" sz="2000" u="none" strike="noStrike" cap="none" dirty="0" err="1">
+                          <a:solidFill>
+                            <a:schemeClr val="dk1"/>
+                          </a:solidFill>
+                          <a:latin typeface="Times New Roman"/>
+                          <a:ea typeface="Times New Roman"/>
+                          <a:cs typeface="Times New Roman"/>
+                          <a:sym typeface="Times New Roman"/>
+                        </a:rPr>
+                        <a:t>Sakhare</a:t>
+                      </a:r>
+                      <a:r>
+                        <a:rPr lang="en-US" sz="2000" u="none" strike="noStrike" cap="none" dirty="0">
+                          <a:solidFill>
+                            <a:schemeClr val="dk1"/>
+                          </a:solidFill>
+                          <a:latin typeface="Times New Roman"/>
+                          <a:ea typeface="Times New Roman"/>
+                          <a:cs typeface="Times New Roman"/>
+                          <a:sym typeface="Times New Roman"/>
+                        </a:rPr>
+                        <a:t> A.V.</a:t>
+                      </a:r>
+                      <a:r>
+                        <a:rPr lang="en-US" sz="2000" u="none" strike="noStrike" cap="none" dirty="0"/>
+                        <a:t>(2013)</a:t>
+                      </a:r>
+                      <a:endParaRPr sz="2000" u="none" strike="noStrike" cap="none" dirty="0"/>
+                    </a:p>
+                  </a:txBody>
+                  <a:tcPr marL="91425" marR="91425" marT="91425" marB="91425"/>
+                </a:tc>
+                <a:tc>
+                  <a:txBody>
+                    <a:bodyPr/>
+                    <a:lstStyle/>
+                    <a:p>
+                      <a:pPr marL="0" marR="0" lvl="0" indent="0" algn="ctr" rtl="0">
+                        <a:lnSpc>
+                          <a:spcPct val="100000"/>
+                        </a:lnSpc>
+                        <a:spcBef>
+                          <a:spcPts val="0"/>
+                        </a:spcBef>
+                        <a:spcAft>
+                          <a:spcPts val="0"/>
+                        </a:spcAft>
+                        <a:buClr>
+                          <a:schemeClr val="dk1"/>
+                        </a:buClr>
+                        <a:buSzPts val="1100"/>
+                        <a:buFont typeface="Arial"/>
+                        <a:buNone/>
+                      </a:pPr>
+                      <a:endParaRPr sz="2000" u="none" strike="noStrike" cap="none" dirty="0">
                         <a:solidFill>
                           <a:schemeClr val="dk1"/>
                         </a:solidFill>
@@ -18384,14 +18633,14 @@
                         <a:buNone/>
                       </a:pPr>
                       <a:r>
-                        <a:rPr lang="en-US" sz="2000" u="none" strike="noStrike" cap="none">
+                        <a:rPr lang="en-US" sz="2000" u="none" strike="noStrike" cap="none" dirty="0">
                           <a:solidFill>
                             <a:schemeClr val="dk1"/>
                           </a:solidFill>
                         </a:rPr>
                         <a:t>VANET’s </a:t>
                       </a:r>
-                      <a:endParaRPr sz="2000" u="none" strike="noStrike" cap="none"/>
+                      <a:endParaRPr sz="2000" u="none" strike="noStrike" cap="none" dirty="0"/>
                     </a:p>
                   </a:txBody>
                   <a:tcPr marL="91425" marR="91425" marT="91425" marB="91425"/>
@@ -18419,7 +18668,7 @@
                         <a:buNone/>
                       </a:pPr>
                       <a:r>
-                        <a:rPr lang="en-US" sz="2000" u="none" strike="noStrike" cap="none">
+                        <a:rPr lang="en-US" sz="2000" u="none" strike="noStrike" cap="none" dirty="0">
                           <a:solidFill>
                             <a:schemeClr val="dk1"/>
                           </a:solidFill>
@@ -18430,7 +18679,7 @@
                         </a:rPr>
                         <a:t>Provide communication between vehicles themselves and between vehicles and road side</a:t>
                       </a:r>
-                      <a:endParaRPr sz="2000" u="none" strike="noStrike" cap="none"/>
+                      <a:endParaRPr sz="2000" u="none" strike="noStrike" cap="none" dirty="0"/>
                     </a:p>
                   </a:txBody>
                   <a:tcPr marL="91425" marR="91425" marT="91425" marB="91425"/>
@@ -18458,178 +18707,10 @@
                         <a:buNone/>
                       </a:pPr>
                       <a:r>
-                        <a:rPr lang="en-US" sz="2000" u="none" strike="noStrike" cap="none"/>
+                        <a:rPr lang="en-US" sz="2000" u="none" strike="noStrike" cap="none" dirty="0"/>
                         <a:t>spontaneous and smart decisions on time would be slower</a:t>
                       </a:r>
-                      <a:endParaRPr sz="2000" u="none" strike="noStrike" cap="none"/>
-                    </a:p>
-                  </a:txBody>
-                  <a:tcPr marL="91425" marR="91425" marT="91425" marB="91425"/>
-                </a:tc>
-                <a:extLst>
-                  <a:ext uri="{0D108BD9-81ED-4DB2-BD59-A6C34878D82A}">
-                    <a16:rowId xmlns:a16="http://schemas.microsoft.com/office/drawing/2014/main" val="10001"/>
-                  </a:ext>
-                </a:extLst>
-              </a:tr>
-              <a:tr h="381000">
-                <a:tc>
-                  <a:txBody>
-                    <a:bodyPr/>
-                    <a:lstStyle/>
-                    <a:p>
-                      <a:pPr marL="0" marR="0" lvl="0" indent="0" algn="ctr" rtl="0">
-                        <a:lnSpc>
-                          <a:spcPct val="100000"/>
-                        </a:lnSpc>
-                        <a:spcBef>
-                          <a:spcPts val="0"/>
-                        </a:spcBef>
-                        <a:spcAft>
-                          <a:spcPts val="0"/>
-                        </a:spcAft>
-                        <a:buClr>
-                          <a:srgbClr val="000000"/>
-                        </a:buClr>
-                        <a:buSzPts val="2000"/>
-                        <a:buFont typeface="Arial"/>
-                        <a:buNone/>
-                      </a:pPr>
-                      <a:r>
-                        <a:rPr lang="en-US" sz="2800">
-                          <a:solidFill>
-                            <a:schemeClr val="dk1"/>
-                          </a:solidFill>
-                          <a:latin typeface="Calibri"/>
-                          <a:ea typeface="Calibri"/>
-                          <a:cs typeface="Calibri"/>
-                          <a:sym typeface="Calibri"/>
-                        </a:rPr>
-                        <a:t>Badura S., Lieskovsky A</a:t>
-                      </a:r>
-                      <a:endParaRPr sz="2800">
-                        <a:solidFill>
-                          <a:schemeClr val="dk1"/>
-                        </a:solidFill>
-                        <a:latin typeface="Calibri"/>
-                        <a:ea typeface="Calibri"/>
-                        <a:cs typeface="Calibri"/>
-                        <a:sym typeface="Calibri"/>
-                      </a:endParaRPr>
-                    </a:p>
-                    <a:p>
-                      <a:pPr marL="0" lvl="0" indent="0" algn="ctr" rtl="0">
-                        <a:spcBef>
-                          <a:spcPts val="0"/>
-                        </a:spcBef>
-                        <a:spcAft>
-                          <a:spcPts val="0"/>
-                        </a:spcAft>
-                        <a:buClr>
-                          <a:schemeClr val="dk1"/>
-                        </a:buClr>
-                        <a:buSzPts val="2000"/>
-                        <a:buFont typeface="Arial"/>
-                        <a:buNone/>
-                      </a:pPr>
-                      <a:r>
-                        <a:rPr lang="en-US" sz="2000">
-                          <a:solidFill>
-                            <a:schemeClr val="dk1"/>
-                          </a:solidFill>
-                        </a:rPr>
-                        <a:t>(Case 2)</a:t>
-                      </a:r>
-                      <a:endParaRPr sz="2800">
-                        <a:solidFill>
-                          <a:schemeClr val="dk1"/>
-                        </a:solidFill>
-                        <a:latin typeface="Calibri"/>
-                        <a:ea typeface="Calibri"/>
-                        <a:cs typeface="Calibri"/>
-                        <a:sym typeface="Calibri"/>
-                      </a:endParaRPr>
-                    </a:p>
-                  </a:txBody>
-                  <a:tcPr marL="91425" marR="91425" marT="91425" marB="91425"/>
-                </a:tc>
-                <a:tc>
-                  <a:txBody>
-                    <a:bodyPr/>
-                    <a:lstStyle/>
-                    <a:p>
-                      <a:pPr marL="0" marR="0" lvl="0" indent="0" algn="ctr" rtl="0">
-                        <a:lnSpc>
-                          <a:spcPct val="90000"/>
-                        </a:lnSpc>
-                        <a:spcBef>
-                          <a:spcPts val="0"/>
-                        </a:spcBef>
-                        <a:spcAft>
-                          <a:spcPts val="0"/>
-                        </a:spcAft>
-                        <a:buClr>
-                          <a:schemeClr val="dk1"/>
-                        </a:buClr>
-                        <a:buSzPts val="2400"/>
-                        <a:buFont typeface="Arial"/>
-                        <a:buNone/>
-                      </a:pPr>
-                      <a:endParaRPr sz="2000" u="none" strike="noStrike" cap="none"/>
-                    </a:p>
-                  </a:txBody>
-                  <a:tcPr marL="91425" marR="91425" marT="91425" marB="91425"/>
-                </a:tc>
-                <a:tc>
-                  <a:txBody>
-                    <a:bodyPr/>
-                    <a:lstStyle/>
-                    <a:p>
-                      <a:pPr marL="0" marR="0" lvl="0" indent="0" algn="ctr" rtl="0">
-                        <a:lnSpc>
-                          <a:spcPct val="90000"/>
-                        </a:lnSpc>
-                        <a:spcBef>
-                          <a:spcPts val="0"/>
-                        </a:spcBef>
-                        <a:spcAft>
-                          <a:spcPts val="0"/>
-                        </a:spcAft>
-                        <a:buClr>
-                          <a:schemeClr val="dk1"/>
-                        </a:buClr>
-                        <a:buSzPts val="1100"/>
-                        <a:buFont typeface="Arial"/>
-                        <a:buNone/>
-                      </a:pPr>
-                      <a:endParaRPr sz="2000" u="none" strike="noStrike" cap="none"/>
-                    </a:p>
-                  </a:txBody>
-                  <a:tcPr marL="91425" marR="91425" marT="91425" marB="91425"/>
-                </a:tc>
-                <a:tc>
-                  <a:txBody>
-                    <a:bodyPr/>
-                    <a:lstStyle/>
-                    <a:p>
-                      <a:pPr marL="0" marR="0" lvl="0" indent="0" algn="ctr" rtl="0">
-                        <a:lnSpc>
-                          <a:spcPct val="100000"/>
-                        </a:lnSpc>
-                        <a:spcBef>
-                          <a:spcPts val="0"/>
-                        </a:spcBef>
-                        <a:spcAft>
-                          <a:spcPts val="0"/>
-                        </a:spcAft>
-                        <a:buClr>
-                          <a:srgbClr val="000000"/>
-                        </a:buClr>
-                        <a:buSzPts val="2000"/>
-                        <a:buFont typeface="Arial"/>
-                        <a:buNone/>
-                      </a:pPr>
-                      <a:endParaRPr sz="2000" u="none" strike="noStrike" cap="none"/>
+                      <a:endParaRPr sz="2000" u="none" strike="noStrike" cap="none" dirty="0"/>
                     </a:p>
                   </a:txBody>
                   <a:tcPr marL="91425" marR="91425" marT="91425" marB="91425"/>
@@ -18640,7 +18721,7 @@
                   </a:ext>
                 </a:extLst>
               </a:tr>
-              <a:tr h="381000">
+              <a:tr h="1525472">
                 <a:tc>
                   <a:txBody>
                     <a:bodyPr/>
@@ -18661,47 +18742,28 @@
                         <a:buNone/>
                       </a:pPr>
                       <a:r>
-                        <a:rPr lang="en-US" sz="2000">
-                          <a:solidFill>
-                            <a:schemeClr val="dk1"/>
-                          </a:solidFill>
-                          <a:latin typeface="Times New Roman"/>
-                          <a:ea typeface="Times New Roman"/>
-                          <a:cs typeface="Times New Roman"/>
-                          <a:sym typeface="Times New Roman"/>
+                        <a:rPr lang="en-US" sz="2000" dirty="0">
+                          <a:latin typeface="Times New Roman" panose="02020603050405020304" pitchFamily="18" charset="0"/>
+                          <a:cs typeface="Times New Roman" panose="02020603050405020304" pitchFamily="18" charset="0"/>
                         </a:rPr>
-                        <a:t>Salama A.S., Saleh B.K. and Eassa M.M </a:t>
+                        <a:t>Badura S &amp; </a:t>
                       </a:r>
-                      <a:endParaRPr>
-                        <a:solidFill>
-                          <a:schemeClr val="dk1"/>
-                        </a:solidFill>
-                      </a:endParaRPr>
-                    </a:p>
-                    <a:p>
-                      <a:pPr marL="0" lvl="0" indent="0" algn="ctr" rtl="0">
-                        <a:spcBef>
-                          <a:spcPts val="0"/>
-                        </a:spcBef>
-                        <a:spcAft>
-                          <a:spcPts val="0"/>
-                        </a:spcAft>
-                        <a:buClr>
-                          <a:schemeClr val="dk1"/>
-                        </a:buClr>
-                        <a:buSzPts val="2000"/>
-                        <a:buFont typeface="Arial"/>
-                        <a:buNone/>
-                      </a:pPr>
                       <a:r>
-                        <a:rPr lang="en-US" sz="2000">
+                        <a:rPr lang="en-US" sz="2000" dirty="0" err="1">
+                          <a:latin typeface="Times New Roman" panose="02020603050405020304" pitchFamily="18" charset="0"/>
+                          <a:cs typeface="Times New Roman" panose="02020603050405020304" pitchFamily="18" charset="0"/>
+                        </a:rPr>
+                        <a:t>Lieskovsky</a:t>
+                      </a:r>
+                      <a:r>
+                        <a:rPr lang="en-US" sz="2000" dirty="0">
                           <a:solidFill>
                             <a:schemeClr val="dk1"/>
                           </a:solidFill>
                         </a:rPr>
-                        <a:t>(Case 2)</a:t>
+                        <a:t>(2010)</a:t>
                       </a:r>
-                      <a:endParaRPr sz="2000">
+                      <a:endParaRPr sz="2000" dirty="0">
                         <a:solidFill>
                           <a:schemeClr val="dk1"/>
                         </a:solidFill>
@@ -18725,7 +18787,7 @@
                         <a:buFont typeface="Arial"/>
                         <a:buNone/>
                       </a:pPr>
-                      <a:endParaRPr sz="2000">
+                      <a:endParaRPr sz="2000" dirty="0">
                         <a:solidFill>
                           <a:schemeClr val="dk1"/>
                         </a:solidFill>
@@ -18760,7 +18822,7 @@
                         <a:buFont typeface="Arial"/>
                         <a:buNone/>
                       </a:pPr>
-                      <a:endParaRPr sz="2000">
+                      <a:endParaRPr sz="2000" dirty="0">
                         <a:solidFill>
                           <a:schemeClr val="dk1"/>
                         </a:solidFill>
@@ -18789,42 +18851,13 @@
                         <a:buNone/>
                       </a:pPr>
                       <a:r>
-                        <a:rPr lang="en-US" sz="2000">
-                          <a:solidFill>
-                            <a:schemeClr val="dk1"/>
-                          </a:solidFill>
-                          <a:latin typeface="Times New Roman"/>
-                          <a:ea typeface="Times New Roman"/>
-                          <a:cs typeface="Times New Roman"/>
-                          <a:sym typeface="Times New Roman"/>
+                        <a:rPr lang="en-US" sz="2000" dirty="0">
+                          <a:latin typeface="Times New Roman" panose="02020603050405020304" pitchFamily="18" charset="0"/>
+                          <a:cs typeface="Times New Roman" panose="02020603050405020304" pitchFamily="18" charset="0"/>
                         </a:rPr>
-                        <a:t>Photoelectric Sensors</a:t>
+                        <a:t>MANET and Image Processing</a:t>
                       </a:r>
-                      <a:endParaRPr sz="2000">
-                        <a:solidFill>
-                          <a:schemeClr val="dk1"/>
-                        </a:solidFill>
-                      </a:endParaRPr>
-                    </a:p>
-                    <a:p>
-                      <a:pPr marL="0" marR="0" lvl="0" indent="0" algn="ctr" rtl="0">
-                        <a:lnSpc>
-                          <a:spcPct val="90000"/>
-                        </a:lnSpc>
-                        <a:spcBef>
-                          <a:spcPts val="0"/>
-                        </a:spcBef>
-                        <a:spcAft>
-                          <a:spcPts val="0"/>
-                        </a:spcAft>
-                        <a:buClr>
-                          <a:schemeClr val="dk1"/>
-                        </a:buClr>
-                        <a:buSzPts val="2600"/>
-                        <a:buFont typeface="Arial"/>
-                        <a:buNone/>
-                      </a:pPr>
-                      <a:endParaRPr sz="2000">
+                      <a:endParaRPr sz="2000" dirty="0">
                         <a:solidFill>
                           <a:schemeClr val="dk1"/>
                         </a:solidFill>
@@ -18842,43 +18875,7 @@
                     <a:bodyPr/>
                     <a:lstStyle/>
                     <a:p>
-                      <a:pPr marL="0" lvl="0" indent="0" algn="ctr" rtl="0">
-                        <a:lnSpc>
-                          <a:spcPct val="90000"/>
-                        </a:lnSpc>
-                        <a:spcBef>
-                          <a:spcPts val="0"/>
-                        </a:spcBef>
-                        <a:spcAft>
-                          <a:spcPts val="0"/>
-                        </a:spcAft>
-                        <a:buClr>
-                          <a:schemeClr val="dk1"/>
-                        </a:buClr>
-                        <a:buSzPts val="1100"/>
-                        <a:buFont typeface="Arial"/>
-                        <a:buNone/>
-                      </a:pPr>
-                      <a:r>
-                        <a:rPr lang="en-US" sz="2000">
-                          <a:solidFill>
-                            <a:schemeClr val="dk1"/>
-                          </a:solidFill>
-                          <a:latin typeface="Times New Roman"/>
-                          <a:ea typeface="Times New Roman"/>
-                          <a:cs typeface="Times New Roman"/>
-                          <a:sym typeface="Times New Roman"/>
-                        </a:rPr>
-                        <a:t>Provides support for pedestrian crossing and emergency vehicle passing</a:t>
-                      </a:r>
-                      <a:endParaRPr sz="2000">
-                        <a:solidFill>
-                          <a:schemeClr val="dk1"/>
-                        </a:solidFill>
-                      </a:endParaRPr>
-                    </a:p>
-                    <a:p>
-                      <a:pPr marL="0" marR="0" lvl="0" indent="0" algn="ctr" rtl="0">
+                      <a:pPr marL="0" marR="0" lvl="0" indent="0" algn="ctr" defTabSz="914400" rtl="0" eaLnBrk="1" fontAlgn="auto" latinLnBrk="0" hangingPunct="1">
                         <a:lnSpc>
                           <a:spcPct val="90000"/>
                         </a:lnSpc>
@@ -18894,20 +18891,60 @@
                         <a:buSzPts val="2600"/>
                         <a:buFont typeface="Arial"/>
                         <a:buNone/>
+                        <a:tabLst/>
+                        <a:defRPr/>
                       </a:pPr>
-                      <a:endParaRPr sz="2000">
-                        <a:solidFill>
-                          <a:schemeClr val="dk1"/>
-                        </a:solidFill>
-                        <a:latin typeface="Times New Roman"/>
-                        <a:ea typeface="Times New Roman"/>
-                        <a:cs typeface="Times New Roman"/>
-                        <a:sym typeface="Times New Roman"/>
-                      </a:endParaRPr>
+                      <a:r>
+                        <a:rPr lang="en-US" sz="2000" dirty="0">
+                          <a:latin typeface="Times New Roman"/>
+                          <a:ea typeface="Times New Roman"/>
+                          <a:cs typeface="Times New Roman"/>
+                          <a:sym typeface="Times New Roman"/>
+                        </a:rPr>
+                        <a:t>provides support for pedestrian crossing and emergency vehicle passing</a:t>
+                      </a:r>
                     </a:p>
                   </a:txBody>
                   <a:tcPr marL="91425" marR="91425" marT="91425" marB="91425"/>
                 </a:tc>
+                <a:tc>
+                  <a:txBody>
+                    <a:bodyPr/>
+                    <a:lstStyle/>
+                    <a:p>
+                      <a:pPr marL="0" marR="0" lvl="0" indent="0" algn="ctr" rtl="0">
+                        <a:lnSpc>
+                          <a:spcPct val="100000"/>
+                        </a:lnSpc>
+                        <a:spcBef>
+                          <a:spcPts val="0"/>
+                        </a:spcBef>
+                        <a:spcAft>
+                          <a:spcPts val="0"/>
+                        </a:spcAft>
+                        <a:buClr>
+                          <a:srgbClr val="000000"/>
+                        </a:buClr>
+                        <a:buSzPts val="2000"/>
+                        <a:buFont typeface="Arial"/>
+                        <a:buNone/>
+                      </a:pPr>
+                      <a:r>
+                        <a:rPr lang="en-IN" sz="2000" dirty="0"/>
+                        <a:t>Ineffective during night hours</a:t>
+                      </a:r>
+                      <a:endParaRPr sz="2000" dirty="0"/>
+                    </a:p>
+                  </a:txBody>
+                  <a:tcPr marL="91425" marR="91425" marT="91425" marB="91425"/>
+                </a:tc>
+                <a:extLst>
+                  <a:ext uri="{0D108BD9-81ED-4DB2-BD59-A6C34878D82A}">
+                    <a16:rowId xmlns:a16="http://schemas.microsoft.com/office/drawing/2014/main" val="10003"/>
+                  </a:ext>
+                </a:extLst>
+              </a:tr>
+              <a:tr h="1638485">
                 <a:tc>
                   <a:txBody>
                     <a:bodyPr/>
@@ -18928,70 +18965,7 @@
                         <a:buNone/>
                       </a:pPr>
                       <a:r>
-                        <a:rPr lang="en-US" sz="2000">
-                          <a:solidFill>
-                            <a:schemeClr val="dk1"/>
-                          </a:solidFill>
-                        </a:rPr>
-                        <a:t>poor performance over time and sensors may be fooled</a:t>
-                      </a:r>
-                      <a:endParaRPr sz="2000">
-                        <a:solidFill>
-                          <a:schemeClr val="dk1"/>
-                        </a:solidFill>
-                      </a:endParaRPr>
-                    </a:p>
-                    <a:p>
-                      <a:pPr marL="0" marR="0" lvl="0" indent="0" algn="l" rtl="0">
-                        <a:lnSpc>
-                          <a:spcPct val="100000"/>
-                        </a:lnSpc>
-                        <a:spcBef>
-                          <a:spcPts val="0"/>
-                        </a:spcBef>
-                        <a:spcAft>
-                          <a:spcPts val="0"/>
-                        </a:spcAft>
-                        <a:buClr>
-                          <a:srgbClr val="000000"/>
-                        </a:buClr>
-                        <a:buSzPts val="2000"/>
-                        <a:buFont typeface="Arial"/>
-                        <a:buNone/>
-                      </a:pPr>
-                      <a:endParaRPr sz="2000"/>
-                    </a:p>
-                  </a:txBody>
-                  <a:tcPr marL="91425" marR="91425" marT="91425" marB="91425"/>
-                </a:tc>
-                <a:extLst>
-                  <a:ext uri="{0D108BD9-81ED-4DB2-BD59-A6C34878D82A}">
-                    <a16:rowId xmlns:a16="http://schemas.microsoft.com/office/drawing/2014/main" val="10003"/>
-                  </a:ext>
-                </a:extLst>
-              </a:tr>
-              <a:tr h="381000">
-                <a:tc>
-                  <a:txBody>
-                    <a:bodyPr/>
-                    <a:lstStyle/>
-                    <a:p>
-                      <a:pPr marL="0" lvl="0" indent="0" algn="ctr" rtl="0">
-                        <a:spcBef>
-                          <a:spcPts val="0"/>
-                        </a:spcBef>
-                        <a:spcAft>
-                          <a:spcPts val="0"/>
-                        </a:spcAft>
-                        <a:buClr>
-                          <a:schemeClr val="dk1"/>
-                        </a:buClr>
-                        <a:buSzPts val="2000"/>
-                        <a:buFont typeface="Arial"/>
-                        <a:buNone/>
-                      </a:pPr>
-                      <a:r>
-                        <a:rPr lang="en-US" sz="2000">
+                        <a:rPr lang="en-US" sz="2000" dirty="0" err="1">
                           <a:solidFill>
                             <a:schemeClr val="dk1"/>
                           </a:solidFill>
@@ -19000,17 +18974,77 @@
                           <a:cs typeface="Times New Roman"/>
                           <a:sym typeface="Times New Roman"/>
                         </a:rPr>
-                        <a:t>Haimeng Zhao, Xifeng Zheng, Weiya Liu </a:t>
+                        <a:t>Haimeng</a:t>
                       </a:r>
                       <a:r>
-                        <a:rPr lang="en-US" sz="2000">
+                        <a:rPr lang="en-US" sz="2000" dirty="0">
+                          <a:solidFill>
+                            <a:schemeClr val="dk1"/>
+                          </a:solidFill>
+                          <a:latin typeface="Times New Roman"/>
+                          <a:ea typeface="Times New Roman"/>
+                          <a:cs typeface="Times New Roman"/>
+                          <a:sym typeface="Times New Roman"/>
+                        </a:rPr>
+                        <a:t> Zhao, </a:t>
+                      </a:r>
+                      <a:r>
+                        <a:rPr lang="en-US" sz="2000" dirty="0" err="1">
+                          <a:solidFill>
+                            <a:schemeClr val="dk1"/>
+                          </a:solidFill>
+                          <a:latin typeface="Times New Roman"/>
+                          <a:ea typeface="Times New Roman"/>
+                          <a:cs typeface="Times New Roman"/>
+                          <a:sym typeface="Times New Roman"/>
+                        </a:rPr>
+                        <a:t>Xifeng</a:t>
+                      </a:r>
+                      <a:r>
+                        <a:rPr lang="en-US" sz="2000" dirty="0">
+                          <a:solidFill>
+                            <a:schemeClr val="dk1"/>
+                          </a:solidFill>
+                          <a:latin typeface="Times New Roman"/>
+                          <a:ea typeface="Times New Roman"/>
+                          <a:cs typeface="Times New Roman"/>
+                          <a:sym typeface="Times New Roman"/>
+                        </a:rPr>
+                        <a:t> Zheng, </a:t>
+                      </a:r>
+                      <a:r>
+                        <a:rPr lang="en-US" sz="2000" dirty="0" err="1">
+                          <a:solidFill>
+                            <a:schemeClr val="dk1"/>
+                          </a:solidFill>
+                          <a:latin typeface="Times New Roman"/>
+                          <a:ea typeface="Times New Roman"/>
+                          <a:cs typeface="Times New Roman"/>
+                          <a:sym typeface="Times New Roman"/>
+                        </a:rPr>
+                        <a:t>Weiya</a:t>
+                      </a:r>
+                      <a:r>
+                        <a:rPr lang="en-US" sz="2000" dirty="0">
+                          <a:solidFill>
+                            <a:schemeClr val="dk1"/>
+                          </a:solidFill>
+                          <a:latin typeface="Times New Roman"/>
+                          <a:ea typeface="Times New Roman"/>
+                          <a:cs typeface="Times New Roman"/>
+                          <a:sym typeface="Times New Roman"/>
+                        </a:rPr>
+                        <a:t> Liu </a:t>
+                      </a:r>
+                      <a:r>
+                        <a:rPr lang="en-US" sz="2000" dirty="0">
                           <a:solidFill>
                             <a:schemeClr val="dk1"/>
                           </a:solidFill>
                         </a:rPr>
-                        <a:t>(Case 3)</a:t>
+                        <a:t>(2009)</a:t>
                       </a:r>
-                      <a:endParaRPr sz="2000">
+                      <a:endParaRPr sz="2000" dirty="0">
                         <a:solidFill>
                           <a:schemeClr val="dk1"/>
                         </a:solidFill>
@@ -19029,7 +19063,7 @@
                         </a:spcAft>
                         <a:buNone/>
                       </a:pPr>
-                      <a:endParaRPr sz="2000">
+                      <a:endParaRPr sz="2000" dirty="0">
                         <a:solidFill>
                           <a:schemeClr val="dk1"/>
                         </a:solidFill>
@@ -19104,7 +19138,7 @@
                         </a:rPr>
                         <a:t>DSP and Nios II </a:t>
                       </a:r>
-                      <a:endParaRPr>
+                      <a:endParaRPr sz="2000">
                         <a:solidFill>
                           <a:schemeClr val="dk1"/>
                         </a:solidFill>
@@ -19195,7 +19229,7 @@
                         <a:buNone/>
                       </a:pPr>
                       <a:r>
-                        <a:rPr lang="en-US" sz="2000">
+                        <a:rPr lang="en-US" sz="2000" dirty="0">
                           <a:solidFill>
                             <a:schemeClr val="dk1"/>
                           </a:solidFill>
@@ -19206,7 +19240,7 @@
                         </a:rPr>
                         <a:t> Works mostly at the mode of timing and multiple phases according to the user demands dynamically</a:t>
                       </a:r>
-                      <a:endParaRPr sz="2000">
+                      <a:endParaRPr sz="2000" dirty="0">
                         <a:solidFill>
                           <a:schemeClr val="dk1"/>
                         </a:solidFill>
@@ -19225,7 +19259,7 @@
                         </a:spcAft>
                         <a:buNone/>
                       </a:pPr>
-                      <a:endParaRPr sz="2000">
+                      <a:endParaRPr sz="2000" dirty="0">
                         <a:solidFill>
                           <a:schemeClr val="dk1"/>
                         </a:solidFill>
@@ -19257,7 +19291,7 @@
                         <a:buFont typeface="Arial"/>
                         <a:buNone/>
                       </a:pPr>
-                      <a:endParaRPr sz="2000">
+                      <a:endParaRPr sz="2000" dirty="0">
                         <a:solidFill>
                           <a:schemeClr val="dk1"/>
                         </a:solidFill>
@@ -19279,14 +19313,14 @@
                         <a:buNone/>
                       </a:pPr>
                       <a:r>
-                        <a:rPr lang="en-US" sz="2000">
+                        <a:rPr lang="en-US" sz="2000" dirty="0">
                           <a:solidFill>
                             <a:schemeClr val="dk1"/>
                           </a:solidFill>
                         </a:rPr>
                         <a:t>Occurrence of Starvation in run time</a:t>
                       </a:r>
-                      <a:endParaRPr sz="2000">
+                      <a:endParaRPr sz="2000" dirty="0">
                         <a:solidFill>
                           <a:schemeClr val="dk1"/>
                         </a:solidFill>
@@ -19307,7 +19341,7 @@
                         <a:buFont typeface="Arial"/>
                         <a:buNone/>
                       </a:pPr>
-                      <a:endParaRPr sz="2000">
+                      <a:endParaRPr sz="2000" dirty="0">
                         <a:solidFill>
                           <a:schemeClr val="dk1"/>
                         </a:solidFill>
@@ -19326,7 +19360,7 @@
                         </a:spcAft>
                         <a:buNone/>
                       </a:pPr>
-                      <a:endParaRPr sz="2000"/>
+                      <a:endParaRPr sz="2000" dirty="0"/>
                     </a:p>
                   </a:txBody>
                   <a:tcPr marL="91425" marR="91425" marT="91425" marB="91425"/>
@@ -19353,7 +19387,7 @@
         </p:nvSpPr>
         <p:spPr>
           <a:xfrm>
-            <a:off x="838200" y="365125"/>
+            <a:off x="723901" y="-355848"/>
             <a:ext cx="10515600" cy="1325700"/>
           </a:xfrm>
           <a:prstGeom prst="rect">
@@ -19409,7 +19443,7 @@
 </p:sld>
 </file>
 
-<file path=ppt/slides/slide18.xml><?xml version="1.0" encoding="utf-8"?>
+<file path=ppt/slides/slide17.xml><?xml version="1.0" encoding="utf-8"?>
 <p:sld xmlns:a="http://schemas.openxmlformats.org/drawingml/2006/main" xmlns:r="http://schemas.openxmlformats.org/officeDocument/2006/relationships" xmlns:p="http://schemas.openxmlformats.org/presentationml/2006/main">
   <p:cSld>
     <p:spTree>
@@ -19533,15 +19567,33 @@
               <a:buNone/>
             </a:pPr>
             <a:r>
-              <a:rPr lang="en-US" sz="2400">
+              <a:rPr lang="en-US" sz="2400" dirty="0">
                 <a:latin typeface="Times New Roman"/>
                 <a:ea typeface="Times New Roman"/>
                 <a:cs typeface="Times New Roman"/>
                 <a:sym typeface="Times New Roman"/>
               </a:rPr>
-              <a:t>The method proposed by us overcomes the limitations of Khekare et.al (study 1) as it is implemented on a junction and has no relation to every automobile that crosses it apart from its vehicle density and as the only hardware employed in our project would be the surveillance cameras at the junctions therefore no need of constant maintenance and less prone to failure as is the case with Salama  et.al (study 2) and Zhao et.al (Study 3).</a:t>
+              <a:t>The method proposed by us overcomes the limitations of </a:t>
             </a:r>
-            <a:endParaRPr/>
+            <a:r>
+              <a:rPr lang="en-US" sz="2400" dirty="0" err="1">
+                <a:latin typeface="Times New Roman"/>
+                <a:ea typeface="Times New Roman"/>
+                <a:cs typeface="Times New Roman"/>
+                <a:sym typeface="Times New Roman"/>
+              </a:rPr>
+              <a:t>Khekare</a:t>
+            </a:r>
+            <a:r>
+              <a:rPr lang="en-US" sz="2400" dirty="0">
+                <a:latin typeface="Times New Roman"/>
+                <a:ea typeface="Times New Roman"/>
+                <a:cs typeface="Times New Roman"/>
+                <a:sym typeface="Times New Roman"/>
+              </a:rPr>
+              <a:t> et.al (2014) as it is implemented on a junction and has no relation to every automobile that crosses it apart from its vehicle density and as the only hardware employed in our project would be the surveillance cameras at the junctions therefore no need of constant maintenance and less prone to failure as is the case with Salama  et.al (2010) and Zhao et.al (2009).</a:t>
+            </a:r>
+            <a:endParaRPr dirty="0"/>
           </a:p>
           <a:p>
             <a:pPr marL="0" lvl="0" indent="0" algn="l" rtl="0">
@@ -19557,7 +19609,7 @@
               <a:buSzPts val="2600"/>
               <a:buNone/>
             </a:pPr>
-            <a:endParaRPr sz="2400">
+            <a:endParaRPr sz="2400" dirty="0">
               <a:latin typeface="Times New Roman"/>
               <a:ea typeface="Times New Roman"/>
               <a:cs typeface="Times New Roman"/>
@@ -19579,7 +19631,7 @@
               <a:buNone/>
             </a:pPr>
             <a:r>
-              <a:rPr lang="en-US" sz="2400">
+              <a:rPr lang="en-US" sz="2400" dirty="0">
                 <a:latin typeface="Times New Roman"/>
                 <a:ea typeface="Times New Roman"/>
                 <a:cs typeface="Times New Roman"/>
@@ -19587,7 +19639,7 @@
               </a:rPr>
               <a:t>Make efficient traffic signaling based on real time congestion data from google maps reducing the overall traffic congestion, this smart traffic avoidance system will reduce traffic and also reduce fuel consumption which will reduce pollution and overall carbon footprint.</a:t>
             </a:r>
-            <a:endParaRPr sz="2400"/>
+            <a:endParaRPr sz="2400" dirty="0"/>
           </a:p>
         </p:txBody>
       </p:sp>
@@ -19599,7 +19651,7 @@
 </p:sld>
 </file>
 
-<file path=ppt/slides/slide19.xml><?xml version="1.0" encoding="utf-8"?>
+<file path=ppt/slides/slide18.xml><?xml version="1.0" encoding="utf-8"?>
 <p:sld xmlns:a="http://schemas.openxmlformats.org/drawingml/2006/main" xmlns:r="http://schemas.openxmlformats.org/officeDocument/2006/relationships" xmlns:p="http://schemas.openxmlformats.org/presentationml/2006/main">
   <p:cSld>
     <p:spTree>
@@ -19678,224 +19730,7 @@
 </p:sld>
 </file>
 
-<file path=ppt/slides/slide2.xml><?xml version="1.0" encoding="utf-8"?>
-<p:sld xmlns:a="http://schemas.openxmlformats.org/drawingml/2006/main" xmlns:r="http://schemas.openxmlformats.org/officeDocument/2006/relationships" xmlns:p="http://schemas.openxmlformats.org/presentationml/2006/main">
-  <p:cSld>
-    <p:spTree>
-      <p:nvGrpSpPr>
-        <p:cNvPr id="1" name="Shape 89"/>
-        <p:cNvGrpSpPr/>
-        <p:nvPr/>
-      </p:nvGrpSpPr>
-      <p:grpSpPr>
-        <a:xfrm>
-          <a:off x="0" y="0"/>
-          <a:ext cx="0" cy="0"/>
-          <a:chOff x="0" y="0"/>
-          <a:chExt cx="0" cy="0"/>
-        </a:xfrm>
-      </p:grpSpPr>
-      <p:sp>
-        <p:nvSpPr>
-          <p:cNvPr id="90" name="Google Shape;90;p2"/>
-          <p:cNvSpPr txBox="1">
-            <a:spLocks noGrp="1"/>
-          </p:cNvSpPr>
-          <p:nvPr>
-            <p:ph type="title"/>
-          </p:nvPr>
-        </p:nvSpPr>
-        <p:spPr>
-          <a:xfrm>
-            <a:off x="838200" y="365125"/>
-            <a:ext cx="10515600" cy="1325563"/>
-          </a:xfrm>
-          <a:prstGeom prst="rect">
-            <a:avLst/>
-          </a:prstGeom>
-          <a:noFill/>
-          <a:ln>
-            <a:noFill/>
-          </a:ln>
-        </p:spPr>
-        <p:txBody>
-          <a:bodyPr spcFirstLastPara="1" wrap="square" lIns="91425" tIns="45700" rIns="91425" bIns="45700" anchor="ctr" anchorCtr="0">
-            <a:normAutofit/>
-          </a:bodyPr>
-          <a:lstStyle/>
-          <a:p>
-            <a:pPr marL="0" lvl="0" indent="0" algn="l" rtl="0">
-              <a:lnSpc>
-                <a:spcPct val="90000"/>
-              </a:lnSpc>
-              <a:spcBef>
-                <a:spcPts val="0"/>
-              </a:spcBef>
-              <a:spcAft>
-                <a:spcPts val="0"/>
-              </a:spcAft>
-              <a:buClr>
-                <a:schemeClr val="dk1"/>
-              </a:buClr>
-              <a:buSzPts val="4000"/>
-              <a:buFont typeface="Times New Roman"/>
-              <a:buNone/>
-            </a:pPr>
-            <a:r>
-              <a:rPr lang="en-US" sz="4000" b="1" dirty="0">
-                <a:latin typeface="Times New Roman"/>
-                <a:ea typeface="Times New Roman"/>
-                <a:cs typeface="Times New Roman"/>
-                <a:sym typeface="Times New Roman"/>
-              </a:rPr>
-              <a:t>Introduction</a:t>
-            </a:r>
-            <a:endParaRPr sz="4000" dirty="0">
-              <a:latin typeface="Times New Roman"/>
-              <a:ea typeface="Times New Roman"/>
-              <a:cs typeface="Times New Roman"/>
-              <a:sym typeface="Times New Roman"/>
-            </a:endParaRPr>
-          </a:p>
-        </p:txBody>
-      </p:sp>
-      <p:sp>
-        <p:nvSpPr>
-          <p:cNvPr id="91" name="Google Shape;91;p2"/>
-          <p:cNvSpPr txBox="1">
-            <a:spLocks noGrp="1"/>
-          </p:cNvSpPr>
-          <p:nvPr>
-            <p:ph type="body" idx="1"/>
-          </p:nvPr>
-        </p:nvSpPr>
-        <p:spPr>
-          <a:xfrm>
-            <a:off x="838200" y="1825625"/>
-            <a:ext cx="10515600" cy="4351338"/>
-          </a:xfrm>
-          <a:prstGeom prst="rect">
-            <a:avLst/>
-          </a:prstGeom>
-          <a:noFill/>
-          <a:ln>
-            <a:noFill/>
-          </a:ln>
-        </p:spPr>
-        <p:txBody>
-          <a:bodyPr spcFirstLastPara="1" wrap="square" lIns="91425" tIns="45700" rIns="91425" bIns="45700" anchor="t" anchorCtr="0">
-            <a:normAutofit/>
-          </a:bodyPr>
-          <a:lstStyle/>
-          <a:p>
-            <a:pPr marL="0" lvl="0" indent="0" algn="l" rtl="0">
-              <a:lnSpc>
-                <a:spcPct val="90000"/>
-              </a:lnSpc>
-              <a:spcBef>
-                <a:spcPts val="0"/>
-              </a:spcBef>
-              <a:spcAft>
-                <a:spcPts val="0"/>
-              </a:spcAft>
-              <a:buClr>
-                <a:schemeClr val="dk1"/>
-              </a:buClr>
-              <a:buSzPts val="2600"/>
-              <a:buNone/>
-            </a:pPr>
-            <a:r>
-              <a:rPr lang="en-US" sz="2600" dirty="0">
-                <a:latin typeface="Times New Roman"/>
-                <a:ea typeface="Times New Roman"/>
-                <a:cs typeface="Times New Roman"/>
-                <a:sym typeface="Times New Roman"/>
-              </a:rPr>
-              <a:t>Traffic congestion has been one of the major issues that most metropolises are facing in spite of measures being taken to mitigate and reduce it. </a:t>
-            </a:r>
-          </a:p>
-          <a:p>
-            <a:pPr marL="0" lvl="0" indent="0" algn="l" rtl="0">
-              <a:lnSpc>
-                <a:spcPct val="90000"/>
-              </a:lnSpc>
-              <a:spcBef>
-                <a:spcPts val="0"/>
-              </a:spcBef>
-              <a:spcAft>
-                <a:spcPts val="0"/>
-              </a:spcAft>
-              <a:buClr>
-                <a:schemeClr val="dk1"/>
-              </a:buClr>
-              <a:buSzPts val="2600"/>
-              <a:buNone/>
-            </a:pPr>
-            <a:r>
-              <a:rPr lang="en-US" sz="2600" dirty="0">
-                <a:latin typeface="Times New Roman"/>
-                <a:ea typeface="Times New Roman"/>
-                <a:cs typeface="Times New Roman"/>
-                <a:sym typeface="Times New Roman"/>
-              </a:rPr>
-              <a:t>There is very little solutions implemented with machine learning which analysis data from the complete transport grid for achieving overall traffic reduction, this technology exploits the real-time traffic monitoring services which are available nowadays.</a:t>
-            </a:r>
-          </a:p>
-          <a:p>
-            <a:pPr marL="0" lvl="0" indent="0" algn="l" rtl="0">
-              <a:lnSpc>
-                <a:spcPct val="90000"/>
-              </a:lnSpc>
-              <a:spcBef>
-                <a:spcPts val="0"/>
-              </a:spcBef>
-              <a:spcAft>
-                <a:spcPts val="0"/>
-              </a:spcAft>
-              <a:buClr>
-                <a:schemeClr val="dk1"/>
-              </a:buClr>
-              <a:buSzPts val="2600"/>
-              <a:buNone/>
-            </a:pPr>
-            <a:endParaRPr lang="en-US" sz="2600" dirty="0">
-              <a:latin typeface="Times New Roman"/>
-              <a:ea typeface="Times New Roman"/>
-              <a:cs typeface="Times New Roman"/>
-              <a:sym typeface="Times New Roman"/>
-            </a:endParaRPr>
-          </a:p>
-          <a:p>
-            <a:pPr marL="0" lvl="0" indent="0">
-              <a:spcBef>
-                <a:spcPts val="0"/>
-              </a:spcBef>
-              <a:buSzPts val="2600"/>
-              <a:buNone/>
-            </a:pPr>
-            <a:r>
-              <a:rPr lang="en-US" sz="2600" dirty="0">
-                <a:latin typeface="Times New Roman" panose="02020603050405020304" pitchFamily="18" charset="0"/>
-                <a:cs typeface="Times New Roman" panose="02020603050405020304" pitchFamily="18" charset="0"/>
-              </a:rPr>
-              <a:t>It will also provide significant data which will help in future road planning and analysis. In further stages multiple traffic lights can be synchronized with each other with an aim of even less traffic congestion and free flow of traffic.</a:t>
-            </a:r>
-            <a:endParaRPr sz="2600" dirty="0">
-              <a:latin typeface="Times New Roman" panose="02020603050405020304" pitchFamily="18" charset="0"/>
-              <a:cs typeface="Times New Roman" panose="02020603050405020304" pitchFamily="18" charset="0"/>
-            </a:endParaRPr>
-          </a:p>
-        </p:txBody>
-      </p:sp>
-    </p:spTree>
-  </p:cSld>
-  <p:clrMapOvr>
-    <a:masterClrMapping/>
-  </p:clrMapOvr>
-</p:sld>
-</file>
-
-<file path=ppt/slides/slide20.xml><?xml version="1.0" encoding="utf-8"?>
+<file path=ppt/slides/slide19.xml><?xml version="1.0" encoding="utf-8"?>
 <p:sld xmlns:a="http://schemas.openxmlformats.org/drawingml/2006/main" xmlns:r="http://schemas.openxmlformats.org/officeDocument/2006/relationships" xmlns:p="http://schemas.openxmlformats.org/presentationml/2006/main">
   <p:cSld>
     <p:spTree>
@@ -20106,6 +19941,37 @@
               </a:rPr>
               <a:t>Intelligent Traffic System: Cooperation of MANET and Image Processing. 2010 First International Conference on Integrated Intelligent Computing.</a:t>
             </a:r>
+          </a:p>
+          <a:p>
+            <a:pPr marL="685800" indent="-457200"/>
+            <a:r>
+              <a:rPr lang="en-US" sz="2200" dirty="0">
+                <a:latin typeface="Times New Roman" panose="02020603050405020304" pitchFamily="18" charset="0"/>
+                <a:cs typeface="Times New Roman" panose="02020603050405020304" pitchFamily="18" charset="0"/>
+              </a:rPr>
+              <a:t>Zhao, H., Zheng, X., &amp; Liu, W. (2009). </a:t>
+            </a:r>
+            <a:r>
+              <a:rPr lang="en-US" sz="2200" i="1" dirty="0">
+                <a:latin typeface="Times New Roman" panose="02020603050405020304" pitchFamily="18" charset="0"/>
+                <a:cs typeface="Times New Roman" panose="02020603050405020304" pitchFamily="18" charset="0"/>
+              </a:rPr>
+              <a:t>Intelligent Traffic Control System Based on DSP and </a:t>
+            </a:r>
+            <a:r>
+              <a:rPr lang="en-US" sz="2200" i="1" dirty="0" err="1">
+                <a:latin typeface="Times New Roman" panose="02020603050405020304" pitchFamily="18" charset="0"/>
+                <a:cs typeface="Times New Roman" panose="02020603050405020304" pitchFamily="18" charset="0"/>
+              </a:rPr>
+              <a:t>Nios</a:t>
+            </a:r>
+            <a:r>
+              <a:rPr lang="en-US" sz="2200" i="1" dirty="0">
+                <a:latin typeface="Times New Roman" panose="02020603050405020304" pitchFamily="18" charset="0"/>
+                <a:cs typeface="Times New Roman" panose="02020603050405020304" pitchFamily="18" charset="0"/>
+              </a:rPr>
+              <a:t> II. 2009 International Asia Conference on Informatics in Control, Automation and Robotics</a:t>
+            </a:r>
             <a:endParaRPr sz="2200" dirty="0">
               <a:latin typeface="Times New Roman" panose="02020603050405020304" pitchFamily="18" charset="0"/>
               <a:cs typeface="Times New Roman" panose="02020603050405020304" pitchFamily="18" charset="0"/>
@@ -20121,12 +19987,12 @@
 </p:sld>
 </file>
 
-<file path=ppt/slides/slide3.xml><?xml version="1.0" encoding="utf-8"?>
+<file path=ppt/slides/slide2.xml><?xml version="1.0" encoding="utf-8"?>
 <p:sld xmlns:a="http://schemas.openxmlformats.org/drawingml/2006/main" xmlns:r="http://schemas.openxmlformats.org/officeDocument/2006/relationships" xmlns:p="http://schemas.openxmlformats.org/presentationml/2006/main">
   <p:cSld>
     <p:spTree>
       <p:nvGrpSpPr>
-        <p:cNvPr id="1" name="Shape 95"/>
+        <p:cNvPr id="1" name="Shape 89"/>
         <p:cNvGrpSpPr/>
         <p:nvPr/>
       </p:nvGrpSpPr>
@@ -20140,7 +20006,7 @@
       </p:grpSpPr>
       <p:sp>
         <p:nvSpPr>
-          <p:cNvPr id="96" name="Google Shape;96;p3"/>
+          <p:cNvPr id="90" name="Google Shape;90;p2"/>
           <p:cNvSpPr txBox="1">
             <a:spLocks noGrp="1"/>
           </p:cNvSpPr>
@@ -20191,9 +20057,9 @@
                 <a:cs typeface="Times New Roman"/>
                 <a:sym typeface="Times New Roman"/>
               </a:rPr>
-              <a:t>Case Study</a:t>
+              <a:t>Introduction</a:t>
             </a:r>
-            <a:endParaRPr sz="4000" b="1" dirty="0">
+            <a:endParaRPr sz="4000" dirty="0">
               <a:latin typeface="Times New Roman"/>
               <a:ea typeface="Times New Roman"/>
               <a:cs typeface="Times New Roman"/>
@@ -20204,7 +20070,7 @@
       </p:sp>
       <p:sp>
         <p:nvSpPr>
-          <p:cNvPr id="97" name="Google Shape;97;p3"/>
+          <p:cNvPr id="91" name="Google Shape;91;p2"/>
           <p:cNvSpPr txBox="1">
             <a:spLocks noGrp="1"/>
           </p:cNvSpPr>
@@ -20214,8 +20080,8 @@
         </p:nvSpPr>
         <p:spPr>
           <a:xfrm>
-            <a:off x="838200" y="1842225"/>
-            <a:ext cx="10515600" cy="4351200"/>
+            <a:off x="838200" y="1825625"/>
+            <a:ext cx="10515600" cy="4351338"/>
           </a:xfrm>
           <a:prstGeom prst="rect">
             <a:avLst/>
@@ -20227,96 +20093,16 @@
         </p:spPr>
         <p:txBody>
           <a:bodyPr spcFirstLastPara="1" wrap="square" lIns="91425" tIns="45700" rIns="91425" bIns="45700" anchor="t" anchorCtr="0">
-            <a:normAutofit lnSpcReduction="10000"/>
+            <a:normAutofit/>
           </a:bodyPr>
           <a:lstStyle/>
           <a:p>
-            <a:pPr marL="0" lvl="0" indent="0">
-              <a:spcBef>
-                <a:spcPts val="0"/>
-              </a:spcBef>
-              <a:buNone/>
-            </a:pPr>
-            <a:r>
-              <a:rPr lang="en-US" sz="3200" dirty="0">
-                <a:latin typeface="Times New Roman"/>
-                <a:ea typeface="Times New Roman"/>
-                <a:cs typeface="Times New Roman"/>
-                <a:sym typeface="Times New Roman"/>
-              </a:rPr>
-              <a:t>Study 1</a:t>
-            </a:r>
-            <a:r>
-              <a:rPr lang="en-US" sz="2600" dirty="0">
-                <a:latin typeface="Times New Roman"/>
-                <a:ea typeface="Times New Roman"/>
-                <a:cs typeface="Times New Roman"/>
-                <a:sym typeface="Times New Roman"/>
-              </a:rPr>
-              <a:t>: </a:t>
-            </a:r>
-            <a:r>
-              <a:rPr lang="en-US" sz="2600" dirty="0">
-                <a:latin typeface="Times New Roman" panose="02020603050405020304" pitchFamily="18" charset="0"/>
-                <a:cs typeface="Times New Roman" panose="02020603050405020304" pitchFamily="18" charset="0"/>
-              </a:rPr>
-              <a:t>Kanungo, A., Sharma, A., &amp; Singla, C</a:t>
-            </a:r>
-            <a:r>
-              <a:rPr lang="en-US" sz="2600" dirty="0">
-                <a:latin typeface="Times New Roman" panose="02020603050405020304" pitchFamily="18" charset="0"/>
-                <a:ea typeface="Times New Roman"/>
-                <a:cs typeface="Times New Roman" panose="02020603050405020304" pitchFamily="18" charset="0"/>
-                <a:sym typeface="Times New Roman"/>
-              </a:rPr>
-              <a:t>. proposed </a:t>
-            </a:r>
-            <a:r>
-              <a:rPr lang="en-US" sz="2600" dirty="0">
-                <a:latin typeface="Times New Roman" panose="02020603050405020304" pitchFamily="18" charset="0"/>
-                <a:cs typeface="Times New Roman" panose="02020603050405020304" pitchFamily="18" charset="0"/>
-              </a:rPr>
-              <a:t>Smart traffic lights switching and traffic density calculation using video</a:t>
-            </a:r>
-            <a:r>
-              <a:rPr lang="en-US" sz="2600" i="1" dirty="0">
-                <a:latin typeface="Times New Roman" panose="02020603050405020304" pitchFamily="18" charset="0"/>
-                <a:cs typeface="Times New Roman" panose="02020603050405020304" pitchFamily="18" charset="0"/>
-              </a:rPr>
-              <a:t> </a:t>
-            </a:r>
-            <a:r>
-              <a:rPr lang="en-US" sz="2600" dirty="0">
-                <a:latin typeface="Times New Roman" panose="02020603050405020304" pitchFamily="18" charset="0"/>
-                <a:cs typeface="Times New Roman" panose="02020603050405020304" pitchFamily="18" charset="0"/>
-              </a:rPr>
-              <a:t>processing</a:t>
-            </a:r>
-            <a:r>
-              <a:rPr lang="en-US" sz="2600" i="1" dirty="0">
-                <a:latin typeface="Times New Roman" panose="02020603050405020304" pitchFamily="18" charset="0"/>
-                <a:cs typeface="Times New Roman" panose="02020603050405020304" pitchFamily="18" charset="0"/>
-              </a:rPr>
-              <a:t> </a:t>
-            </a:r>
-            <a:r>
-              <a:rPr lang="en-US" sz="1800" dirty="0">
-                <a:latin typeface="Times New Roman"/>
-                <a:ea typeface="Times New Roman"/>
-                <a:cs typeface="Times New Roman"/>
-                <a:sym typeface="Times New Roman"/>
-              </a:rPr>
-              <a:t>(2014)</a:t>
-            </a:r>
-            <a:endParaRPr sz="1800" dirty="0"/>
-          </a:p>
-          <a:p>
-            <a:pPr marL="457200" lvl="1" indent="0" algn="l" rtl="0">
+            <a:pPr marL="0" lvl="0" indent="0" algn="l" rtl="0">
               <a:lnSpc>
                 <a:spcPct val="90000"/>
               </a:lnSpc>
               <a:spcBef>
-                <a:spcPts val="500"/>
+                <a:spcPts val="0"/>
               </a:spcBef>
               <a:spcAft>
                 <a:spcPts val="0"/>
@@ -20326,17 +20112,6 @@
               </a:buClr>
               <a:buSzPts val="2600"/>
               <a:buNone/>
-            </a:pPr>
-            <a:endParaRPr sz="2600" dirty="0">
-              <a:latin typeface="Times New Roman"/>
-              <a:ea typeface="Times New Roman"/>
-              <a:cs typeface="Times New Roman"/>
-              <a:sym typeface="Times New Roman"/>
-            </a:endParaRPr>
-          </a:p>
-          <a:p>
-            <a:pPr marL="457200" lvl="1" indent="-457200">
-              <a:buSzPts val="2600"/>
             </a:pPr>
             <a:r>
               <a:rPr lang="en-US" sz="2600" dirty="0">
@@ -20345,12 +20120,52 @@
                 <a:cs typeface="Times New Roman"/>
                 <a:sym typeface="Times New Roman"/>
               </a:rPr>
-              <a:t>Cameras would be capturing video and broadcasting it to the servers where using video and image processing techniques the vehicle density on every side of the road is calculated and an algorithm is employed to switch the traffic lights accordingly.</a:t>
+              <a:t>Traffic congestion has been one of the major issues that most metropolises are facing in spite of measures being taken to mitigate and reduce it. </a:t>
             </a:r>
           </a:p>
           <a:p>
-            <a:pPr marL="457200" lvl="1" indent="-457200">
+            <a:pPr marL="0" lvl="0" indent="0" algn="l" rtl="0">
+              <a:lnSpc>
+                <a:spcPct val="90000"/>
+              </a:lnSpc>
+              <a:spcBef>
+                <a:spcPts val="0"/>
+              </a:spcBef>
+              <a:spcAft>
+                <a:spcPts val="0"/>
+              </a:spcAft>
+              <a:buClr>
+                <a:schemeClr val="dk1"/>
+              </a:buClr>
               <a:buSzPts val="2600"/>
+              <a:buNone/>
+            </a:pPr>
+            <a:r>
+              <a:rPr lang="en-US" sz="2600" dirty="0">
+                <a:latin typeface="Times New Roman"/>
+                <a:ea typeface="Times New Roman"/>
+                <a:cs typeface="Times New Roman"/>
+                <a:sym typeface="Times New Roman"/>
+              </a:rPr>
+              <a:t>There is very little solutions implemented with machine learning which analysis data from the complete transport grid for achieving overall traffic reduction, this technology exploits the real-time traffic monitoring services which are available nowadays.</a:t>
+            </a:r>
+          </a:p>
+          <a:p>
+            <a:pPr marL="0" lvl="0" indent="0" algn="l" rtl="0">
+              <a:lnSpc>
+                <a:spcPct val="90000"/>
+              </a:lnSpc>
+              <a:spcBef>
+                <a:spcPts val="0"/>
+              </a:spcBef>
+              <a:spcAft>
+                <a:spcPts val="0"/>
+              </a:spcAft>
+              <a:buClr>
+                <a:schemeClr val="dk1"/>
+              </a:buClr>
+              <a:buSzPts val="2600"/>
+              <a:buNone/>
             </a:pPr>
             <a:endParaRPr lang="en-US" sz="2600" dirty="0">
               <a:latin typeface="Times New Roman"/>
@@ -20360,239 +20175,27 @@
             </a:endParaRPr>
           </a:p>
           <a:p>
-            <a:pPr marL="457200" lvl="1" indent="-457200">
+            <a:pPr marL="0" lvl="0" indent="0">
+              <a:spcBef>
+                <a:spcPts val="0"/>
+              </a:spcBef>
               <a:buSzPts val="2600"/>
+              <a:buNone/>
             </a:pPr>
             <a:r>
               <a:rPr lang="en-US" sz="2600" dirty="0">
                 <a:latin typeface="Times New Roman" panose="02020603050405020304" pitchFamily="18" charset="0"/>
                 <a:cs typeface="Times New Roman" panose="02020603050405020304" pitchFamily="18" charset="0"/>
               </a:rPr>
-              <a:t>Peak Time: Density is very high on the roads majorly because of the commuters and as stated in the results Dynamic coded algorithm on average has shown an improvement of about 35% above the Hard Coded system. </a:t>
+              <a:t>It will also provide significant data which will help in future road planning and analysis. In further stages multiple traffic lights can be synchronized with each other with an aim of even less traffic congestion and free flow of traffic.</a:t>
             </a:r>
-          </a:p>
-          <a:p>
-            <a:pPr marL="457200" lvl="1" indent="-457200">
-              <a:buSzPts val="2600"/>
-            </a:pPr>
-            <a:endParaRPr lang="en-US" sz="2600" dirty="0">
-              <a:latin typeface="Times New Roman"/>
-              <a:ea typeface="Times New Roman"/>
-              <a:cs typeface="Times New Roman"/>
-              <a:sym typeface="Times New Roman"/>
+            <a:endParaRPr sz="2600" dirty="0">
+              <a:latin typeface="Times New Roman" panose="02020603050405020304" pitchFamily="18" charset="0"/>
+              <a:cs typeface="Times New Roman" panose="02020603050405020304" pitchFamily="18" charset="0"/>
             </a:endParaRPr>
           </a:p>
         </p:txBody>
       </p:sp>
-    </p:spTree>
-    <p:extLst>
-      <p:ext uri="{BB962C8B-B14F-4D97-AF65-F5344CB8AC3E}">
-        <p14:creationId xmlns:p14="http://schemas.microsoft.com/office/powerpoint/2010/main" val="284297557"/>
-      </p:ext>
-    </p:extLst>
-  </p:cSld>
-  <p:clrMapOvr>
-    <a:masterClrMapping/>
-  </p:clrMapOvr>
-</p:sld>
-</file>
-
-<file path=ppt/slides/slide4.xml><?xml version="1.0" encoding="utf-8"?>
-<p:sld xmlns:a="http://schemas.openxmlformats.org/drawingml/2006/main" xmlns:r="http://schemas.openxmlformats.org/officeDocument/2006/relationships" xmlns:p="http://schemas.openxmlformats.org/presentationml/2006/main">
-  <p:cSld>
-    <p:spTree>
-      <p:nvGrpSpPr>
-        <p:cNvPr id="1" name="Shape 119"/>
-        <p:cNvGrpSpPr/>
-        <p:nvPr/>
-      </p:nvGrpSpPr>
-      <p:grpSpPr>
-        <a:xfrm>
-          <a:off x="0" y="0"/>
-          <a:ext cx="0" cy="0"/>
-          <a:chOff x="0" y="0"/>
-          <a:chExt cx="0" cy="0"/>
-        </a:xfrm>
-      </p:grpSpPr>
-      <p:sp>
-        <p:nvSpPr>
-          <p:cNvPr id="120" name="Google Shape;120;g659b3ba530_0_18"/>
-          <p:cNvSpPr txBox="1">
-            <a:spLocks noGrp="1"/>
-          </p:cNvSpPr>
-          <p:nvPr>
-            <p:ph type="title"/>
-          </p:nvPr>
-        </p:nvSpPr>
-        <p:spPr>
-          <a:xfrm>
-            <a:off x="838200" y="365125"/>
-            <a:ext cx="10515600" cy="1325700"/>
-          </a:xfrm>
-          <a:prstGeom prst="rect">
-            <a:avLst/>
-          </a:prstGeom>
-        </p:spPr>
-        <p:txBody>
-          <a:bodyPr spcFirstLastPara="1" wrap="square" lIns="91425" tIns="45700" rIns="91425" bIns="45700" anchor="ctr" anchorCtr="0">
-            <a:noAutofit/>
-          </a:bodyPr>
-          <a:lstStyle/>
-          <a:p>
-            <a:br>
-              <a:rPr lang="en-US" sz="3200" dirty="0">
-                <a:latin typeface="Times New Roman"/>
-                <a:ea typeface="Times New Roman"/>
-                <a:cs typeface="Times New Roman"/>
-                <a:sym typeface="Times New Roman"/>
-              </a:rPr>
-            </a:br>
-            <a:r>
-              <a:rPr lang="en-US" sz="3200" dirty="0">
-                <a:latin typeface="Times New Roman"/>
-                <a:ea typeface="Times New Roman"/>
-                <a:cs typeface="Times New Roman"/>
-                <a:sym typeface="Times New Roman"/>
-              </a:rPr>
-              <a:t>Study 1:</a:t>
-            </a:r>
-            <a:r>
-              <a:rPr lang="en-US" dirty="0">
-                <a:latin typeface="Times New Roman"/>
-                <a:ea typeface="Times New Roman"/>
-                <a:cs typeface="Times New Roman"/>
-                <a:sym typeface="Times New Roman"/>
-              </a:rPr>
-              <a:t> </a:t>
-            </a:r>
-            <a:r>
-              <a:rPr lang="en-US" sz="2600" dirty="0">
-                <a:latin typeface="Times New Roman" panose="02020603050405020304" pitchFamily="18" charset="0"/>
-                <a:cs typeface="Times New Roman" panose="02020603050405020304" pitchFamily="18" charset="0"/>
-              </a:rPr>
-              <a:t>Kanungo, A., Sharma, A., &amp; Singla, C</a:t>
-            </a:r>
-            <a:r>
-              <a:rPr lang="en-US" sz="2600" dirty="0">
-                <a:latin typeface="Times New Roman" panose="02020603050405020304" pitchFamily="18" charset="0"/>
-                <a:ea typeface="Times New Roman"/>
-                <a:cs typeface="Times New Roman" panose="02020603050405020304" pitchFamily="18" charset="0"/>
-                <a:sym typeface="Times New Roman"/>
-              </a:rPr>
-              <a:t>. proposed </a:t>
-            </a:r>
-            <a:r>
-              <a:rPr lang="en-US" sz="2600" dirty="0">
-                <a:latin typeface="Times New Roman" panose="02020603050405020304" pitchFamily="18" charset="0"/>
-                <a:cs typeface="Times New Roman" panose="02020603050405020304" pitchFamily="18" charset="0"/>
-              </a:rPr>
-              <a:t>Smart traffic lights switching and traffic density calculation using video</a:t>
-            </a:r>
-            <a:r>
-              <a:rPr lang="en-US" sz="2600" i="1" dirty="0">
-                <a:latin typeface="Times New Roman" panose="02020603050405020304" pitchFamily="18" charset="0"/>
-                <a:cs typeface="Times New Roman" panose="02020603050405020304" pitchFamily="18" charset="0"/>
-              </a:rPr>
-              <a:t> </a:t>
-            </a:r>
-            <a:r>
-              <a:rPr lang="en-US" sz="2600" dirty="0">
-                <a:latin typeface="Times New Roman" panose="02020603050405020304" pitchFamily="18" charset="0"/>
-                <a:cs typeface="Times New Roman" panose="02020603050405020304" pitchFamily="18" charset="0"/>
-              </a:rPr>
-              <a:t>processing</a:t>
-            </a:r>
-            <a:r>
-              <a:rPr lang="en-US" i="1" dirty="0">
-                <a:latin typeface="Times New Roman" panose="02020603050405020304" pitchFamily="18" charset="0"/>
-                <a:cs typeface="Times New Roman" panose="02020603050405020304" pitchFamily="18" charset="0"/>
-              </a:rPr>
-              <a:t> </a:t>
-            </a:r>
-            <a:r>
-              <a:rPr lang="en-US" sz="1800" dirty="0">
-                <a:latin typeface="Times New Roman"/>
-                <a:ea typeface="Times New Roman"/>
-                <a:cs typeface="Times New Roman"/>
-                <a:sym typeface="Times New Roman"/>
-              </a:rPr>
-              <a:t>(2014)</a:t>
-            </a:r>
-            <a:br>
-              <a:rPr lang="en-US" sz="3200" dirty="0"/>
-            </a:br>
-            <a:endParaRPr dirty="0"/>
-          </a:p>
-        </p:txBody>
-      </p:sp>
-      <p:sp>
-        <p:nvSpPr>
-          <p:cNvPr id="121" name="Google Shape;121;g659b3ba530_0_18"/>
-          <p:cNvSpPr txBox="1">
-            <a:spLocks noGrp="1"/>
-          </p:cNvSpPr>
-          <p:nvPr>
-            <p:ph type="body" idx="1"/>
-          </p:nvPr>
-        </p:nvSpPr>
-        <p:spPr>
-          <a:xfrm>
-            <a:off x="838200" y="1825625"/>
-            <a:ext cx="10515600" cy="4351200"/>
-          </a:xfrm>
-          <a:prstGeom prst="rect">
-            <a:avLst/>
-          </a:prstGeom>
-        </p:spPr>
-        <p:txBody>
-          <a:bodyPr spcFirstLastPara="1" wrap="square" lIns="91425" tIns="45700" rIns="91425" bIns="45700" anchor="t" anchorCtr="0">
-            <a:noAutofit/>
-          </a:bodyPr>
-          <a:lstStyle/>
-          <a:p>
-            <a:pPr marL="0" lvl="0" indent="0" algn="l" rtl="0">
-              <a:spcBef>
-                <a:spcPts val="1000"/>
-              </a:spcBef>
-              <a:spcAft>
-                <a:spcPts val="0"/>
-              </a:spcAft>
-              <a:buNone/>
-            </a:pPr>
-            <a:endParaRPr/>
-          </a:p>
-        </p:txBody>
-      </p:sp>
-      <p:pic>
-        <p:nvPicPr>
-          <p:cNvPr id="2" name="Picture 1">
-            <a:extLst>
-              <a:ext uri="{FF2B5EF4-FFF2-40B4-BE49-F238E27FC236}">
-                <a16:creationId xmlns:a16="http://schemas.microsoft.com/office/drawing/2014/main" id="{02EBFC5B-EEA6-4ECB-A550-0483D7B91A8A}"/>
-              </a:ext>
-            </a:extLst>
-          </p:cNvPr>
-          <p:cNvPicPr>
-            <a:picLocks noChangeAspect="1"/>
-          </p:cNvPicPr>
-          <p:nvPr/>
-        </p:nvPicPr>
-        <p:blipFill>
-          <a:blip r:embed="rId3"/>
-          <a:stretch>
-            <a:fillRect/>
-          </a:stretch>
-        </p:blipFill>
-        <p:spPr>
-          <a:xfrm>
-            <a:off x="2378697" y="1744894"/>
-            <a:ext cx="7434606" cy="4763378"/>
-          </a:xfrm>
-          <a:prstGeom prst="rect">
-            <a:avLst/>
-          </a:prstGeom>
-        </p:spPr>
-      </p:pic>
     </p:spTree>
   </p:cSld>
   <p:clrMapOvr>
@@ -20601,7 +20204,7 @@
 </p:sld>
 </file>
 
-<file path=ppt/slides/slide5.xml><?xml version="1.0" encoding="utf-8"?>
+<file path=ppt/slides/slide3.xml><?xml version="1.0" encoding="utf-8"?>
 <p:sld xmlns:a="http://schemas.openxmlformats.org/drawingml/2006/main" xmlns:r="http://schemas.openxmlformats.org/officeDocument/2006/relationships" xmlns:p="http://schemas.openxmlformats.org/presentationml/2006/main">
   <p:cSld>
     <p:spTree>
@@ -20620,10 +20223,35 @@
       </p:grpSpPr>
       <p:sp>
         <p:nvSpPr>
+          <p:cNvPr id="2" name="Title 1">
+            <a:extLst>
+              <a:ext uri="{FF2B5EF4-FFF2-40B4-BE49-F238E27FC236}">
+                <a16:creationId xmlns:a16="http://schemas.microsoft.com/office/drawing/2014/main" id="{B7D30F33-0F80-4033-9C09-3A5355496D9B}"/>
+              </a:ext>
+            </a:extLst>
+          </p:cNvPr>
+          <p:cNvSpPr>
+            <a:spLocks noGrp="1"/>
+          </p:cNvSpPr>
+          <p:nvPr>
+            <p:ph type="title"/>
+          </p:nvPr>
+        </p:nvSpPr>
+        <p:spPr/>
+        <p:txBody>
+          <a:bodyPr/>
+          <a:lstStyle/>
+          <a:p>
+            <a:endParaRPr lang="en-IN"/>
+          </a:p>
+        </p:txBody>
+      </p:sp>
+      <p:sp>
+        <p:nvSpPr>
           <p:cNvPr id="3" name="Text Placeholder 2">
             <a:extLst>
               <a:ext uri="{FF2B5EF4-FFF2-40B4-BE49-F238E27FC236}">
-                <a16:creationId xmlns:a16="http://schemas.microsoft.com/office/drawing/2014/main" id="{E3D46EF3-7F4F-491B-89E7-0E9EE34C56BA}"/>
+                <a16:creationId xmlns:a16="http://schemas.microsoft.com/office/drawing/2014/main" id="{0B2E974B-A838-4747-952F-3819F40801BF}"/>
               </a:ext>
             </a:extLst>
           </p:cNvPr>
@@ -20636,171 +20264,47 @@
         </p:nvSpPr>
         <p:spPr/>
         <p:txBody>
-          <a:bodyPr>
-            <a:normAutofit/>
-          </a:bodyPr>
+          <a:bodyPr/>
           <a:lstStyle/>
           <a:p>
-            <a:r>
-              <a:rPr lang="en-US" sz="2600" dirty="0">
-                <a:latin typeface="Times New Roman" panose="02020603050405020304" pitchFamily="18" charset="0"/>
-                <a:cs typeface="Times New Roman" panose="02020603050405020304" pitchFamily="18" charset="0"/>
-              </a:rPr>
-              <a:t>After Sunset or Low Light Conditions: Here the system doesn’t work up to the expectations due to lower light conditions, in that case we could switch over system to hard coded during night time.</a:t>
-            </a:r>
-          </a:p>
-          <a:p>
-            <a:endParaRPr lang="en-US" sz="2600" dirty="0">
-              <a:latin typeface="Times New Roman" panose="02020603050405020304" pitchFamily="18" charset="0"/>
-              <a:cs typeface="Times New Roman" panose="02020603050405020304" pitchFamily="18" charset="0"/>
-            </a:endParaRPr>
-          </a:p>
-          <a:p>
-            <a:r>
-              <a:rPr lang="en-US" sz="2600" dirty="0">
-                <a:latin typeface="Times New Roman" panose="02020603050405020304" pitchFamily="18" charset="0"/>
-                <a:cs typeface="Times New Roman" panose="02020603050405020304" pitchFamily="18" charset="0"/>
-              </a:rPr>
-              <a:t>This reduce traffic congestion on roads overriding the older system of hard coded</a:t>
-            </a:r>
-            <a:r>
-              <a:rPr lang="en-US" sz="2600" u="sng" dirty="0">
-                <a:latin typeface="Times New Roman" panose="02020603050405020304" pitchFamily="18" charset="0"/>
-                <a:cs typeface="Times New Roman" panose="02020603050405020304" pitchFamily="18" charset="0"/>
-              </a:rPr>
-              <a:t> </a:t>
-            </a:r>
-            <a:r>
-              <a:rPr lang="en-US" sz="2600" dirty="0">
-                <a:latin typeface="Times New Roman" panose="02020603050405020304" pitchFamily="18" charset="0"/>
-                <a:cs typeface="Times New Roman" panose="02020603050405020304" pitchFamily="18" charset="0"/>
-              </a:rPr>
-              <a:t>lights which cause unwanted delays.</a:t>
-            </a:r>
+            <a:endParaRPr lang="en-IN"/>
           </a:p>
         </p:txBody>
       </p:sp>
-      <p:sp>
-        <p:nvSpPr>
-          <p:cNvPr id="4" name="Google Shape;120;g659b3ba530_0_18">
+      <p:pic>
+        <p:nvPicPr>
+          <p:cNvPr id="5" name="Picture 4">
             <a:extLst>
               <a:ext uri="{FF2B5EF4-FFF2-40B4-BE49-F238E27FC236}">
-                <a16:creationId xmlns:a16="http://schemas.microsoft.com/office/drawing/2014/main" id="{EB466EDC-72C9-49E3-9D72-212A6C5ABB05}"/>
+                <a16:creationId xmlns:a16="http://schemas.microsoft.com/office/drawing/2014/main" id="{833EF5EA-529C-4A9C-9540-683BFB02BE7D}"/>
               </a:ext>
             </a:extLst>
           </p:cNvPr>
-          <p:cNvSpPr txBox="1">
-            <a:spLocks noGrp="1"/>
-          </p:cNvSpPr>
-          <p:nvPr>
-            <p:ph type="title"/>
-          </p:nvPr>
-        </p:nvSpPr>
+          <p:cNvPicPr>
+            <a:picLocks noChangeAspect="1"/>
+          </p:cNvPicPr>
+          <p:nvPr/>
+        </p:nvPicPr>
+        <p:blipFill>
+          <a:blip r:embed="rId2"/>
+          <a:stretch>
+            <a:fillRect/>
+          </a:stretch>
+        </p:blipFill>
         <p:spPr>
           <a:xfrm>
-            <a:off x="838200" y="365125"/>
-            <a:ext cx="10515600" cy="1325700"/>
+            <a:off x="4159170" y="717438"/>
+            <a:ext cx="3873660" cy="5423124"/>
           </a:xfrm>
           <a:prstGeom prst="rect">
             <a:avLst/>
           </a:prstGeom>
         </p:spPr>
-        <p:txBody>
-          <a:bodyPr spcFirstLastPara="1" wrap="square" lIns="91425" tIns="45700" rIns="91425" bIns="45700" anchor="ctr" anchorCtr="0">
-            <a:noAutofit/>
-          </a:bodyPr>
-          <a:lstStyle/>
-          <a:p>
-            <a:br>
-              <a:rPr lang="en-US" sz="3200" dirty="0">
-                <a:latin typeface="Times New Roman"/>
-                <a:ea typeface="Times New Roman"/>
-                <a:cs typeface="Times New Roman"/>
-                <a:sym typeface="Times New Roman"/>
-              </a:rPr>
-            </a:br>
-            <a:r>
-              <a:rPr lang="en-US" sz="3200" dirty="0">
-                <a:latin typeface="Times New Roman"/>
-                <a:ea typeface="Times New Roman"/>
-                <a:cs typeface="Times New Roman"/>
-                <a:sym typeface="Times New Roman"/>
-              </a:rPr>
-              <a:t>Study 1:</a:t>
-            </a:r>
-            <a:r>
-              <a:rPr lang="en-US" dirty="0">
-                <a:latin typeface="Times New Roman"/>
-                <a:ea typeface="Times New Roman"/>
-                <a:cs typeface="Times New Roman"/>
-                <a:sym typeface="Times New Roman"/>
-              </a:rPr>
-              <a:t> </a:t>
-            </a:r>
-            <a:r>
-              <a:rPr lang="en-US" sz="2600" dirty="0">
-                <a:latin typeface="Times New Roman" panose="02020603050405020304" pitchFamily="18" charset="0"/>
-                <a:cs typeface="Times New Roman" panose="02020603050405020304" pitchFamily="18" charset="0"/>
-              </a:rPr>
-              <a:t>Kanungo, A., Sharma, A., &amp; Singla, C</a:t>
-            </a:r>
-            <a:r>
-              <a:rPr lang="en-US" sz="2600" dirty="0">
-                <a:latin typeface="Times New Roman" panose="02020603050405020304" pitchFamily="18" charset="0"/>
-                <a:ea typeface="Times New Roman"/>
-                <a:cs typeface="Times New Roman" panose="02020603050405020304" pitchFamily="18" charset="0"/>
-                <a:sym typeface="Times New Roman"/>
-              </a:rPr>
-              <a:t>. proposed </a:t>
-            </a:r>
-            <a:r>
-              <a:rPr lang="en-US" sz="2600" dirty="0">
-                <a:latin typeface="Times New Roman" panose="02020603050405020304" pitchFamily="18" charset="0"/>
-                <a:cs typeface="Times New Roman" panose="02020603050405020304" pitchFamily="18" charset="0"/>
-              </a:rPr>
-              <a:t>Smart traffic lights switching and traffic density calculation using video</a:t>
-            </a:r>
-            <a:r>
-              <a:rPr lang="en-US" sz="2600" i="1" dirty="0">
-                <a:latin typeface="Times New Roman" panose="02020603050405020304" pitchFamily="18" charset="0"/>
-                <a:cs typeface="Times New Roman" panose="02020603050405020304" pitchFamily="18" charset="0"/>
-              </a:rPr>
-              <a:t> </a:t>
-            </a:r>
-            <a:r>
-              <a:rPr lang="en-US" sz="2600" dirty="0">
-                <a:latin typeface="Times New Roman" panose="02020603050405020304" pitchFamily="18" charset="0"/>
-                <a:cs typeface="Times New Roman" panose="02020603050405020304" pitchFamily="18" charset="0"/>
-              </a:rPr>
-              <a:t>processing</a:t>
-            </a:r>
-            <a:r>
-              <a:rPr lang="en-US" i="1" dirty="0">
-                <a:latin typeface="Times New Roman" panose="02020603050405020304" pitchFamily="18" charset="0"/>
-                <a:cs typeface="Times New Roman" panose="02020603050405020304" pitchFamily="18" charset="0"/>
-              </a:rPr>
-              <a:t> </a:t>
-            </a:r>
-            <a:r>
-              <a:rPr lang="en-US" sz="1800" dirty="0">
-                <a:latin typeface="Times New Roman"/>
-                <a:ea typeface="Times New Roman"/>
-                <a:cs typeface="Times New Roman"/>
-                <a:sym typeface="Times New Roman"/>
-              </a:rPr>
-              <a:t>(2014)</a:t>
-            </a:r>
-            <a:br>
-              <a:rPr lang="en-US" sz="3200" dirty="0"/>
-            </a:br>
-            <a:endParaRPr dirty="0"/>
-          </a:p>
-        </p:txBody>
-      </p:sp>
+      </p:pic>
     </p:spTree>
     <p:extLst>
       <p:ext uri="{BB962C8B-B14F-4D97-AF65-F5344CB8AC3E}">
-        <p14:creationId xmlns:p14="http://schemas.microsoft.com/office/powerpoint/2010/main" val="1661168478"/>
+        <p14:creationId xmlns:p14="http://schemas.microsoft.com/office/powerpoint/2010/main" val="2814757299"/>
       </p:ext>
     </p:extLst>
   </p:cSld>
@@ -20810,12 +20314,12 @@
 </p:sld>
 </file>
 
-<file path=ppt/slides/slide6.xml><?xml version="1.0" encoding="utf-8"?>
+<file path=ppt/slides/slide4.xml><?xml version="1.0" encoding="utf-8"?>
 <p:sld xmlns:a="http://schemas.openxmlformats.org/drawingml/2006/main" xmlns:r="http://schemas.openxmlformats.org/officeDocument/2006/relationships" xmlns:p="http://schemas.openxmlformats.org/presentationml/2006/main">
   <p:cSld>
     <p:spTree>
       <p:nvGrpSpPr>
-        <p:cNvPr id="1" name="Shape 95"/>
+        <p:cNvPr id="1" name="Shape 149"/>
         <p:cNvGrpSpPr/>
         <p:nvPr/>
       </p:nvGrpSpPr>
@@ -20829,7 +20333,57 @@
       </p:grpSpPr>
       <p:sp>
         <p:nvSpPr>
-          <p:cNvPr id="97" name="Google Shape;97;p3"/>
+          <p:cNvPr id="150" name="Google Shape;150;p5"/>
+          <p:cNvSpPr txBox="1">
+            <a:spLocks noGrp="1"/>
+          </p:cNvSpPr>
+          <p:nvPr>
+            <p:ph type="title"/>
+          </p:nvPr>
+        </p:nvSpPr>
+        <p:spPr>
+          <a:xfrm>
+            <a:off x="838200" y="321164"/>
+            <a:ext cx="10515600" cy="1325563"/>
+          </a:xfrm>
+          <a:prstGeom prst="rect">
+            <a:avLst/>
+          </a:prstGeom>
+          <a:noFill/>
+          <a:ln>
+            <a:noFill/>
+          </a:ln>
+        </p:spPr>
+        <p:txBody>
+          <a:bodyPr spcFirstLastPara="1" wrap="square" lIns="91425" tIns="45700" rIns="91425" bIns="45700" anchor="ctr" anchorCtr="0">
+            <a:normAutofit/>
+          </a:bodyPr>
+          <a:lstStyle/>
+          <a:p>
+            <a:pPr>
+              <a:buSzPts val="2800"/>
+            </a:pPr>
+            <a:r>
+              <a:rPr lang="en-US" sz="4000" b="1" dirty="0">
+                <a:latin typeface="Times New Roman"/>
+                <a:ea typeface="Times New Roman"/>
+                <a:cs typeface="Times New Roman"/>
+                <a:sym typeface="Times New Roman"/>
+              </a:rPr>
+              <a:t>Case Study</a:t>
+            </a:r>
+            <a:endParaRPr sz="4000" dirty="0">
+              <a:latin typeface="Times New Roman"/>
+              <a:ea typeface="Times New Roman"/>
+              <a:cs typeface="Times New Roman"/>
+              <a:sym typeface="Times New Roman"/>
+            </a:endParaRPr>
+          </a:p>
+        </p:txBody>
+      </p:sp>
+      <p:sp>
+        <p:nvSpPr>
+          <p:cNvPr id="151" name="Google Shape;151;p5"/>
           <p:cNvSpPr txBox="1">
             <a:spLocks noGrp="1"/>
           </p:cNvSpPr>
@@ -20839,8 +20393,8 @@
         </p:nvSpPr>
         <p:spPr>
           <a:xfrm>
-            <a:off x="838200" y="1842225"/>
-            <a:ext cx="10515600" cy="4351200"/>
+            <a:off x="838199" y="1825625"/>
+            <a:ext cx="10829081" cy="4351338"/>
           </a:xfrm>
           <a:prstGeom prst="rect">
             <a:avLst/>
@@ -20856,12 +20410,12 @@
           </a:bodyPr>
           <a:lstStyle/>
           <a:p>
-            <a:pPr marL="457200" lvl="1" indent="0" algn="l" rtl="0">
+            <a:pPr marL="0" lvl="0" indent="0" algn="l" rtl="0">
               <a:lnSpc>
                 <a:spcPct val="90000"/>
               </a:lnSpc>
               <a:spcBef>
-                <a:spcPts val="500"/>
+                <a:spcPts val="0"/>
               </a:spcBef>
               <a:spcAft>
                 <a:spcPts val="0"/>
@@ -20869,6 +20423,120 @@
               <a:buClr>
                 <a:schemeClr val="dk1"/>
               </a:buClr>
+              <a:buSzPts val="2600"/>
+              <a:buNone/>
+            </a:pPr>
+            <a:endParaRPr lang="en-IN" sz="2400" dirty="0">
+              <a:latin typeface="Times New Roman"/>
+              <a:ea typeface="Times New Roman"/>
+              <a:cs typeface="Times New Roman"/>
+              <a:sym typeface="Times New Roman"/>
+            </a:endParaRPr>
+          </a:p>
+          <a:p>
+            <a:pPr marL="0" lvl="0" indent="0">
+              <a:spcBef>
+                <a:spcPts val="0"/>
+              </a:spcBef>
+              <a:buSzPts val="2600"/>
+              <a:buNone/>
+            </a:pPr>
+            <a:r>
+              <a:rPr lang="en-US" sz="3200" dirty="0">
+                <a:latin typeface="Times New Roman"/>
+                <a:ea typeface="Times New Roman"/>
+                <a:cs typeface="Times New Roman"/>
+                <a:sym typeface="Times New Roman"/>
+              </a:rPr>
+              <a:t>Study 1:</a:t>
+            </a:r>
+            <a:r>
+              <a:rPr lang="en-US" sz="2400" dirty="0">
+                <a:latin typeface="Times New Roman"/>
+                <a:ea typeface="Times New Roman"/>
+                <a:cs typeface="Times New Roman"/>
+                <a:sym typeface="Times New Roman"/>
+              </a:rPr>
+              <a:t> </a:t>
+            </a:r>
+            <a:r>
+              <a:rPr lang="en-US" sz="2600" dirty="0" err="1">
+                <a:latin typeface="Times New Roman"/>
+                <a:ea typeface="Times New Roman"/>
+                <a:cs typeface="Times New Roman"/>
+                <a:sym typeface="Times New Roman"/>
+              </a:rPr>
+              <a:t>Haimeng</a:t>
+            </a:r>
+            <a:r>
+              <a:rPr lang="en-US" sz="2600" dirty="0">
+                <a:latin typeface="Times New Roman"/>
+                <a:ea typeface="Times New Roman"/>
+                <a:cs typeface="Times New Roman"/>
+                <a:sym typeface="Times New Roman"/>
+              </a:rPr>
+              <a:t> Zhao, </a:t>
+            </a:r>
+            <a:r>
+              <a:rPr lang="en-US" sz="2600" dirty="0" err="1">
+                <a:latin typeface="Times New Roman"/>
+                <a:ea typeface="Times New Roman"/>
+                <a:cs typeface="Times New Roman"/>
+                <a:sym typeface="Times New Roman"/>
+              </a:rPr>
+              <a:t>Xifeng</a:t>
+            </a:r>
+            <a:r>
+              <a:rPr lang="en-US" sz="2600" dirty="0">
+                <a:latin typeface="Times New Roman"/>
+                <a:ea typeface="Times New Roman"/>
+                <a:cs typeface="Times New Roman"/>
+                <a:sym typeface="Times New Roman"/>
+              </a:rPr>
+              <a:t> Zheng, </a:t>
+            </a:r>
+            <a:r>
+              <a:rPr lang="en-US" sz="2600" dirty="0" err="1">
+                <a:latin typeface="Times New Roman"/>
+                <a:ea typeface="Times New Roman"/>
+                <a:cs typeface="Times New Roman"/>
+                <a:sym typeface="Times New Roman"/>
+              </a:rPr>
+              <a:t>Weiya</a:t>
+            </a:r>
+            <a:r>
+              <a:rPr lang="en-US" sz="2600" dirty="0">
+                <a:latin typeface="Times New Roman"/>
+                <a:ea typeface="Times New Roman"/>
+                <a:cs typeface="Times New Roman"/>
+                <a:sym typeface="Times New Roman"/>
+              </a:rPr>
+              <a:t> Liu presented a design of intelligent traffic control system based on DSP and </a:t>
+            </a:r>
+            <a:r>
+              <a:rPr lang="en-US" sz="2600" dirty="0" err="1">
+                <a:latin typeface="Times New Roman"/>
+                <a:ea typeface="Times New Roman"/>
+                <a:cs typeface="Times New Roman"/>
+                <a:sym typeface="Times New Roman"/>
+              </a:rPr>
+              <a:t>Nios</a:t>
+            </a:r>
+            <a:r>
+              <a:rPr lang="en-US" sz="2600" dirty="0">
+                <a:latin typeface="Times New Roman"/>
+                <a:ea typeface="Times New Roman"/>
+                <a:cs typeface="Times New Roman"/>
+                <a:sym typeface="Times New Roman"/>
+              </a:rPr>
+              <a:t> II. (2009)</a:t>
+            </a:r>
+          </a:p>
+          <a:p>
+            <a:pPr marL="0" lvl="0" indent="0">
+              <a:spcBef>
+                <a:spcPts val="0"/>
+              </a:spcBef>
               <a:buSzPts val="2600"/>
               <a:buNone/>
             </a:pPr>
@@ -20880,7 +20548,10 @@
             </a:endParaRPr>
           </a:p>
           <a:p>
-            <a:pPr marL="457200" lvl="1" indent="-457200">
+            <a:pPr marL="342900">
+              <a:spcBef>
+                <a:spcPts val="0"/>
+              </a:spcBef>
               <a:buSzPts val="2600"/>
             </a:pPr>
             <a:r>
@@ -20890,14 +20561,9 @@
                 <a:cs typeface="Times New Roman"/>
                 <a:sym typeface="Times New Roman"/>
               </a:rPr>
-              <a:t>VANETs provides communication between vehicles themselves and between vehicles and road side units, which can be integrated for creating a smart city.</a:t>
+              <a:t>Their model of intelligent traffic control system deploys dual-CPU combined with the logic control of FPGA (Field Programmable Gate Array) </a:t>
             </a:r>
-          </a:p>
-          <a:p>
-            <a:pPr marL="457200" lvl="1" indent="-457200">
-              <a:buSzPts val="2600"/>
-            </a:pPr>
-            <a:endParaRPr lang="en-US" sz="2600" dirty="0">
+            <a:endParaRPr sz="2600" dirty="0">
               <a:latin typeface="Times New Roman"/>
               <a:ea typeface="Times New Roman"/>
               <a:cs typeface="Times New Roman"/>
@@ -20905,93 +20571,12 @@
             </a:endParaRPr>
           </a:p>
           <a:p>
-            <a:pPr marL="457200" lvl="1" indent="-457200">
+            <a:pPr marL="342900">
+              <a:spcBef>
+                <a:spcPts val="0"/>
+              </a:spcBef>
               <a:buSzPts val="2600"/>
             </a:pPr>
-            <a:r>
-              <a:rPr lang="en-US" sz="2600" dirty="0">
-                <a:latin typeface="Times New Roman" panose="02020603050405020304" pitchFamily="18" charset="0"/>
-                <a:cs typeface="Times New Roman" panose="02020603050405020304" pitchFamily="18" charset="0"/>
-              </a:rPr>
-              <a:t>Continuous broadcasting is done whether any vehicle is in range or not communication is established or not. </a:t>
-            </a:r>
-          </a:p>
-          <a:p>
-            <a:pPr marL="0" lvl="1" indent="0" algn="l" rtl="0">
-              <a:lnSpc>
-                <a:spcPct val="90000"/>
-              </a:lnSpc>
-              <a:spcBef>
-                <a:spcPts val="500"/>
-              </a:spcBef>
-              <a:spcAft>
-                <a:spcPts val="0"/>
-              </a:spcAft>
-              <a:buClr>
-                <a:schemeClr val="dk1"/>
-              </a:buClr>
-              <a:buSzPts val="2600"/>
-              <a:buNone/>
-            </a:pPr>
-            <a:endParaRPr lang="en-US" sz="2600" dirty="0">
-              <a:latin typeface="Times New Roman"/>
-              <a:ea typeface="Times New Roman"/>
-              <a:cs typeface="Times New Roman"/>
-              <a:sym typeface="Times New Roman"/>
-            </a:endParaRPr>
-          </a:p>
-        </p:txBody>
-      </p:sp>
-      <p:sp>
-        <p:nvSpPr>
-          <p:cNvPr id="7" name="Google Shape;102;g659b3ba530_0_8">
-            <a:extLst>
-              <a:ext uri="{FF2B5EF4-FFF2-40B4-BE49-F238E27FC236}">
-                <a16:creationId xmlns:a16="http://schemas.microsoft.com/office/drawing/2014/main" id="{91B91BEC-4C63-48C0-ABE4-0A7D1F32888B}"/>
-              </a:ext>
-            </a:extLst>
-          </p:cNvPr>
-          <p:cNvSpPr txBox="1">
-            <a:spLocks noGrp="1"/>
-          </p:cNvSpPr>
-          <p:nvPr>
-            <p:ph type="title"/>
-          </p:nvPr>
-        </p:nvSpPr>
-        <p:spPr>
-          <a:xfrm>
-            <a:off x="838200" y="365125"/>
-            <a:ext cx="10515600" cy="1325700"/>
-          </a:xfrm>
-          <a:prstGeom prst="rect">
-            <a:avLst/>
-          </a:prstGeom>
-        </p:spPr>
-        <p:txBody>
-          <a:bodyPr spcFirstLastPara="1" wrap="square" lIns="91425" tIns="45700" rIns="91425" bIns="45700" anchor="ctr" anchorCtr="0">
-            <a:noAutofit/>
-          </a:bodyPr>
-          <a:lstStyle/>
-          <a:p>
-            <a:pPr lvl="0"/>
-            <a:r>
-              <a:rPr lang="en-US" sz="3200" dirty="0">
-                <a:latin typeface="Times New Roman"/>
-                <a:ea typeface="Times New Roman"/>
-                <a:cs typeface="Times New Roman"/>
-                <a:sym typeface="Times New Roman"/>
-              </a:rPr>
-              <a:t>Study 2: </a:t>
-            </a:r>
-            <a:r>
-              <a:rPr lang="en-US" sz="2600" dirty="0" err="1">
-                <a:latin typeface="Times New Roman"/>
-                <a:ea typeface="Times New Roman"/>
-                <a:cs typeface="Times New Roman"/>
-                <a:sym typeface="Times New Roman"/>
-              </a:rPr>
-              <a:t>Khekare</a:t>
-            </a:r>
             <a:r>
               <a:rPr lang="en-US" sz="2600" dirty="0">
                 <a:latin typeface="Times New Roman"/>
@@ -20999,45 +20584,9 @@
                 <a:cs typeface="Times New Roman"/>
                 <a:sym typeface="Times New Roman"/>
               </a:rPr>
-              <a:t>, G.S., </a:t>
+              <a:t>In order to achieve vehicular congestion it is different from the conventional traffic signal controller in way that it works mostly at the mode of timing and multiple phases according to the user demands dynamically.</a:t>
             </a:r>
-            <a:r>
-              <a:rPr lang="en-US" sz="2600" dirty="0" err="1">
-                <a:latin typeface="Times New Roman"/>
-                <a:ea typeface="Times New Roman"/>
-                <a:cs typeface="Times New Roman"/>
-                <a:sym typeface="Times New Roman"/>
-              </a:rPr>
-              <a:t>Sakhare</a:t>
-            </a:r>
-            <a:r>
-              <a:rPr lang="en-US" sz="2600" dirty="0">
-                <a:latin typeface="Times New Roman"/>
-                <a:ea typeface="Times New Roman"/>
-                <a:cs typeface="Times New Roman"/>
-                <a:sym typeface="Times New Roman"/>
-              </a:rPr>
-              <a:t> A.V. proposed VANETs (Vehicular Ad Hoc Networks)</a:t>
-            </a:r>
-            <a:r>
-              <a:rPr lang="en-US" dirty="0">
-                <a:latin typeface="Times New Roman"/>
-                <a:ea typeface="Times New Roman"/>
-                <a:cs typeface="Times New Roman"/>
-                <a:sym typeface="Times New Roman"/>
-              </a:rPr>
-              <a:t> </a:t>
-            </a:r>
-            <a:r>
-              <a:rPr lang="en-US" sz="1800" dirty="0">
-                <a:latin typeface="Times New Roman"/>
-                <a:ea typeface="Times New Roman"/>
-                <a:cs typeface="Times New Roman"/>
-                <a:sym typeface="Times New Roman"/>
-              </a:rPr>
-              <a:t>(2013)</a:t>
-            </a:r>
-            <a:endParaRPr lang="en-US" sz="1800" dirty="0"/>
+            <a:endParaRPr sz="2600" dirty="0"/>
           </a:p>
         </p:txBody>
       </p:sp>
@@ -21049,12 +20598,12 @@
 </p:sld>
 </file>
 
-<file path=ppt/slides/slide7.xml><?xml version="1.0" encoding="utf-8"?>
+<file path=ppt/slides/slide5.xml><?xml version="1.0" encoding="utf-8"?>
 <p:sld xmlns:a="http://schemas.openxmlformats.org/drawingml/2006/main" xmlns:r="http://schemas.openxmlformats.org/officeDocument/2006/relationships" xmlns:p="http://schemas.openxmlformats.org/presentationml/2006/main">
   <p:cSld>
     <p:spTree>
       <p:nvGrpSpPr>
-        <p:cNvPr id="1" name="Shape 101"/>
+        <p:cNvPr id="1" name="Shape 161"/>
         <p:cNvGrpSpPr/>
         <p:nvPr/>
       </p:nvGrpSpPr>
@@ -21068,7 +20617,13 @@
       </p:grpSpPr>
       <p:sp>
         <p:nvSpPr>
-          <p:cNvPr id="102" name="Google Shape;102;g659b3ba530_0_8"/>
+          <p:cNvPr id="4" name="Google Shape;150;p5">
+            <a:extLst>
+              <a:ext uri="{FF2B5EF4-FFF2-40B4-BE49-F238E27FC236}">
+                <a16:creationId xmlns:a16="http://schemas.microsoft.com/office/drawing/2014/main" id="{E6A79CD7-B763-4D07-B6AB-58EC23F86FBB}"/>
+              </a:ext>
+            </a:extLst>
+          </p:cNvPr>
           <p:cNvSpPr txBox="1">
             <a:spLocks noGrp="1"/>
           </p:cNvSpPr>
@@ -21078,20 +20633,26 @@
         </p:nvSpPr>
         <p:spPr>
           <a:xfrm>
-            <a:off x="838200" y="365125"/>
-            <a:ext cx="10515600" cy="1325700"/>
+            <a:off x="838200" y="321164"/>
+            <a:ext cx="10515600" cy="1325563"/>
           </a:xfrm>
           <a:prstGeom prst="rect">
             <a:avLst/>
           </a:prstGeom>
+          <a:noFill/>
+          <a:ln>
+            <a:noFill/>
+          </a:ln>
         </p:spPr>
         <p:txBody>
           <a:bodyPr spcFirstLastPara="1" wrap="square" lIns="91425" tIns="45700" rIns="91425" bIns="45700" anchor="ctr" anchorCtr="0">
-            <a:noAutofit/>
+            <a:normAutofit/>
           </a:bodyPr>
           <a:lstStyle/>
           <a:p>
-            <a:pPr lvl="0"/>
+            <a:pPr>
+              <a:buSzPts val="2800"/>
+            </a:pPr>
             <a:r>
               <a:rPr lang="en-US" sz="3200" dirty="0">
                 <a:latin typeface="Times New Roman"/>
@@ -21099,7 +20660,16 @@
                 <a:cs typeface="Times New Roman"/>
                 <a:sym typeface="Times New Roman"/>
               </a:rPr>
-              <a:t>Study 2: </a:t>
+              <a:t>Study 1:</a:t>
+            </a:r>
+            <a:r>
+              <a:rPr lang="en-US" sz="2800" dirty="0">
+                <a:latin typeface="Times New Roman"/>
+                <a:ea typeface="Times New Roman"/>
+                <a:cs typeface="Times New Roman"/>
+                <a:sym typeface="Times New Roman"/>
+              </a:rPr>
+              <a:t> </a:t>
             </a:r>
             <a:r>
               <a:rPr lang="en-US" sz="2600" dirty="0" err="1">
@@ -21108,7 +20678,7 @@
                 <a:cs typeface="Times New Roman"/>
                 <a:sym typeface="Times New Roman"/>
               </a:rPr>
-              <a:t>Khekare</a:t>
+              <a:t>Haimeng</a:t>
             </a:r>
             <a:r>
               <a:rPr lang="en-US" sz="2600" dirty="0">
@@ -21117,7 +20687,7 @@
                 <a:cs typeface="Times New Roman"/>
                 <a:sym typeface="Times New Roman"/>
               </a:rPr>
-              <a:t>, G.S., </a:t>
+              <a:t> Zhao, </a:t>
             </a:r>
             <a:r>
               <a:rPr lang="en-US" sz="2600" dirty="0" err="1">
@@ -21126,7 +20696,7 @@
                 <a:cs typeface="Times New Roman"/>
                 <a:sym typeface="Times New Roman"/>
               </a:rPr>
-              <a:t>Sakhare</a:t>
+              <a:t>Xifeng</a:t>
             </a:r>
             <a:r>
               <a:rPr lang="en-US" sz="2600" dirty="0">
@@ -21135,58 +20705,98 @@
                 <a:cs typeface="Times New Roman"/>
                 <a:sym typeface="Times New Roman"/>
               </a:rPr>
-              <a:t> A.V. proposed VANETs (Vehicular Ad Hoc Networks)</a:t>
+              <a:t> Zheng, </a:t>
             </a:r>
             <a:r>
-              <a:rPr lang="en-US" dirty="0">
+              <a:rPr lang="en-US" sz="2600" dirty="0" err="1">
                 <a:latin typeface="Times New Roman"/>
                 <a:ea typeface="Times New Roman"/>
                 <a:cs typeface="Times New Roman"/>
                 <a:sym typeface="Times New Roman"/>
               </a:rPr>
-              <a:t> </a:t>
+              <a:t>Weiya</a:t>
             </a:r>
             <a:r>
-              <a:rPr lang="en-US" sz="1800" dirty="0">
+              <a:rPr lang="en-US" sz="2600" dirty="0">
                 <a:latin typeface="Times New Roman"/>
                 <a:ea typeface="Times New Roman"/>
                 <a:cs typeface="Times New Roman"/>
                 <a:sym typeface="Times New Roman"/>
               </a:rPr>
-              <a:t>(2013)</a:t>
+              <a:t> Liu presented a design of intelligent traffic control system based on DSP and </a:t>
             </a:r>
-            <a:endParaRPr lang="en-US" sz="1800" dirty="0"/>
+            <a:r>
+              <a:rPr lang="en-US" sz="2600" dirty="0" err="1">
+                <a:latin typeface="Times New Roman"/>
+                <a:ea typeface="Times New Roman"/>
+                <a:cs typeface="Times New Roman"/>
+                <a:sym typeface="Times New Roman"/>
+              </a:rPr>
+              <a:t>Nios</a:t>
+            </a:r>
+            <a:r>
+              <a:rPr lang="en-US" sz="2600" dirty="0">
+                <a:latin typeface="Times New Roman"/>
+                <a:ea typeface="Times New Roman"/>
+                <a:cs typeface="Times New Roman"/>
+                <a:sym typeface="Times New Roman"/>
+              </a:rPr>
+              <a:t> II. (2009)</a:t>
+            </a:r>
+            <a:endParaRPr sz="2600" dirty="0">
+              <a:latin typeface="Times New Roman"/>
+              <a:ea typeface="Times New Roman"/>
+              <a:cs typeface="Times New Roman"/>
+              <a:sym typeface="Times New Roman"/>
+            </a:endParaRPr>
           </a:p>
         </p:txBody>
       </p:sp>
       <p:pic>
         <p:nvPicPr>
-          <p:cNvPr id="6" name="Picture 5">
+          <p:cNvPr id="1026" name="Picture 2" descr="Image result for Intelligent Traffic Control System Based on DSP and Nios II">
             <a:extLst>
               <a:ext uri="{FF2B5EF4-FFF2-40B4-BE49-F238E27FC236}">
-                <a16:creationId xmlns:a16="http://schemas.microsoft.com/office/drawing/2014/main" id="{AD2DC2E1-60B1-49CD-81D6-A08D2E9F6B85}"/>
+                <a16:creationId xmlns:a16="http://schemas.microsoft.com/office/drawing/2014/main" id="{F5C50F46-2C33-407F-AB95-DAA1A5D7B168}"/>
               </a:ext>
             </a:extLst>
           </p:cNvPr>
           <p:cNvPicPr>
-            <a:picLocks noChangeAspect="1"/>
+            <a:picLocks noChangeAspect="1" noChangeArrowheads="1"/>
           </p:cNvPicPr>
           <p:nvPr/>
         </p:nvPicPr>
         <p:blipFill>
-          <a:blip r:embed="rId3"/>
+          <a:blip r:embed="rId3">
+            <a:extLst>
+              <a:ext uri="{28A0092B-C50C-407E-A947-70E740481C1C}">
+                <a14:useLocalDpi xmlns:a14="http://schemas.microsoft.com/office/drawing/2010/main" val="0"/>
+              </a:ext>
+            </a:extLst>
+          </a:blip>
+          <a:srcRect/>
           <a:stretch>
             <a:fillRect/>
           </a:stretch>
         </p:blipFill>
-        <p:spPr>
+        <p:spPr bwMode="auto">
           <a:xfrm>
-            <a:off x="2620652" y="1557235"/>
-            <a:ext cx="6950696" cy="5006722"/>
+            <a:off x="2932257" y="1606542"/>
+            <a:ext cx="5748756" cy="5251458"/>
           </a:xfrm>
           <a:prstGeom prst="rect">
             <a:avLst/>
           </a:prstGeom>
+          <a:noFill/>
+          <a:extLst>
+            <a:ext uri="{909E8E84-426E-40DD-AFC4-6F175D3DCCD1}">
+              <a14:hiddenFill xmlns:a14="http://schemas.microsoft.com/office/drawing/2010/main">
+                <a:solidFill>
+                  <a:srgbClr val="FFFFFF"/>
+                </a:solidFill>
+              </a14:hiddenFill>
+            </a:ext>
+          </a:extLst>
         </p:spPr>
       </p:pic>
     </p:spTree>
@@ -21197,12 +20807,12 @@
 </p:sld>
 </file>
 
-<file path=ppt/slides/slide8.xml><?xml version="1.0" encoding="utf-8"?>
+<file path=ppt/slides/slide6.xml><?xml version="1.0" encoding="utf-8"?>
 <p:sld xmlns:a="http://schemas.openxmlformats.org/drawingml/2006/main" xmlns:r="http://schemas.openxmlformats.org/officeDocument/2006/relationships" xmlns:p="http://schemas.openxmlformats.org/presentationml/2006/main">
   <p:cSld>
     <p:spTree>
       <p:nvGrpSpPr>
-        <p:cNvPr id="1" name="Shape 107"/>
+        <p:cNvPr id="1" name="Shape 155"/>
         <p:cNvGrpSpPr/>
         <p:nvPr/>
       </p:nvGrpSpPr>
@@ -21216,73 +20826,10 @@
       </p:grpSpPr>
       <p:sp>
         <p:nvSpPr>
-          <p:cNvPr id="109" name="Google Shape;109;g659b3ba530_0_13"/>
-          <p:cNvSpPr txBox="1">
-            <a:spLocks noGrp="1"/>
-          </p:cNvSpPr>
-          <p:nvPr>
-            <p:ph type="body" idx="1"/>
-          </p:nvPr>
-        </p:nvSpPr>
-        <p:spPr>
-          <a:xfrm>
-            <a:off x="838200" y="1825625"/>
-            <a:ext cx="10515600" cy="4351200"/>
-          </a:xfrm>
-          <a:prstGeom prst="rect">
-            <a:avLst/>
-          </a:prstGeom>
-        </p:spPr>
-        <p:txBody>
-          <a:bodyPr spcFirstLastPara="1" wrap="square" lIns="91425" tIns="45700" rIns="91425" bIns="45700" anchor="t" anchorCtr="0">
-            <a:noAutofit/>
-          </a:bodyPr>
-          <a:lstStyle/>
-          <a:p>
-            <a:pPr indent="-457200">
-              <a:buSzPct val="100000"/>
-            </a:pPr>
-            <a:r>
-              <a:rPr lang="en-US" sz="2600" dirty="0">
-                <a:latin typeface="Times New Roman" panose="02020603050405020304" pitchFamily="18" charset="0"/>
-                <a:cs typeface="Times New Roman" panose="02020603050405020304" pitchFamily="18" charset="0"/>
-              </a:rPr>
-              <a:t>Warning message module then sends the data to the traffic density calculation module. Then calculations are made in this module and traffic density of each road is calculated.</a:t>
-            </a:r>
-          </a:p>
-          <a:p>
-            <a:pPr indent="-457200">
-              <a:buSzPct val="100000"/>
-            </a:pPr>
-            <a:endParaRPr lang="en-US" sz="2600" dirty="0">
-              <a:latin typeface="Times New Roman" panose="02020603050405020304" pitchFamily="18" charset="0"/>
-              <a:cs typeface="Times New Roman" panose="02020603050405020304" pitchFamily="18" charset="0"/>
-            </a:endParaRPr>
-          </a:p>
-          <a:p>
-            <a:pPr indent="-457200">
-              <a:buSzPct val="100000"/>
-            </a:pPr>
-            <a:r>
-              <a:rPr lang="en-US" sz="2600" dirty="0">
-                <a:latin typeface="Times New Roman" panose="02020603050405020304" pitchFamily="18" charset="0"/>
-                <a:cs typeface="Times New Roman" panose="02020603050405020304" pitchFamily="18" charset="0"/>
-              </a:rPr>
-              <a:t>This framework of a smart city that will transmit information about traffic conditions and will go a long way in aiding drivers to take spontaneous and smart decisions to prevent themselves from vehicular congestion which will ultimately help in reducing the overall congestion.</a:t>
-            </a:r>
-            <a:endParaRPr sz="2600" dirty="0">
-              <a:latin typeface="Times New Roman" panose="02020603050405020304" pitchFamily="18" charset="0"/>
-              <a:cs typeface="Times New Roman" panose="02020603050405020304" pitchFamily="18" charset="0"/>
-            </a:endParaRPr>
-          </a:p>
-        </p:txBody>
-      </p:sp>
-      <p:sp>
-        <p:nvSpPr>
-          <p:cNvPr id="4" name="Google Shape;102;g659b3ba530_0_8">
+          <p:cNvPr id="4" name="Google Shape;150;p5">
             <a:extLst>
               <a:ext uri="{FF2B5EF4-FFF2-40B4-BE49-F238E27FC236}">
-                <a16:creationId xmlns:a16="http://schemas.microsoft.com/office/drawing/2014/main" id="{6E8089A3-B148-4FFC-9A1C-5AA4D835D867}"/>
+                <a16:creationId xmlns:a16="http://schemas.microsoft.com/office/drawing/2014/main" id="{C45F0135-9876-4918-8CBE-AEA7363CDE4A}"/>
               </a:ext>
             </a:extLst>
           </p:cNvPr>
@@ -21295,20 +20842,26 @@
         </p:nvSpPr>
         <p:spPr>
           <a:xfrm>
-            <a:off x="838200" y="365125"/>
-            <a:ext cx="10515600" cy="1325700"/>
+            <a:off x="838200" y="321164"/>
+            <a:ext cx="10515600" cy="1325563"/>
           </a:xfrm>
           <a:prstGeom prst="rect">
             <a:avLst/>
           </a:prstGeom>
+          <a:noFill/>
+          <a:ln>
+            <a:noFill/>
+          </a:ln>
         </p:spPr>
         <p:txBody>
           <a:bodyPr spcFirstLastPara="1" wrap="square" lIns="91425" tIns="45700" rIns="91425" bIns="45700" anchor="ctr" anchorCtr="0">
-            <a:noAutofit/>
+            <a:normAutofit/>
           </a:bodyPr>
           <a:lstStyle/>
           <a:p>
-            <a:pPr lvl="0"/>
+            <a:pPr>
+              <a:buSzPts val="2800"/>
+            </a:pPr>
             <a:r>
               <a:rPr lang="en-US" sz="3200" dirty="0">
                 <a:latin typeface="Times New Roman"/>
@@ -21316,7 +20869,16 @@
                 <a:cs typeface="Times New Roman"/>
                 <a:sym typeface="Times New Roman"/>
               </a:rPr>
-              <a:t>Study 2: </a:t>
+              <a:t>Study 1:</a:t>
+            </a:r>
+            <a:r>
+              <a:rPr lang="en-US" sz="2800" dirty="0">
+                <a:latin typeface="Times New Roman"/>
+                <a:ea typeface="Times New Roman"/>
+                <a:cs typeface="Times New Roman"/>
+                <a:sym typeface="Times New Roman"/>
+              </a:rPr>
+              <a:t> </a:t>
             </a:r>
             <a:r>
               <a:rPr lang="en-US" sz="2600" dirty="0" err="1">
@@ -21325,7 +20887,7 @@
                 <a:cs typeface="Times New Roman"/>
                 <a:sym typeface="Times New Roman"/>
               </a:rPr>
-              <a:t>Khekare</a:t>
+              <a:t>Haimeng</a:t>
             </a:r>
             <a:r>
               <a:rPr lang="en-US" sz="2600" dirty="0">
@@ -21334,7 +20896,7 @@
                 <a:cs typeface="Times New Roman"/>
                 <a:sym typeface="Times New Roman"/>
               </a:rPr>
-              <a:t>, G.S., </a:t>
+              <a:t> Zhao, </a:t>
             </a:r>
             <a:r>
               <a:rPr lang="en-US" sz="2600" dirty="0" err="1">
@@ -21343,7 +20905,7 @@
                 <a:cs typeface="Times New Roman"/>
                 <a:sym typeface="Times New Roman"/>
               </a:rPr>
-              <a:t>Sakhare</a:t>
+              <a:t>Xifeng</a:t>
             </a:r>
             <a:r>
               <a:rPr lang="en-US" sz="2600" dirty="0">
@@ -21352,27 +20914,115 @@
                 <a:cs typeface="Times New Roman"/>
                 <a:sym typeface="Times New Roman"/>
               </a:rPr>
-              <a:t> A.V. proposed VANETs (Vehicular Ad Hoc Networks)</a:t>
+              <a:t> Zheng, </a:t>
             </a:r>
             <a:r>
-              <a:rPr lang="en-US" dirty="0">
+              <a:rPr lang="en-US" sz="2600" dirty="0" err="1">
                 <a:latin typeface="Times New Roman"/>
                 <a:ea typeface="Times New Roman"/>
                 <a:cs typeface="Times New Roman"/>
                 <a:sym typeface="Times New Roman"/>
               </a:rPr>
-              <a:t> </a:t>
+              <a:t>Weiya</a:t>
             </a:r>
             <a:r>
-              <a:rPr lang="en-US" sz="1800" dirty="0">
+              <a:rPr lang="en-US" sz="2600" dirty="0">
                 <a:latin typeface="Times New Roman"/>
                 <a:ea typeface="Times New Roman"/>
                 <a:cs typeface="Times New Roman"/>
                 <a:sym typeface="Times New Roman"/>
               </a:rPr>
-              <a:t>(2013)</a:t>
+              <a:t> Liu presented a design of intelligent traffic control system based on DSP and </a:t>
             </a:r>
-            <a:endParaRPr lang="en-US" sz="1800" dirty="0"/>
+            <a:r>
+              <a:rPr lang="en-US" sz="2600" dirty="0" err="1">
+                <a:latin typeface="Times New Roman"/>
+                <a:ea typeface="Times New Roman"/>
+                <a:cs typeface="Times New Roman"/>
+                <a:sym typeface="Times New Roman"/>
+              </a:rPr>
+              <a:t>Nios</a:t>
+            </a:r>
+            <a:r>
+              <a:rPr lang="en-US" sz="2600" dirty="0">
+                <a:latin typeface="Times New Roman"/>
+                <a:ea typeface="Times New Roman"/>
+                <a:cs typeface="Times New Roman"/>
+                <a:sym typeface="Times New Roman"/>
+              </a:rPr>
+              <a:t> II. (2009)</a:t>
+            </a:r>
+            <a:endParaRPr sz="2600" dirty="0">
+              <a:latin typeface="Times New Roman"/>
+              <a:ea typeface="Times New Roman"/>
+              <a:cs typeface="Times New Roman"/>
+              <a:sym typeface="Times New Roman"/>
+            </a:endParaRPr>
+          </a:p>
+        </p:txBody>
+      </p:sp>
+      <p:sp>
+        <p:nvSpPr>
+          <p:cNvPr id="5" name="Rectangle 4">
+            <a:extLst>
+              <a:ext uri="{FF2B5EF4-FFF2-40B4-BE49-F238E27FC236}">
+                <a16:creationId xmlns:a16="http://schemas.microsoft.com/office/drawing/2014/main" id="{A93E042A-58F9-4DF6-8E30-586866038FCE}"/>
+              </a:ext>
+            </a:extLst>
+          </p:cNvPr>
+          <p:cNvSpPr/>
+          <p:nvPr/>
+        </p:nvSpPr>
+        <p:spPr>
+          <a:xfrm>
+            <a:off x="949569" y="1646727"/>
+            <a:ext cx="9919059" cy="2092881"/>
+          </a:xfrm>
+          <a:prstGeom prst="rect">
+            <a:avLst/>
+          </a:prstGeom>
+        </p:spPr>
+        <p:txBody>
+          <a:bodyPr wrap="square">
+            <a:spAutoFit/>
+          </a:bodyPr>
+          <a:lstStyle/>
+          <a:p>
+            <a:pPr marL="457200" indent="-457200">
+              <a:buFont typeface="Arial" panose="020B0604020202020204" pitchFamily="34" charset="0"/>
+              <a:buChar char="•"/>
+            </a:pPr>
+            <a:r>
+              <a:rPr lang="en-US" sz="2600" dirty="0">
+                <a:latin typeface="Times New Roman" panose="02020603050405020304" pitchFamily="18" charset="0"/>
+                <a:cs typeface="Times New Roman" panose="02020603050405020304" pitchFamily="18" charset="0"/>
+              </a:rPr>
+              <a:t>Intelligent Traffic Control System based on the DSP and </a:t>
+            </a:r>
+            <a:r>
+              <a:rPr lang="en-US" sz="2600" dirty="0" err="1">
+                <a:latin typeface="Times New Roman" panose="02020603050405020304" pitchFamily="18" charset="0"/>
+                <a:cs typeface="Times New Roman" panose="02020603050405020304" pitchFamily="18" charset="0"/>
+              </a:rPr>
+              <a:t>Nios</a:t>
+            </a:r>
+            <a:r>
+              <a:rPr lang="en-US" sz="2600" dirty="0">
+                <a:latin typeface="Times New Roman" panose="02020603050405020304" pitchFamily="18" charset="0"/>
+                <a:cs typeface="Times New Roman" panose="02020603050405020304" pitchFamily="18" charset="0"/>
+              </a:rPr>
+              <a:t> II is designed and realized, the function of which is powerful as well as resources of phase and interfaces are quite rich. The system can generate up to more than 160 kinds of phases.</a:t>
+            </a:r>
+            <a:br>
+              <a:rPr lang="en-US" sz="2600" dirty="0">
+                <a:latin typeface="Times New Roman" panose="02020603050405020304" pitchFamily="18" charset="0"/>
+                <a:cs typeface="Times New Roman" panose="02020603050405020304" pitchFamily="18" charset="0"/>
+              </a:rPr>
+            </a:br>
+            <a:endParaRPr lang="en-IN" sz="2600" dirty="0">
+              <a:latin typeface="Times New Roman" panose="02020603050405020304" pitchFamily="18" charset="0"/>
+              <a:cs typeface="Times New Roman" panose="02020603050405020304" pitchFamily="18" charset="0"/>
+            </a:endParaRPr>
           </a:p>
         </p:txBody>
       </p:sp>
@@ -21384,7 +21034,7 @@
 </p:sld>
 </file>
 
-<file path=ppt/slides/slide9.xml><?xml version="1.0" encoding="utf-8"?>
+<file path=ppt/slides/slide7.xml><?xml version="1.0" encoding="utf-8"?>
 <p:sld xmlns:a="http://schemas.openxmlformats.org/drawingml/2006/main" xmlns:r="http://schemas.openxmlformats.org/officeDocument/2006/relationships" xmlns:p="http://schemas.openxmlformats.org/presentationml/2006/main">
   <p:cSld>
     <p:spTree>
@@ -21413,7 +21063,7 @@
         </p:nvSpPr>
         <p:spPr>
           <a:xfrm>
-            <a:off x="838200" y="365125"/>
+            <a:off x="838200" y="321163"/>
             <a:ext cx="10515600" cy="1325700"/>
           </a:xfrm>
           <a:prstGeom prst="rect">
@@ -21434,7 +21084,7 @@
                 <a:cs typeface="Times New Roman"/>
                 <a:sym typeface="Times New Roman"/>
               </a:rPr>
-              <a:t>Study 3:</a:t>
+              <a:t>Study 2:</a:t>
             </a:r>
             <a:r>
               <a:rPr lang="en-US" sz="4000" dirty="0">
@@ -21505,45 +21155,427 @@
           </a:bodyPr>
           <a:lstStyle/>
           <a:p>
-            <a:pPr marL="0" lvl="0" indent="0" algn="l" rtl="0">
-              <a:spcBef>
-                <a:spcPts val="500"/>
-              </a:spcBef>
-              <a:spcAft>
-                <a:spcPts val="0"/>
-              </a:spcAft>
-              <a:buClr>
-                <a:schemeClr val="dk1"/>
-              </a:buClr>
-              <a:buSzPts val="1100"/>
-              <a:buFont typeface="Arial"/>
-              <a:buNone/>
+            <a:pPr marL="342900">
+              <a:spcBef>
+                <a:spcPts val="0"/>
+              </a:spcBef>
+              <a:buSzPts val="2600"/>
             </a:pPr>
             <a:r>
-              <a:rPr lang="en-US" sz="2400" dirty="0"/>
-              <a:t>Badura S., </a:t>
+              <a:rPr lang="en-US" sz="2600" dirty="0">
+                <a:latin typeface="Times New Roman" panose="02020603050405020304" pitchFamily="18" charset="0"/>
+                <a:cs typeface="Times New Roman" panose="02020603050405020304" pitchFamily="18" charset="0"/>
+              </a:rPr>
+              <a:t>New model for intelligent traffic systems which will encapsulate the features of surveillance via the cameras present on the junction and with the help of data delivery systems let the users access that data. </a:t>
+            </a:r>
+          </a:p>
+          <a:p>
+            <a:pPr marL="342900">
+              <a:spcBef>
+                <a:spcPts val="0"/>
+              </a:spcBef>
+              <a:buSzPts val="2600"/>
+            </a:pPr>
+            <a:endParaRPr lang="en-US" sz="2600" dirty="0">
+              <a:latin typeface="Times New Roman" panose="02020603050405020304" pitchFamily="18" charset="0"/>
+              <a:cs typeface="Times New Roman" panose="02020603050405020304" pitchFamily="18" charset="0"/>
+            </a:endParaRPr>
+          </a:p>
+          <a:p>
+            <a:pPr marL="342900">
+              <a:spcBef>
+                <a:spcPts val="0"/>
+              </a:spcBef>
+              <a:buSzPts val="2600"/>
+            </a:pPr>
+            <a:r>
+              <a:rPr lang="en-US" sz="2600" dirty="0">
+                <a:latin typeface="Times New Roman" panose="02020603050405020304" pitchFamily="18" charset="0"/>
+                <a:cs typeface="Times New Roman" panose="02020603050405020304" pitchFamily="18" charset="0"/>
+              </a:rPr>
+              <a:t>Image Analysis and foreground/background modeling schemes would be the important elements of Surveillance and data transmission over a mobile Ad-hoc network will comprise the data delivery part of the entire system. Various experiments have been conducted in the project and they exhibit great potential in terms of efficiency and real time execution</a:t>
+            </a:r>
+            <a:endParaRPr sz="2600" dirty="0">
+              <a:latin typeface="Times New Roman" panose="02020603050405020304" pitchFamily="18" charset="0"/>
+              <a:cs typeface="Times New Roman" panose="02020603050405020304" pitchFamily="18" charset="0"/>
+            </a:endParaRPr>
+          </a:p>
+          <a:p>
+            <a:pPr marL="0" lvl="0" indent="0" algn="l" rtl="0">
+              <a:spcBef>
+                <a:spcPts val="1000"/>
+              </a:spcBef>
+              <a:spcAft>
+                <a:spcPts val="0"/>
+              </a:spcAft>
+              <a:buNone/>
+            </a:pPr>
+            <a:endParaRPr sz="2600" dirty="0"/>
+          </a:p>
+        </p:txBody>
+      </p:sp>
+    </p:spTree>
+  </p:cSld>
+  <p:clrMapOvr>
+    <a:masterClrMapping/>
+  </p:clrMapOvr>
+</p:sld>
+</file>
+
+<file path=ppt/slides/slide8.xml><?xml version="1.0" encoding="utf-8"?>
+<p:sld xmlns:a="http://schemas.openxmlformats.org/drawingml/2006/main" xmlns:r="http://schemas.openxmlformats.org/officeDocument/2006/relationships" xmlns:p="http://schemas.openxmlformats.org/presentationml/2006/main">
+  <p:cSld>
+    <p:spTree>
+      <p:nvGrpSpPr>
+        <p:cNvPr id="1" name="Shape 125"/>
+        <p:cNvGrpSpPr/>
+        <p:nvPr/>
+      </p:nvGrpSpPr>
+      <p:grpSpPr>
+        <a:xfrm>
+          <a:off x="0" y="0"/>
+          <a:ext cx="0" cy="0"/>
+          <a:chOff x="0" y="0"/>
+          <a:chExt cx="0" cy="0"/>
+        </a:xfrm>
+      </p:grpSpPr>
+      <p:pic>
+        <p:nvPicPr>
+          <p:cNvPr id="3" name="Picture 2">
+            <a:extLst>
+              <a:ext uri="{FF2B5EF4-FFF2-40B4-BE49-F238E27FC236}">
+                <a16:creationId xmlns:a16="http://schemas.microsoft.com/office/drawing/2014/main" id="{DD0F8CC6-FD5B-4E34-8680-E124EABB1F76}"/>
+              </a:ext>
+            </a:extLst>
+          </p:cNvPr>
+          <p:cNvPicPr>
+            <a:picLocks noChangeAspect="1"/>
+          </p:cNvPicPr>
+          <p:nvPr/>
+        </p:nvPicPr>
+        <p:blipFill>
+          <a:blip r:embed="rId3"/>
+          <a:stretch>
+            <a:fillRect/>
+          </a:stretch>
+        </p:blipFill>
+        <p:spPr>
+          <a:xfrm>
+            <a:off x="3886200" y="1733193"/>
+            <a:ext cx="3455377" cy="4577398"/>
+          </a:xfrm>
+          <a:prstGeom prst="rect">
+            <a:avLst/>
+          </a:prstGeom>
+        </p:spPr>
+      </p:pic>
+      <p:sp>
+        <p:nvSpPr>
+          <p:cNvPr id="5" name="Google Shape;114;g659b3ba530_0_0">
+            <a:extLst>
+              <a:ext uri="{FF2B5EF4-FFF2-40B4-BE49-F238E27FC236}">
+                <a16:creationId xmlns:a16="http://schemas.microsoft.com/office/drawing/2014/main" id="{49769390-A996-4706-A84A-761CF72C5CBE}"/>
+              </a:ext>
+            </a:extLst>
+          </p:cNvPr>
+          <p:cNvSpPr txBox="1">
+            <a:spLocks noGrp="1"/>
+          </p:cNvSpPr>
+          <p:nvPr>
+            <p:ph type="title"/>
+          </p:nvPr>
+        </p:nvSpPr>
+        <p:spPr>
+          <a:xfrm>
+            <a:off x="838200" y="321163"/>
+            <a:ext cx="10515600" cy="1325700"/>
+          </a:xfrm>
+          <a:prstGeom prst="rect">
+            <a:avLst/>
+          </a:prstGeom>
+        </p:spPr>
+        <p:txBody>
+          <a:bodyPr spcFirstLastPara="1" wrap="square" lIns="91425" tIns="45700" rIns="91425" bIns="45700" anchor="ctr" anchorCtr="0">
+            <a:noAutofit/>
+          </a:bodyPr>
+          <a:lstStyle/>
+          <a:p>
+            <a:pPr lvl="0"/>
+            <a:r>
+              <a:rPr lang="en-US" sz="3200" dirty="0">
+                <a:latin typeface="Times New Roman"/>
+                <a:ea typeface="Times New Roman"/>
+                <a:cs typeface="Times New Roman"/>
+                <a:sym typeface="Times New Roman"/>
+              </a:rPr>
+              <a:t>Study 2:</a:t>
             </a:r>
             <a:r>
-              <a:rPr lang="en-US" sz="2400" dirty="0" err="1"/>
+              <a:rPr lang="en-US" sz="4000" dirty="0">
+                <a:latin typeface="Times New Roman"/>
+                <a:ea typeface="Times New Roman"/>
+                <a:cs typeface="Times New Roman"/>
+                <a:sym typeface="Times New Roman"/>
+              </a:rPr>
+              <a:t> </a:t>
+            </a:r>
+            <a:r>
+              <a:rPr lang="en-US" sz="2600" dirty="0">
+                <a:latin typeface="Times New Roman" panose="02020603050405020304" pitchFamily="18" charset="0"/>
+                <a:cs typeface="Times New Roman" panose="02020603050405020304" pitchFamily="18" charset="0"/>
+              </a:rPr>
+              <a:t>Badura, S., &amp; </a:t>
+            </a:r>
+            <a:r>
+              <a:rPr lang="en-US" sz="2600" dirty="0" err="1">
+                <a:latin typeface="Times New Roman" panose="02020603050405020304" pitchFamily="18" charset="0"/>
+                <a:cs typeface="Times New Roman" panose="02020603050405020304" pitchFamily="18" charset="0"/>
+              </a:rPr>
               <a:t>Lieskovsky</a:t>
             </a:r>
             <a:r>
-              <a:rPr lang="en-US" sz="2400" dirty="0"/>
-              <a:t> A. presented a new model for intelligent traffic systems which will encapsulate the features of surveillance via the cameras present on the junction and with the help of data delivery systems let the users access that data. Image Analysis and foreground/background modeling schemes would be the important elements of Surveillance and data transmission over a mobile Ad-hoc network will comprise the data delivery part of the entire system. Various experiments have been conducted in the project and they exhibit great potential in terms of efficiency and real time execution</a:t>
+              <a:rPr lang="en-US" sz="2600" dirty="0">
+                <a:latin typeface="Times New Roman" panose="02020603050405020304" pitchFamily="18" charset="0"/>
+                <a:cs typeface="Times New Roman" panose="02020603050405020304" pitchFamily="18" charset="0"/>
+              </a:rPr>
+              <a:t>, A. Intelligent Traffic System: Cooperation of MANET and Image Processing </a:t>
             </a:r>
-            <a:endParaRPr sz="2400" dirty="0"/>
+            <a:r>
+              <a:rPr lang="en-US" sz="1800" dirty="0">
+                <a:latin typeface="Times New Roman" panose="02020603050405020304" pitchFamily="18" charset="0"/>
+                <a:cs typeface="Times New Roman" panose="02020603050405020304" pitchFamily="18" charset="0"/>
+              </a:rPr>
+              <a:t>(2010)</a:t>
+            </a:r>
+            <a:endParaRPr sz="1800" dirty="0">
+              <a:latin typeface="Times New Roman" panose="02020603050405020304" pitchFamily="18" charset="0"/>
+              <a:cs typeface="Times New Roman" panose="02020603050405020304" pitchFamily="18" charset="0"/>
+            </a:endParaRPr>
+          </a:p>
+        </p:txBody>
+      </p:sp>
+    </p:spTree>
+  </p:cSld>
+  <p:clrMapOvr>
+    <a:masterClrMapping/>
+  </p:clrMapOvr>
+</p:sld>
+</file>
+
+<file path=ppt/slides/slide9.xml><?xml version="1.0" encoding="utf-8"?>
+<p:sld xmlns:a="http://schemas.openxmlformats.org/drawingml/2006/main" xmlns:r="http://schemas.openxmlformats.org/officeDocument/2006/relationships" xmlns:p="http://schemas.openxmlformats.org/presentationml/2006/main">
+  <p:cSld>
+    <p:spTree>
+      <p:nvGrpSpPr>
+        <p:cNvPr id="1" name="Shape 131"/>
+        <p:cNvGrpSpPr/>
+        <p:nvPr/>
+      </p:nvGrpSpPr>
+      <p:grpSpPr>
+        <a:xfrm>
+          <a:off x="0" y="0"/>
+          <a:ext cx="0" cy="0"/>
+          <a:chOff x="0" y="0"/>
+          <a:chExt cx="0" cy="0"/>
+        </a:xfrm>
+      </p:grpSpPr>
+      <p:sp>
+        <p:nvSpPr>
+          <p:cNvPr id="133" name="Google Shape;133;p4"/>
+          <p:cNvSpPr txBox="1">
+            <a:spLocks noGrp="1"/>
+          </p:cNvSpPr>
+          <p:nvPr>
+            <p:ph type="body" idx="1"/>
+          </p:nvPr>
+        </p:nvSpPr>
+        <p:spPr>
+          <a:xfrm>
+            <a:off x="838200" y="1835150"/>
+            <a:ext cx="10515600" cy="4351200"/>
+          </a:xfrm>
+          <a:prstGeom prst="rect">
+            <a:avLst/>
+          </a:prstGeom>
+          <a:noFill/>
+          <a:ln>
+            <a:noFill/>
+          </a:ln>
+        </p:spPr>
+        <p:txBody>
+          <a:bodyPr spcFirstLastPara="1" wrap="square" lIns="91425" tIns="45700" rIns="91425" bIns="45700" anchor="t" anchorCtr="0">
+            <a:noAutofit/>
+          </a:bodyPr>
+          <a:lstStyle/>
+          <a:p>
+            <a:pPr indent="-457200">
+              <a:spcBef>
+                <a:spcPts val="0"/>
+              </a:spcBef>
+              <a:buSzPts val="2400"/>
+            </a:pPr>
+            <a:r>
+              <a:rPr lang="en-US" sz="2600" dirty="0">
+                <a:latin typeface="Times New Roman"/>
+                <a:ea typeface="Times New Roman"/>
+                <a:cs typeface="Times New Roman"/>
+                <a:sym typeface="Times New Roman"/>
+              </a:rPr>
+              <a:t>Salama A.S., Saleh B.K. and </a:t>
+            </a:r>
+            <a:r>
+              <a:rPr lang="en-US" sz="2600" dirty="0" err="1">
+                <a:latin typeface="Times New Roman"/>
+                <a:ea typeface="Times New Roman"/>
+                <a:cs typeface="Times New Roman"/>
+                <a:sym typeface="Times New Roman"/>
+              </a:rPr>
+              <a:t>Eassa</a:t>
+            </a:r>
+            <a:r>
+              <a:rPr lang="en-US" sz="2600" dirty="0">
+                <a:latin typeface="Times New Roman"/>
+                <a:ea typeface="Times New Roman"/>
+                <a:cs typeface="Times New Roman"/>
+                <a:sym typeface="Times New Roman"/>
+              </a:rPr>
+              <a:t> M.M. provide a design of an integrated intelligent system for management and controlling traffic lights with the help of Photoelectric Sensors.</a:t>
+            </a:r>
+            <a:endParaRPr sz="2600" dirty="0">
+              <a:latin typeface="Times New Roman"/>
+              <a:ea typeface="Times New Roman"/>
+              <a:cs typeface="Times New Roman"/>
+              <a:sym typeface="Times New Roman"/>
+            </a:endParaRPr>
           </a:p>
           <a:p>
             <a:pPr marL="0" lvl="0" indent="0" algn="l" rtl="0">
-              <a:spcBef>
-                <a:spcPts val="1000"/>
-              </a:spcBef>
-              <a:spcAft>
-                <a:spcPts val="0"/>
-              </a:spcAft>
+              <a:lnSpc>
+                <a:spcPct val="90000"/>
+              </a:lnSpc>
+              <a:spcBef>
+                <a:spcPts val="0"/>
+              </a:spcBef>
+              <a:spcAft>
+                <a:spcPts val="0"/>
+              </a:spcAft>
+              <a:buClr>
+                <a:schemeClr val="dk1"/>
+              </a:buClr>
+              <a:buSzPts val="2400"/>
               <a:buNone/>
             </a:pPr>
-            <a:endParaRPr dirty="0"/>
+            <a:endParaRPr sz="2600" dirty="0">
+              <a:latin typeface="Times New Roman"/>
+              <a:ea typeface="Times New Roman"/>
+              <a:cs typeface="Times New Roman"/>
+              <a:sym typeface="Times New Roman"/>
+            </a:endParaRPr>
+          </a:p>
+          <a:p>
+            <a:pPr indent="-457200">
+              <a:buSzPts val="2400"/>
+            </a:pPr>
+            <a:r>
+              <a:rPr lang="en-US" sz="2600" dirty="0">
+                <a:latin typeface="Times New Roman"/>
+                <a:ea typeface="Times New Roman"/>
+                <a:cs typeface="Times New Roman"/>
+                <a:sym typeface="Times New Roman"/>
+              </a:rPr>
+              <a:t>The system uses real-time traffic knowledge to control the traffic lights also provides support for pedestrian crossing and emergency vehicle passing</a:t>
+            </a:r>
+            <a:endParaRPr sz="2600" dirty="0">
+              <a:latin typeface="Times New Roman"/>
+              <a:ea typeface="Times New Roman"/>
+              <a:cs typeface="Times New Roman"/>
+              <a:sym typeface="Times New Roman"/>
+            </a:endParaRPr>
+          </a:p>
+        </p:txBody>
+      </p:sp>
+      <p:sp>
+        <p:nvSpPr>
+          <p:cNvPr id="6" name="Google Shape;114;g659b3ba530_0_0">
+            <a:extLst>
+              <a:ext uri="{FF2B5EF4-FFF2-40B4-BE49-F238E27FC236}">
+                <a16:creationId xmlns:a16="http://schemas.microsoft.com/office/drawing/2014/main" id="{E26384C0-D682-41B4-B3AD-81F787E81030}"/>
+              </a:ext>
+            </a:extLst>
+          </p:cNvPr>
+          <p:cNvSpPr txBox="1">
+            <a:spLocks noGrp="1"/>
+          </p:cNvSpPr>
+          <p:nvPr>
+            <p:ph type="title"/>
+          </p:nvPr>
+        </p:nvSpPr>
+        <p:spPr>
+          <a:xfrm>
+            <a:off x="838200" y="321163"/>
+            <a:ext cx="10515600" cy="1325700"/>
+          </a:xfrm>
+          <a:prstGeom prst="rect">
+            <a:avLst/>
+          </a:prstGeom>
+        </p:spPr>
+        <p:txBody>
+          <a:bodyPr spcFirstLastPara="1" wrap="square" lIns="91425" tIns="45700" rIns="91425" bIns="45700" anchor="ctr" anchorCtr="0">
+            <a:noAutofit/>
+          </a:bodyPr>
+          <a:lstStyle/>
+          <a:p>
+            <a:pPr lvl="0"/>
+            <a:r>
+              <a:rPr lang="en-US" sz="3200" dirty="0">
+                <a:latin typeface="Times New Roman"/>
+                <a:ea typeface="Times New Roman"/>
+                <a:cs typeface="Times New Roman"/>
+                <a:sym typeface="Times New Roman"/>
+              </a:rPr>
+              <a:t>Study 2:</a:t>
+            </a:r>
+            <a:r>
+              <a:rPr lang="en-US" sz="4000" dirty="0">
+                <a:latin typeface="Times New Roman"/>
+                <a:ea typeface="Times New Roman"/>
+                <a:cs typeface="Times New Roman"/>
+                <a:sym typeface="Times New Roman"/>
+              </a:rPr>
+              <a:t> </a:t>
+            </a:r>
+            <a:r>
+              <a:rPr lang="en-US" sz="2600" dirty="0">
+                <a:latin typeface="Times New Roman" panose="02020603050405020304" pitchFamily="18" charset="0"/>
+                <a:cs typeface="Times New Roman" panose="02020603050405020304" pitchFamily="18" charset="0"/>
+              </a:rPr>
+              <a:t>Badura, S., &amp; </a:t>
+            </a:r>
+            <a:r>
+              <a:rPr lang="en-US" sz="2600" dirty="0" err="1">
+                <a:latin typeface="Times New Roman" panose="02020603050405020304" pitchFamily="18" charset="0"/>
+                <a:cs typeface="Times New Roman" panose="02020603050405020304" pitchFamily="18" charset="0"/>
+              </a:rPr>
+              <a:t>Lieskovsky</a:t>
+            </a:r>
+            <a:r>
+              <a:rPr lang="en-US" sz="2600" dirty="0">
+                <a:latin typeface="Times New Roman" panose="02020603050405020304" pitchFamily="18" charset="0"/>
+                <a:cs typeface="Times New Roman" panose="02020603050405020304" pitchFamily="18" charset="0"/>
+              </a:rPr>
+              <a:t>, A. Intelligent Traffic System: Cooperation of MANET and Image Processing </a:t>
+            </a:r>
+            <a:r>
+              <a:rPr lang="en-US" sz="1800" dirty="0">
+                <a:latin typeface="Times New Roman" panose="02020603050405020304" pitchFamily="18" charset="0"/>
+                <a:cs typeface="Times New Roman" panose="02020603050405020304" pitchFamily="18" charset="0"/>
+              </a:rPr>
+              <a:t>(2010)</a:t>
+            </a:r>
+            <a:endParaRPr sz="1800" dirty="0">
+              <a:latin typeface="Times New Roman" panose="02020603050405020304" pitchFamily="18" charset="0"/>
+              <a:cs typeface="Times New Roman" panose="02020603050405020304" pitchFamily="18" charset="0"/>
+            </a:endParaRPr>
           </a:p>
         </p:txBody>
       </p:sp>

--- a/documents/Litrature Review.pptx
+++ b/documents/Litrature Review.pptx
@@ -5,28 +5,29 @@
     <p:sldMasterId id="2147483648" r:id="rId1"/>
   </p:sldMasterIdLst>
   <p:notesMasterIdLst>
-    <p:notesMasterId r:id="rId21"/>
+    <p:notesMasterId r:id="rId22"/>
   </p:notesMasterIdLst>
   <p:sldIdLst>
     <p:sldId id="256" r:id="rId2"/>
-    <p:sldId id="257" r:id="rId3"/>
-    <p:sldId id="276" r:id="rId4"/>
-    <p:sldId id="267" r:id="rId5"/>
-    <p:sldId id="269" r:id="rId6"/>
-    <p:sldId id="268" r:id="rId7"/>
-    <p:sldId id="261" r:id="rId8"/>
-    <p:sldId id="263" r:id="rId9"/>
-    <p:sldId id="264" r:id="rId10"/>
-    <p:sldId id="258" r:id="rId11"/>
-    <p:sldId id="259" r:id="rId12"/>
-    <p:sldId id="260" r:id="rId13"/>
-    <p:sldId id="274" r:id="rId14"/>
-    <p:sldId id="262" r:id="rId15"/>
-    <p:sldId id="275" r:id="rId16"/>
-    <p:sldId id="270" r:id="rId17"/>
-    <p:sldId id="271" r:id="rId18"/>
-    <p:sldId id="272" r:id="rId19"/>
-    <p:sldId id="273" r:id="rId20"/>
+    <p:sldId id="277" r:id="rId3"/>
+    <p:sldId id="257" r:id="rId4"/>
+    <p:sldId id="276" r:id="rId5"/>
+    <p:sldId id="267" r:id="rId6"/>
+    <p:sldId id="269" r:id="rId7"/>
+    <p:sldId id="268" r:id="rId8"/>
+    <p:sldId id="261" r:id="rId9"/>
+    <p:sldId id="263" r:id="rId10"/>
+    <p:sldId id="264" r:id="rId11"/>
+    <p:sldId id="258" r:id="rId12"/>
+    <p:sldId id="259" r:id="rId13"/>
+    <p:sldId id="260" r:id="rId14"/>
+    <p:sldId id="274" r:id="rId15"/>
+    <p:sldId id="262" r:id="rId16"/>
+    <p:sldId id="275" r:id="rId17"/>
+    <p:sldId id="270" r:id="rId18"/>
+    <p:sldId id="271" r:id="rId19"/>
+    <p:sldId id="272" r:id="rId20"/>
+    <p:sldId id="273" r:id="rId21"/>
   </p:sldIdLst>
   <p:sldSz cx="12192000" cy="6858000"/>
   <p:notesSz cx="7104063" cy="10234613"/>
@@ -264,7 +265,7 @@
       <p15:sldGuideLst xmlns:p15="http://schemas.microsoft.com/office/powerpoint/2012/main"/>
     </p:ext>
     <p:ext uri="http://customooxmlschemas.google.com/">
-      <go:slidesCustomData xmlns:go="http://customooxmlschemas.google.com/" xmlns:p15="http://schemas.microsoft.com/office/powerpoint/2012/main" xmlns:p14="http://schemas.microsoft.com/office/powerpoint/2010/main" xmlns:com="http://schemas.openxmlformats.org/drawingml/2006/compatibility" xmlns:pvml="urn:schemas-microsoft-com:office:powerpoint" xmlns:v="urn:schemas-microsoft-com:vml" xmlns:o="urn:schemas-microsoft-com:office:office" xmlns:dgm="http://schemas.openxmlformats.org/drawingml/2006/diagram" xmlns:c="http://schemas.openxmlformats.org/drawingml/2006/chart" xmlns:mv="urn:schemas-microsoft-com:mac:vml" xmlns:mc="http://schemas.openxmlformats.org/markup-compatibility/2006" xmlns="" r:id="rId24" roundtripDataSignature="AMtx7mjtQ1srNo008AFggN65lsm/0suc6w=="/>
+      <go:slidesCustomData xmlns="" xmlns:mc="http://schemas.openxmlformats.org/markup-compatibility/2006" xmlns:mv="urn:schemas-microsoft-com:mac:vml" xmlns:c="http://schemas.openxmlformats.org/drawingml/2006/chart" xmlns:dgm="http://schemas.openxmlformats.org/drawingml/2006/diagram" xmlns:o="urn:schemas-microsoft-com:office:office" xmlns:v="urn:schemas-microsoft-com:vml" xmlns:pvml="urn:schemas-microsoft-com:office:powerpoint" xmlns:com="http://schemas.openxmlformats.org/drawingml/2006/compatibility" xmlns:p14="http://schemas.microsoft.com/office/powerpoint/2010/main" xmlns:p15="http://schemas.microsoft.com/office/powerpoint/2012/main" xmlns:go="http://customooxmlschemas.google.com/" r:id="rId24" roundtripDataSignature="AMtx7mjtQ1srNo008AFggN65lsm/0suc6w=="/>
     </p:ext>
   </p:extLst>
 </p:presentation>
@@ -16410,8 +16411,8 @@
         </p:nvSpPr>
         <p:spPr>
           <a:xfrm>
-            <a:off x="8520544" y="4196257"/>
-            <a:ext cx="2995353" cy="1655762"/>
+            <a:off x="7886700" y="3703887"/>
+            <a:ext cx="3918204" cy="1655762"/>
           </a:xfrm>
           <a:prstGeom prst="rect">
             <a:avLst/>
@@ -16426,6 +16427,96 @@
             <a:noAutofit/>
           </a:bodyPr>
           <a:lstStyle/>
+          <a:p>
+            <a:pPr marL="0" lvl="0" indent="0" algn="l" rtl="0">
+              <a:lnSpc>
+                <a:spcPct val="90000"/>
+              </a:lnSpc>
+              <a:spcBef>
+                <a:spcPts val="0"/>
+              </a:spcBef>
+              <a:spcAft>
+                <a:spcPts val="0"/>
+              </a:spcAft>
+              <a:buClr>
+                <a:schemeClr val="dk1"/>
+              </a:buClr>
+              <a:buSzPts val="2000"/>
+              <a:buNone/>
+            </a:pPr>
+            <a:r>
+              <a:rPr lang="en-US" sz="2800" b="1" dirty="0">
+                <a:latin typeface="Times New Roman"/>
+                <a:ea typeface="Times New Roman"/>
+                <a:cs typeface="Times New Roman"/>
+                <a:sym typeface="Times New Roman"/>
+              </a:rPr>
+              <a:t>Guide: </a:t>
+            </a:r>
+            <a:r>
+              <a:rPr lang="en-US" sz="2800" dirty="0">
+                <a:latin typeface="Times New Roman"/>
+                <a:ea typeface="Times New Roman"/>
+                <a:cs typeface="Times New Roman"/>
+                <a:sym typeface="Times New Roman"/>
+              </a:rPr>
+              <a:t>Dr.</a:t>
+            </a:r>
+            <a:r>
+              <a:rPr lang="en-US" sz="2800" b="1" dirty="0">
+                <a:latin typeface="Times New Roman"/>
+                <a:ea typeface="Times New Roman"/>
+                <a:cs typeface="Times New Roman"/>
+                <a:sym typeface="Times New Roman"/>
+              </a:rPr>
+              <a:t> </a:t>
+            </a:r>
+            <a:r>
+              <a:rPr lang="en-US" sz="2800" dirty="0" err="1">
+                <a:latin typeface="Times New Roman"/>
+                <a:ea typeface="Times New Roman"/>
+                <a:cs typeface="Times New Roman"/>
+                <a:sym typeface="Times New Roman"/>
+              </a:rPr>
+              <a:t>Shobhana</a:t>
+            </a:r>
+            <a:r>
+              <a:rPr lang="en-US" sz="2800" dirty="0">
+                <a:latin typeface="Times New Roman"/>
+                <a:ea typeface="Times New Roman"/>
+                <a:cs typeface="Times New Roman"/>
+                <a:sym typeface="Times New Roman"/>
+              </a:rPr>
+              <a:t> NV</a:t>
+            </a:r>
+          </a:p>
+          <a:p>
+            <a:pPr marL="0" lvl="0" indent="0" algn="l" rtl="0">
+              <a:lnSpc>
+                <a:spcPct val="90000"/>
+              </a:lnSpc>
+              <a:spcBef>
+                <a:spcPts val="0"/>
+              </a:spcBef>
+              <a:spcAft>
+                <a:spcPts val="0"/>
+              </a:spcAft>
+              <a:buClr>
+                <a:schemeClr val="dk1"/>
+              </a:buClr>
+              <a:buSzPts val="2000"/>
+              <a:buNone/>
+            </a:pPr>
+            <a:r>
+              <a:rPr lang="en-US" sz="2800" dirty="0">
+                <a:latin typeface="Times New Roman"/>
+                <a:ea typeface="Times New Roman"/>
+                <a:cs typeface="Times New Roman"/>
+                <a:sym typeface="Times New Roman"/>
+              </a:rPr>
+              <a:t> </a:t>
+            </a:r>
+          </a:p>
           <a:p>
             <a:pPr marL="0" lvl="0" indent="0" algn="l" rtl="0">
               <a:lnSpc>
@@ -16637,6 +16728,231 @@
 </file>
 
 <file path=ppt/slides/slide10.xml><?xml version="1.0" encoding="utf-8"?>
+<p:sld xmlns:a="http://schemas.openxmlformats.org/drawingml/2006/main" xmlns:r="http://schemas.openxmlformats.org/officeDocument/2006/relationships" xmlns:p="http://schemas.openxmlformats.org/presentationml/2006/main">
+  <p:cSld>
+    <p:spTree>
+      <p:nvGrpSpPr>
+        <p:cNvPr id="1" name="Shape 131"/>
+        <p:cNvGrpSpPr/>
+        <p:nvPr/>
+      </p:nvGrpSpPr>
+      <p:grpSpPr>
+        <a:xfrm>
+          <a:off x="0" y="0"/>
+          <a:ext cx="0" cy="0"/>
+          <a:chOff x="0" y="0"/>
+          <a:chExt cx="0" cy="0"/>
+        </a:xfrm>
+      </p:grpSpPr>
+      <p:sp>
+        <p:nvSpPr>
+          <p:cNvPr id="133" name="Google Shape;133;p4"/>
+          <p:cNvSpPr txBox="1">
+            <a:spLocks noGrp="1"/>
+          </p:cNvSpPr>
+          <p:nvPr>
+            <p:ph type="body" idx="1"/>
+          </p:nvPr>
+        </p:nvSpPr>
+        <p:spPr>
+          <a:xfrm>
+            <a:off x="838200" y="1835150"/>
+            <a:ext cx="10515600" cy="4351200"/>
+          </a:xfrm>
+          <a:prstGeom prst="rect">
+            <a:avLst/>
+          </a:prstGeom>
+          <a:noFill/>
+          <a:ln>
+            <a:noFill/>
+          </a:ln>
+        </p:spPr>
+        <p:txBody>
+          <a:bodyPr spcFirstLastPara="1" wrap="square" lIns="91425" tIns="45700" rIns="91425" bIns="45700" anchor="t" anchorCtr="0">
+            <a:noAutofit/>
+          </a:bodyPr>
+          <a:lstStyle/>
+          <a:p>
+            <a:pPr indent="-457200">
+              <a:spcBef>
+                <a:spcPts val="0"/>
+              </a:spcBef>
+              <a:buSzPts val="2400"/>
+            </a:pPr>
+            <a:r>
+              <a:rPr lang="en-US" sz="2600" dirty="0">
+                <a:latin typeface="Times New Roman"/>
+                <a:ea typeface="Times New Roman"/>
+                <a:cs typeface="Times New Roman"/>
+                <a:sym typeface="Times New Roman"/>
+              </a:rPr>
+              <a:t>Salama A.S., Saleh B.K. and </a:t>
+            </a:r>
+            <a:r>
+              <a:rPr lang="en-US" sz="2600" dirty="0" err="1">
+                <a:latin typeface="Times New Roman"/>
+                <a:ea typeface="Times New Roman"/>
+                <a:cs typeface="Times New Roman"/>
+                <a:sym typeface="Times New Roman"/>
+              </a:rPr>
+              <a:t>Eassa</a:t>
+            </a:r>
+            <a:r>
+              <a:rPr lang="en-US" sz="2600" dirty="0">
+                <a:latin typeface="Times New Roman"/>
+                <a:ea typeface="Times New Roman"/>
+                <a:cs typeface="Times New Roman"/>
+                <a:sym typeface="Times New Roman"/>
+              </a:rPr>
+              <a:t> M.M. provide a design of an integrated intelligent system for management and controlling traffic lights with the help of Photoelectric Sensors.</a:t>
+            </a:r>
+            <a:endParaRPr sz="2600" dirty="0">
+              <a:latin typeface="Times New Roman"/>
+              <a:ea typeface="Times New Roman"/>
+              <a:cs typeface="Times New Roman"/>
+              <a:sym typeface="Times New Roman"/>
+            </a:endParaRPr>
+          </a:p>
+          <a:p>
+            <a:pPr marL="0" lvl="0" indent="0" algn="l" rtl="0">
+              <a:lnSpc>
+                <a:spcPct val="90000"/>
+              </a:lnSpc>
+              <a:spcBef>
+                <a:spcPts val="0"/>
+              </a:spcBef>
+              <a:spcAft>
+                <a:spcPts val="0"/>
+              </a:spcAft>
+              <a:buClr>
+                <a:schemeClr val="dk1"/>
+              </a:buClr>
+              <a:buSzPts val="2400"/>
+              <a:buNone/>
+            </a:pPr>
+            <a:endParaRPr sz="2600" dirty="0">
+              <a:latin typeface="Times New Roman"/>
+              <a:ea typeface="Times New Roman"/>
+              <a:cs typeface="Times New Roman"/>
+              <a:sym typeface="Times New Roman"/>
+            </a:endParaRPr>
+          </a:p>
+          <a:p>
+            <a:pPr indent="-457200">
+              <a:buSzPts val="2400"/>
+            </a:pPr>
+            <a:r>
+              <a:rPr lang="en-US" sz="2600" dirty="0">
+                <a:latin typeface="Times New Roman"/>
+                <a:ea typeface="Times New Roman"/>
+                <a:cs typeface="Times New Roman"/>
+                <a:sym typeface="Times New Roman"/>
+              </a:rPr>
+              <a:t>The system uses real-time traffic knowledge to control the traffic lights also provides support for pedestrian crossing and emergency vehicle passing</a:t>
+            </a:r>
+            <a:endParaRPr sz="2600" dirty="0">
+              <a:latin typeface="Times New Roman"/>
+              <a:ea typeface="Times New Roman"/>
+              <a:cs typeface="Times New Roman"/>
+              <a:sym typeface="Times New Roman"/>
+            </a:endParaRPr>
+          </a:p>
+        </p:txBody>
+      </p:sp>
+      <p:sp>
+        <p:nvSpPr>
+          <p:cNvPr id="6" name="Google Shape;114;g659b3ba530_0_0">
+            <a:extLst>
+              <a:ext uri="{FF2B5EF4-FFF2-40B4-BE49-F238E27FC236}">
+                <a16:creationId xmlns:a16="http://schemas.microsoft.com/office/drawing/2014/main" id="{E26384C0-D682-41B4-B3AD-81F787E81030}"/>
+              </a:ext>
+            </a:extLst>
+          </p:cNvPr>
+          <p:cNvSpPr txBox="1">
+            <a:spLocks noGrp="1"/>
+          </p:cNvSpPr>
+          <p:nvPr>
+            <p:ph type="title"/>
+          </p:nvPr>
+        </p:nvSpPr>
+        <p:spPr>
+          <a:xfrm>
+            <a:off x="838200" y="321163"/>
+            <a:ext cx="10515600" cy="1325700"/>
+          </a:xfrm>
+          <a:prstGeom prst="rect">
+            <a:avLst/>
+          </a:prstGeom>
+        </p:spPr>
+        <p:txBody>
+          <a:bodyPr spcFirstLastPara="1" wrap="square" lIns="91425" tIns="45700" rIns="91425" bIns="45700" anchor="ctr" anchorCtr="0">
+            <a:noAutofit/>
+          </a:bodyPr>
+          <a:lstStyle/>
+          <a:p>
+            <a:pPr lvl="0"/>
+            <a:r>
+              <a:rPr lang="en-US" sz="3200" dirty="0">
+                <a:latin typeface="Times New Roman"/>
+                <a:ea typeface="Times New Roman"/>
+                <a:cs typeface="Times New Roman"/>
+                <a:sym typeface="Times New Roman"/>
+              </a:rPr>
+              <a:t>Study 2:</a:t>
+            </a:r>
+            <a:r>
+              <a:rPr lang="en-US" sz="4000" dirty="0">
+                <a:latin typeface="Times New Roman"/>
+                <a:ea typeface="Times New Roman"/>
+                <a:cs typeface="Times New Roman"/>
+                <a:sym typeface="Times New Roman"/>
+              </a:rPr>
+              <a:t> </a:t>
+            </a:r>
+            <a:r>
+              <a:rPr lang="en-US" sz="2600" dirty="0">
+                <a:latin typeface="Times New Roman" panose="02020603050405020304" pitchFamily="18" charset="0"/>
+                <a:cs typeface="Times New Roman" panose="02020603050405020304" pitchFamily="18" charset="0"/>
+              </a:rPr>
+              <a:t>Badura, S., &amp; </a:t>
+            </a:r>
+            <a:r>
+              <a:rPr lang="en-US" sz="2600" dirty="0" err="1">
+                <a:latin typeface="Times New Roman" panose="02020603050405020304" pitchFamily="18" charset="0"/>
+                <a:cs typeface="Times New Roman" panose="02020603050405020304" pitchFamily="18" charset="0"/>
+              </a:rPr>
+              <a:t>Lieskovsky</a:t>
+            </a:r>
+            <a:r>
+              <a:rPr lang="en-US" sz="2600" dirty="0">
+                <a:latin typeface="Times New Roman" panose="02020603050405020304" pitchFamily="18" charset="0"/>
+                <a:cs typeface="Times New Roman" panose="02020603050405020304" pitchFamily="18" charset="0"/>
+              </a:rPr>
+              <a:t>, A. Intelligent Traffic System: Cooperation of MANET and Image Processing </a:t>
+            </a:r>
+            <a:r>
+              <a:rPr lang="en-US" sz="1800" dirty="0">
+                <a:latin typeface="Times New Roman" panose="02020603050405020304" pitchFamily="18" charset="0"/>
+                <a:cs typeface="Times New Roman" panose="02020603050405020304" pitchFamily="18" charset="0"/>
+              </a:rPr>
+              <a:t>(2010)</a:t>
+            </a:r>
+            <a:endParaRPr sz="1800" dirty="0">
+              <a:latin typeface="Times New Roman" panose="02020603050405020304" pitchFamily="18" charset="0"/>
+              <a:cs typeface="Times New Roman" panose="02020603050405020304" pitchFamily="18" charset="0"/>
+            </a:endParaRPr>
+          </a:p>
+        </p:txBody>
+      </p:sp>
+    </p:spTree>
+  </p:cSld>
+  <p:clrMapOvr>
+    <a:masterClrMapping/>
+  </p:clrMapOvr>
+</p:sld>
+</file>
+
+<file path=ppt/slides/slide11.xml><?xml version="1.0" encoding="utf-8"?>
 <p:sld xmlns:a="http://schemas.openxmlformats.org/drawingml/2006/main" xmlns:r="http://schemas.openxmlformats.org/officeDocument/2006/relationships" xmlns:p="http://schemas.openxmlformats.org/presentationml/2006/main">
   <p:cSld>
     <p:spTree>
@@ -16875,7 +17191,7 @@
 </p:sld>
 </file>
 
-<file path=ppt/slides/slide11.xml><?xml version="1.0" encoding="utf-8"?>
+<file path=ppt/slides/slide12.xml><?xml version="1.0" encoding="utf-8"?>
 <p:sld xmlns:a="http://schemas.openxmlformats.org/drawingml/2006/main" xmlns:r="http://schemas.openxmlformats.org/officeDocument/2006/relationships" xmlns:p="http://schemas.openxmlformats.org/presentationml/2006/main">
   <p:cSld>
     <p:spTree>
@@ -17023,7 +17339,7 @@
 </p:sld>
 </file>
 
-<file path=ppt/slides/slide12.xml><?xml version="1.0" encoding="utf-8"?>
+<file path=ppt/slides/slide13.xml><?xml version="1.0" encoding="utf-8"?>
 <p:sld xmlns:a="http://schemas.openxmlformats.org/drawingml/2006/main" xmlns:r="http://schemas.openxmlformats.org/officeDocument/2006/relationships" xmlns:p="http://schemas.openxmlformats.org/presentationml/2006/main">
   <p:cSld>
     <p:spTree>
@@ -17210,7 +17526,7 @@
 </p:sld>
 </file>
 
-<file path=ppt/slides/slide13.xml><?xml version="1.0" encoding="utf-8"?>
+<file path=ppt/slides/slide14.xml><?xml version="1.0" encoding="utf-8"?>
 <p:sld xmlns:a="http://schemas.openxmlformats.org/drawingml/2006/main" xmlns:r="http://schemas.openxmlformats.org/officeDocument/2006/relationships" xmlns:p="http://schemas.openxmlformats.org/presentationml/2006/main">
   <p:cSld>
     <p:spTree>
@@ -17707,7 +18023,7 @@
 </p:sld>
 </file>
 
-<file path=ppt/slides/slide14.xml><?xml version="1.0" encoding="utf-8"?>
+<file path=ppt/slides/slide15.xml><?xml version="1.0" encoding="utf-8"?>
 <p:sld xmlns:a="http://schemas.openxmlformats.org/drawingml/2006/main" xmlns:r="http://schemas.openxmlformats.org/officeDocument/2006/relationships" xmlns:p="http://schemas.openxmlformats.org/presentationml/2006/main">
   <p:cSld>
     <p:spTree>
@@ -17873,7 +18189,7 @@
 </p:sld>
 </file>
 
-<file path=ppt/slides/slide15.xml><?xml version="1.0" encoding="utf-8"?>
+<file path=ppt/slides/slide16.xml><?xml version="1.0" encoding="utf-8"?>
 <p:sld xmlns:a="http://schemas.openxmlformats.org/drawingml/2006/main" xmlns:r="http://schemas.openxmlformats.org/officeDocument/2006/relationships" xmlns:p="http://schemas.openxmlformats.org/presentationml/2006/main">
   <p:cSld>
     <p:spTree>
@@ -18082,7 +18398,7 @@
 </p:sld>
 </file>
 
-<file path=ppt/slides/slide16.xml><?xml version="1.0" encoding="utf-8"?>
+<file path=ppt/slides/slide17.xml><?xml version="1.0" encoding="utf-8"?>
 <p:sld xmlns:a="http://schemas.openxmlformats.org/drawingml/2006/main" xmlns:r="http://schemas.openxmlformats.org/officeDocument/2006/relationships" xmlns:p="http://schemas.openxmlformats.org/presentationml/2006/main">
   <p:cSld>
     <p:spTree>
@@ -18106,14 +18422,14 @@
           <p:nvPr>
             <p:extLst>
               <p:ext uri="{D42A27DB-BD31-4B8C-83A1-F6EECF244321}">
-                <p14:modId xmlns:p14="http://schemas.microsoft.com/office/powerpoint/2010/main" val="353688531"/>
+                <p14:modId xmlns:p14="http://schemas.microsoft.com/office/powerpoint/2010/main" val="1186651131"/>
               </p:ext>
             </p:extLst>
           </p:nvPr>
         </p:nvGraphicFramePr>
         <p:xfrm>
-          <a:off x="625035" y="592442"/>
-          <a:ext cx="10745021" cy="6438112"/>
+          <a:off x="625035" y="592443"/>
+          <a:ext cx="10996990" cy="6268907"/>
         </p:xfrm>
         <a:graphic>
           <a:graphicData uri="http://schemas.openxmlformats.org/drawingml/2006/table">
@@ -18123,28 +18439,28 @@
                 <a:tableStyleId>{9A453C88-1E02-4705-B2C8-376F6F29899A}</a:tableStyleId>
               </a:tblPr>
               <a:tblGrid>
-                <a:gridCol w="2630546">
+                <a:gridCol w="2692231">
                   <a:extLst>
                     <a:ext uri="{9D8B030D-6E8A-4147-A177-3AD203B41FA5}">
                       <a16:colId xmlns:a16="http://schemas.microsoft.com/office/drawing/2014/main" val="20000"/>
                     </a:ext>
                   </a:extLst>
                 </a:gridCol>
-                <a:gridCol w="2704825">
+                <a:gridCol w="2768253">
                   <a:extLst>
                     <a:ext uri="{9D8B030D-6E8A-4147-A177-3AD203B41FA5}">
                       <a16:colId xmlns:a16="http://schemas.microsoft.com/office/drawing/2014/main" val="20001"/>
                     </a:ext>
                   </a:extLst>
                 </a:gridCol>
-                <a:gridCol w="2704825">
+                <a:gridCol w="2768253">
                   <a:extLst>
                     <a:ext uri="{9D8B030D-6E8A-4147-A177-3AD203B41FA5}">
                       <a16:colId xmlns:a16="http://schemas.microsoft.com/office/drawing/2014/main" val="20002"/>
                     </a:ext>
                   </a:extLst>
                 </a:gridCol>
-                <a:gridCol w="2704825">
+                <a:gridCol w="2768253">
                   <a:extLst>
                     <a:ext uri="{9D8B030D-6E8A-4147-A177-3AD203B41FA5}">
                       <a16:colId xmlns:a16="http://schemas.microsoft.com/office/drawing/2014/main" val="20003"/>
@@ -18152,7 +18468,7 @@
                   </a:extLst>
                 </a:gridCol>
               </a:tblGrid>
-              <a:tr h="478559">
+              <a:tr h="471771">
                 <a:tc>
                   <a:txBody>
                     <a:bodyPr/>
@@ -18299,7 +18615,7 @@
                   </a:ext>
                 </a:extLst>
               </a:tr>
-              <a:tr h="1256266">
+              <a:tr h="1238446">
                 <a:tc>
                   <a:txBody>
                     <a:bodyPr/>
@@ -18506,7 +18822,7 @@
                   </a:ext>
                 </a:extLst>
               </a:tr>
-              <a:tr h="1316090">
+              <a:tr h="1238446">
                 <a:tc>
                   <a:txBody>
                     <a:bodyPr/>
@@ -18721,7 +19037,7 @@
                   </a:ext>
                 </a:extLst>
               </a:tr>
-              <a:tr h="1525472">
+              <a:tr h="1392227">
                 <a:tc>
                   <a:txBody>
                     <a:bodyPr/>
@@ -18944,7 +19260,7 @@
                   </a:ext>
                 </a:extLst>
               </a:tr>
-              <a:tr h="1638485">
+              <a:tr h="1769221">
                 <a:tc>
                   <a:txBody>
                     <a:bodyPr/>
@@ -19443,7 +19759,7 @@
 </p:sld>
 </file>
 
-<file path=ppt/slides/slide17.xml><?xml version="1.0" encoding="utf-8"?>
+<file path=ppt/slides/slide18.xml><?xml version="1.0" encoding="utf-8"?>
 <p:sld xmlns:a="http://schemas.openxmlformats.org/drawingml/2006/main" xmlns:r="http://schemas.openxmlformats.org/officeDocument/2006/relationships" xmlns:p="http://schemas.openxmlformats.org/presentationml/2006/main">
   <p:cSld>
     <p:spTree>
@@ -19651,7 +19967,7 @@
 </p:sld>
 </file>
 
-<file path=ppt/slides/slide18.xml><?xml version="1.0" encoding="utf-8"?>
+<file path=ppt/slides/slide19.xml><?xml version="1.0" encoding="utf-8"?>
 <p:sld xmlns:a="http://schemas.openxmlformats.org/drawingml/2006/main" xmlns:r="http://schemas.openxmlformats.org/officeDocument/2006/relationships" xmlns:p="http://schemas.openxmlformats.org/presentationml/2006/main">
   <p:cSld>
     <p:spTree>
@@ -19730,7 +20046,119 @@
 </p:sld>
 </file>
 
-<file path=ppt/slides/slide19.xml><?xml version="1.0" encoding="utf-8"?>
+<file path=ppt/slides/slide2.xml><?xml version="1.0" encoding="utf-8"?>
+<p:sld xmlns:a="http://schemas.openxmlformats.org/drawingml/2006/main" xmlns:r="http://schemas.openxmlformats.org/officeDocument/2006/relationships" xmlns:p="http://schemas.openxmlformats.org/presentationml/2006/main">
+  <p:cSld>
+    <p:spTree>
+      <p:nvGrpSpPr>
+        <p:cNvPr id="1" name=""/>
+        <p:cNvGrpSpPr/>
+        <p:nvPr/>
+      </p:nvGrpSpPr>
+      <p:grpSpPr>
+        <a:xfrm>
+          <a:off x="0" y="0"/>
+          <a:ext cx="0" cy="0"/>
+          <a:chOff x="0" y="0"/>
+          <a:chExt cx="0" cy="0"/>
+        </a:xfrm>
+      </p:grpSpPr>
+      <p:sp>
+        <p:nvSpPr>
+          <p:cNvPr id="2" name="Title 1">
+            <a:extLst>
+              <a:ext uri="{FF2B5EF4-FFF2-40B4-BE49-F238E27FC236}">
+                <a16:creationId xmlns:a16="http://schemas.microsoft.com/office/drawing/2014/main" id="{21318379-E22B-4101-ADF7-FF1771FB3C80}"/>
+              </a:ext>
+            </a:extLst>
+          </p:cNvPr>
+          <p:cNvSpPr>
+            <a:spLocks noGrp="1"/>
+          </p:cNvSpPr>
+          <p:nvPr>
+            <p:ph type="title"/>
+          </p:nvPr>
+        </p:nvSpPr>
+        <p:spPr/>
+        <p:txBody>
+          <a:bodyPr>
+            <a:normAutofit/>
+          </a:bodyPr>
+          <a:lstStyle/>
+          <a:p>
+            <a:r>
+              <a:rPr lang="en-US" sz="4000" dirty="0">
+                <a:latin typeface="Times New Roman" panose="02020603050405020304" pitchFamily="18" charset="0"/>
+                <a:cs typeface="Times New Roman" panose="02020603050405020304" pitchFamily="18" charset="0"/>
+              </a:rPr>
+              <a:t>Problem Statement</a:t>
+            </a:r>
+            <a:endParaRPr lang="en-IN" sz="4000" dirty="0">
+              <a:latin typeface="Times New Roman" panose="02020603050405020304" pitchFamily="18" charset="0"/>
+              <a:cs typeface="Times New Roman" panose="02020603050405020304" pitchFamily="18" charset="0"/>
+            </a:endParaRPr>
+          </a:p>
+        </p:txBody>
+      </p:sp>
+      <p:sp>
+        <p:nvSpPr>
+          <p:cNvPr id="3" name="Text Placeholder 2">
+            <a:extLst>
+              <a:ext uri="{FF2B5EF4-FFF2-40B4-BE49-F238E27FC236}">
+                <a16:creationId xmlns:a16="http://schemas.microsoft.com/office/drawing/2014/main" id="{BA6E131C-4033-4E3F-B3A8-F51680DE056D}"/>
+              </a:ext>
+            </a:extLst>
+          </p:cNvPr>
+          <p:cNvSpPr>
+            <a:spLocks noGrp="1"/>
+          </p:cNvSpPr>
+          <p:nvPr>
+            <p:ph type="body" idx="1"/>
+          </p:nvPr>
+        </p:nvSpPr>
+        <p:spPr>
+          <a:xfrm>
+            <a:off x="838200" y="1825625"/>
+            <a:ext cx="10756392" cy="4351338"/>
+          </a:xfrm>
+        </p:spPr>
+        <p:txBody>
+          <a:bodyPr/>
+          <a:lstStyle/>
+          <a:p>
+            <a:pPr marL="0" lvl="0" indent="0">
+              <a:spcBef>
+                <a:spcPts val="0"/>
+              </a:spcBef>
+              <a:buSzPts val="2600"/>
+              <a:buNone/>
+            </a:pPr>
+            <a:r>
+              <a:rPr lang="en-US" dirty="0">
+                <a:latin typeface="Times New Roman"/>
+                <a:ea typeface="Times New Roman"/>
+                <a:cs typeface="Times New Roman"/>
+                <a:sym typeface="Times New Roman"/>
+              </a:rPr>
+              <a:t>There is very little solutions implemented with machine learning which analysis data from the complete transport grid for achieving overall traffic reduction, this technology exploits the real-time traffic monitoring services which are available nowadays.</a:t>
+            </a:r>
+          </a:p>
+        </p:txBody>
+      </p:sp>
+    </p:spTree>
+    <p:extLst>
+      <p:ext uri="{BB962C8B-B14F-4D97-AF65-F5344CB8AC3E}">
+        <p14:creationId xmlns:p14="http://schemas.microsoft.com/office/powerpoint/2010/main" val="2506059371"/>
+      </p:ext>
+    </p:extLst>
+  </p:cSld>
+  <p:clrMapOvr>
+    <a:masterClrMapping/>
+  </p:clrMapOvr>
+</p:sld>
+</file>
+
+<file path=ppt/slides/slide20.xml><?xml version="1.0" encoding="utf-8"?>
 <p:sld xmlns:a="http://schemas.openxmlformats.org/drawingml/2006/main" xmlns:r="http://schemas.openxmlformats.org/officeDocument/2006/relationships" xmlns:p="http://schemas.openxmlformats.org/presentationml/2006/main">
   <p:cSld>
     <p:spTree>
@@ -19987,7 +20415,7 @@
 </p:sld>
 </file>
 
-<file path=ppt/slides/slide2.xml><?xml version="1.0" encoding="utf-8"?>
+<file path=ppt/slides/slide3.xml><?xml version="1.0" encoding="utf-8"?>
 <p:sld xmlns:a="http://schemas.openxmlformats.org/drawingml/2006/main" xmlns:r="http://schemas.openxmlformats.org/officeDocument/2006/relationships" xmlns:p="http://schemas.openxmlformats.org/presentationml/2006/main">
   <p:cSld>
     <p:spTree>
@@ -20140,33 +20568,6 @@
               <a:buSzPts val="2600"/>
               <a:buNone/>
             </a:pPr>
-            <a:r>
-              <a:rPr lang="en-US" sz="2600" dirty="0">
-                <a:latin typeface="Times New Roman"/>
-                <a:ea typeface="Times New Roman"/>
-                <a:cs typeface="Times New Roman"/>
-                <a:sym typeface="Times New Roman"/>
-              </a:rPr>
-              <a:t>There is very little solutions implemented with machine learning which analysis data from the complete transport grid for achieving overall traffic reduction, this technology exploits the real-time traffic monitoring services which are available nowadays.</a:t>
-            </a:r>
-          </a:p>
-          <a:p>
-            <a:pPr marL="0" lvl="0" indent="0" algn="l" rtl="0">
-              <a:lnSpc>
-                <a:spcPct val="90000"/>
-              </a:lnSpc>
-              <a:spcBef>
-                <a:spcPts val="0"/>
-              </a:spcBef>
-              <a:spcAft>
-                <a:spcPts val="0"/>
-              </a:spcAft>
-              <a:buClr>
-                <a:schemeClr val="dk1"/>
-              </a:buClr>
-              <a:buSzPts val="2600"/>
-              <a:buNone/>
-            </a:pPr>
             <a:endParaRPr lang="en-US" sz="2600" dirty="0">
               <a:latin typeface="Times New Roman"/>
               <a:ea typeface="Times New Roman"/>
@@ -20204,7 +20605,7 @@
 </p:sld>
 </file>
 
-<file path=ppt/slides/slide3.xml><?xml version="1.0" encoding="utf-8"?>
+<file path=ppt/slides/slide4.xml><?xml version="1.0" encoding="utf-8"?>
 <p:sld xmlns:a="http://schemas.openxmlformats.org/drawingml/2006/main" xmlns:r="http://schemas.openxmlformats.org/officeDocument/2006/relationships" xmlns:p="http://schemas.openxmlformats.org/presentationml/2006/main">
   <p:cSld>
     <p:spTree>
@@ -20314,7 +20715,7 @@
 </p:sld>
 </file>
 
-<file path=ppt/slides/slide4.xml><?xml version="1.0" encoding="utf-8"?>
+<file path=ppt/slides/slide5.xml><?xml version="1.0" encoding="utf-8"?>
 <p:sld xmlns:a="http://schemas.openxmlformats.org/drawingml/2006/main" xmlns:r="http://schemas.openxmlformats.org/officeDocument/2006/relationships" xmlns:p="http://schemas.openxmlformats.org/presentationml/2006/main">
   <p:cSld>
     <p:spTree>
@@ -20598,7 +20999,7 @@
 </p:sld>
 </file>
 
-<file path=ppt/slides/slide5.xml><?xml version="1.0" encoding="utf-8"?>
+<file path=ppt/slides/slide6.xml><?xml version="1.0" encoding="utf-8"?>
 <p:sld xmlns:a="http://schemas.openxmlformats.org/drawingml/2006/main" xmlns:r="http://schemas.openxmlformats.org/officeDocument/2006/relationships" xmlns:p="http://schemas.openxmlformats.org/presentationml/2006/main">
   <p:cSld>
     <p:spTree>
@@ -20807,7 +21208,7 @@
 </p:sld>
 </file>
 
-<file path=ppt/slides/slide6.xml><?xml version="1.0" encoding="utf-8"?>
+<file path=ppt/slides/slide7.xml><?xml version="1.0" encoding="utf-8"?>
 <p:sld xmlns:a="http://schemas.openxmlformats.org/drawingml/2006/main" xmlns:r="http://schemas.openxmlformats.org/officeDocument/2006/relationships" xmlns:p="http://schemas.openxmlformats.org/presentationml/2006/main">
   <p:cSld>
     <p:spTree>
@@ -21034,7 +21435,7 @@
 </p:sld>
 </file>
 
-<file path=ppt/slides/slide7.xml><?xml version="1.0" encoding="utf-8"?>
+<file path=ppt/slides/slide8.xml><?xml version="1.0" encoding="utf-8"?>
 <p:sld xmlns:a="http://schemas.openxmlformats.org/drawingml/2006/main" xmlns:r="http://schemas.openxmlformats.org/officeDocument/2006/relationships" xmlns:p="http://schemas.openxmlformats.org/presentationml/2006/main">
   <p:cSld>
     <p:spTree>
@@ -21222,7 +21623,7 @@
 </p:sld>
 </file>
 
-<file path=ppt/slides/slide8.xml><?xml version="1.0" encoding="utf-8"?>
+<file path=ppt/slides/slide9.xml><?xml version="1.0" encoding="utf-8"?>
 <p:sld xmlns:a="http://schemas.openxmlformats.org/drawingml/2006/main" xmlns:r="http://schemas.openxmlformats.org/officeDocument/2006/relationships" xmlns:p="http://schemas.openxmlformats.org/presentationml/2006/main">
   <p:cSld>
     <p:spTree>
@@ -21275,231 +21676,6 @@
             <a:extLst>
               <a:ext uri="{FF2B5EF4-FFF2-40B4-BE49-F238E27FC236}">
                 <a16:creationId xmlns:a16="http://schemas.microsoft.com/office/drawing/2014/main" id="{49769390-A996-4706-A84A-761CF72C5CBE}"/>
-              </a:ext>
-            </a:extLst>
-          </p:cNvPr>
-          <p:cNvSpPr txBox="1">
-            <a:spLocks noGrp="1"/>
-          </p:cNvSpPr>
-          <p:nvPr>
-            <p:ph type="title"/>
-          </p:nvPr>
-        </p:nvSpPr>
-        <p:spPr>
-          <a:xfrm>
-            <a:off x="838200" y="321163"/>
-            <a:ext cx="10515600" cy="1325700"/>
-          </a:xfrm>
-          <a:prstGeom prst="rect">
-            <a:avLst/>
-          </a:prstGeom>
-        </p:spPr>
-        <p:txBody>
-          <a:bodyPr spcFirstLastPara="1" wrap="square" lIns="91425" tIns="45700" rIns="91425" bIns="45700" anchor="ctr" anchorCtr="0">
-            <a:noAutofit/>
-          </a:bodyPr>
-          <a:lstStyle/>
-          <a:p>
-            <a:pPr lvl="0"/>
-            <a:r>
-              <a:rPr lang="en-US" sz="3200" dirty="0">
-                <a:latin typeface="Times New Roman"/>
-                <a:ea typeface="Times New Roman"/>
-                <a:cs typeface="Times New Roman"/>
-                <a:sym typeface="Times New Roman"/>
-              </a:rPr>
-              <a:t>Study 2:</a:t>
-            </a:r>
-            <a:r>
-              <a:rPr lang="en-US" sz="4000" dirty="0">
-                <a:latin typeface="Times New Roman"/>
-                <a:ea typeface="Times New Roman"/>
-                <a:cs typeface="Times New Roman"/>
-                <a:sym typeface="Times New Roman"/>
-              </a:rPr>
-              <a:t> </a:t>
-            </a:r>
-            <a:r>
-              <a:rPr lang="en-US" sz="2600" dirty="0">
-                <a:latin typeface="Times New Roman" panose="02020603050405020304" pitchFamily="18" charset="0"/>
-                <a:cs typeface="Times New Roman" panose="02020603050405020304" pitchFamily="18" charset="0"/>
-              </a:rPr>
-              <a:t>Badura, S., &amp; </a:t>
-            </a:r>
-            <a:r>
-              <a:rPr lang="en-US" sz="2600" dirty="0" err="1">
-                <a:latin typeface="Times New Roman" panose="02020603050405020304" pitchFamily="18" charset="0"/>
-                <a:cs typeface="Times New Roman" panose="02020603050405020304" pitchFamily="18" charset="0"/>
-              </a:rPr>
-              <a:t>Lieskovsky</a:t>
-            </a:r>
-            <a:r>
-              <a:rPr lang="en-US" sz="2600" dirty="0">
-                <a:latin typeface="Times New Roman" panose="02020603050405020304" pitchFamily="18" charset="0"/>
-                <a:cs typeface="Times New Roman" panose="02020603050405020304" pitchFamily="18" charset="0"/>
-              </a:rPr>
-              <a:t>, A. Intelligent Traffic System: Cooperation of MANET and Image Processing </a:t>
-            </a:r>
-            <a:r>
-              <a:rPr lang="en-US" sz="1800" dirty="0">
-                <a:latin typeface="Times New Roman" panose="02020603050405020304" pitchFamily="18" charset="0"/>
-                <a:cs typeface="Times New Roman" panose="02020603050405020304" pitchFamily="18" charset="0"/>
-              </a:rPr>
-              <a:t>(2010)</a:t>
-            </a:r>
-            <a:endParaRPr sz="1800" dirty="0">
-              <a:latin typeface="Times New Roman" panose="02020603050405020304" pitchFamily="18" charset="0"/>
-              <a:cs typeface="Times New Roman" panose="02020603050405020304" pitchFamily="18" charset="0"/>
-            </a:endParaRPr>
-          </a:p>
-        </p:txBody>
-      </p:sp>
-    </p:spTree>
-  </p:cSld>
-  <p:clrMapOvr>
-    <a:masterClrMapping/>
-  </p:clrMapOvr>
-</p:sld>
-</file>
-
-<file path=ppt/slides/slide9.xml><?xml version="1.0" encoding="utf-8"?>
-<p:sld xmlns:a="http://schemas.openxmlformats.org/drawingml/2006/main" xmlns:r="http://schemas.openxmlformats.org/officeDocument/2006/relationships" xmlns:p="http://schemas.openxmlformats.org/presentationml/2006/main">
-  <p:cSld>
-    <p:spTree>
-      <p:nvGrpSpPr>
-        <p:cNvPr id="1" name="Shape 131"/>
-        <p:cNvGrpSpPr/>
-        <p:nvPr/>
-      </p:nvGrpSpPr>
-      <p:grpSpPr>
-        <a:xfrm>
-          <a:off x="0" y="0"/>
-          <a:ext cx="0" cy="0"/>
-          <a:chOff x="0" y="0"/>
-          <a:chExt cx="0" cy="0"/>
-        </a:xfrm>
-      </p:grpSpPr>
-      <p:sp>
-        <p:nvSpPr>
-          <p:cNvPr id="133" name="Google Shape;133;p4"/>
-          <p:cNvSpPr txBox="1">
-            <a:spLocks noGrp="1"/>
-          </p:cNvSpPr>
-          <p:nvPr>
-            <p:ph type="body" idx="1"/>
-          </p:nvPr>
-        </p:nvSpPr>
-        <p:spPr>
-          <a:xfrm>
-            <a:off x="838200" y="1835150"/>
-            <a:ext cx="10515600" cy="4351200"/>
-          </a:xfrm>
-          <a:prstGeom prst="rect">
-            <a:avLst/>
-          </a:prstGeom>
-          <a:noFill/>
-          <a:ln>
-            <a:noFill/>
-          </a:ln>
-        </p:spPr>
-        <p:txBody>
-          <a:bodyPr spcFirstLastPara="1" wrap="square" lIns="91425" tIns="45700" rIns="91425" bIns="45700" anchor="t" anchorCtr="0">
-            <a:noAutofit/>
-          </a:bodyPr>
-          <a:lstStyle/>
-          <a:p>
-            <a:pPr indent="-457200">
-              <a:spcBef>
-                <a:spcPts val="0"/>
-              </a:spcBef>
-              <a:buSzPts val="2400"/>
-            </a:pPr>
-            <a:r>
-              <a:rPr lang="en-US" sz="2600" dirty="0">
-                <a:latin typeface="Times New Roman"/>
-                <a:ea typeface="Times New Roman"/>
-                <a:cs typeface="Times New Roman"/>
-                <a:sym typeface="Times New Roman"/>
-              </a:rPr>
-              <a:t>Salama A.S., Saleh B.K. and </a:t>
-            </a:r>
-            <a:r>
-              <a:rPr lang="en-US" sz="2600" dirty="0" err="1">
-                <a:latin typeface="Times New Roman"/>
-                <a:ea typeface="Times New Roman"/>
-                <a:cs typeface="Times New Roman"/>
-                <a:sym typeface="Times New Roman"/>
-              </a:rPr>
-              <a:t>Eassa</a:t>
-            </a:r>
-            <a:r>
-              <a:rPr lang="en-US" sz="2600" dirty="0">
-                <a:latin typeface="Times New Roman"/>
-                <a:ea typeface="Times New Roman"/>
-                <a:cs typeface="Times New Roman"/>
-                <a:sym typeface="Times New Roman"/>
-              </a:rPr>
-              <a:t> M.M. provide a design of an integrated intelligent system for management and controlling traffic lights with the help of Photoelectric Sensors.</a:t>
-            </a:r>
-            <a:endParaRPr sz="2600" dirty="0">
-              <a:latin typeface="Times New Roman"/>
-              <a:ea typeface="Times New Roman"/>
-              <a:cs typeface="Times New Roman"/>
-              <a:sym typeface="Times New Roman"/>
-            </a:endParaRPr>
-          </a:p>
-          <a:p>
-            <a:pPr marL="0" lvl="0" indent="0" algn="l" rtl="0">
-              <a:lnSpc>
-                <a:spcPct val="90000"/>
-              </a:lnSpc>
-              <a:spcBef>
-                <a:spcPts val="0"/>
-              </a:spcBef>
-              <a:spcAft>
-                <a:spcPts val="0"/>
-              </a:spcAft>
-              <a:buClr>
-                <a:schemeClr val="dk1"/>
-              </a:buClr>
-              <a:buSzPts val="2400"/>
-              <a:buNone/>
-            </a:pPr>
-            <a:endParaRPr sz="2600" dirty="0">
-              <a:latin typeface="Times New Roman"/>
-              <a:ea typeface="Times New Roman"/>
-              <a:cs typeface="Times New Roman"/>
-              <a:sym typeface="Times New Roman"/>
-            </a:endParaRPr>
-          </a:p>
-          <a:p>
-            <a:pPr indent="-457200">
-              <a:buSzPts val="2400"/>
-            </a:pPr>
-            <a:r>
-              <a:rPr lang="en-US" sz="2600" dirty="0">
-                <a:latin typeface="Times New Roman"/>
-                <a:ea typeface="Times New Roman"/>
-                <a:cs typeface="Times New Roman"/>
-                <a:sym typeface="Times New Roman"/>
-              </a:rPr>
-              <a:t>The system uses real-time traffic knowledge to control the traffic lights also provides support for pedestrian crossing and emergency vehicle passing</a:t>
-            </a:r>
-            <a:endParaRPr sz="2600" dirty="0">
-              <a:latin typeface="Times New Roman"/>
-              <a:ea typeface="Times New Roman"/>
-              <a:cs typeface="Times New Roman"/>
-              <a:sym typeface="Times New Roman"/>
-            </a:endParaRPr>
-          </a:p>
-        </p:txBody>
-      </p:sp>
-      <p:sp>
-        <p:nvSpPr>
-          <p:cNvPr id="6" name="Google Shape;114;g659b3ba530_0_0">
-            <a:extLst>
-              <a:ext uri="{FF2B5EF4-FFF2-40B4-BE49-F238E27FC236}">
-                <a16:creationId xmlns:a16="http://schemas.microsoft.com/office/drawing/2014/main" id="{E26384C0-D682-41B4-B3AD-81F787E81030}"/>
               </a:ext>
             </a:extLst>
           </p:cNvPr>

--- a/documents/Litrature Review.pptx
+++ b/documents/Litrature Review.pptx
@@ -265,7 +265,7 @@
       <p15:sldGuideLst xmlns:p15="http://schemas.microsoft.com/office/powerpoint/2012/main"/>
     </p:ext>
     <p:ext uri="http://customooxmlschemas.google.com/">
-      <go:slidesCustomData xmlns="" xmlns:mc="http://schemas.openxmlformats.org/markup-compatibility/2006" xmlns:mv="urn:schemas-microsoft-com:mac:vml" xmlns:c="http://schemas.openxmlformats.org/drawingml/2006/chart" xmlns:dgm="http://schemas.openxmlformats.org/drawingml/2006/diagram" xmlns:o="urn:schemas-microsoft-com:office:office" xmlns:v="urn:schemas-microsoft-com:vml" xmlns:pvml="urn:schemas-microsoft-com:office:powerpoint" xmlns:com="http://schemas.openxmlformats.org/drawingml/2006/compatibility" xmlns:p14="http://schemas.microsoft.com/office/powerpoint/2010/main" xmlns:p15="http://schemas.microsoft.com/office/powerpoint/2012/main" xmlns:go="http://customooxmlschemas.google.com/" r:id="rId24" roundtripDataSignature="AMtx7mjtQ1srNo008AFggN65lsm/0suc6w=="/>
+      <go:slidesCustomData xmlns:go="http://customooxmlschemas.google.com/" xmlns:p15="http://schemas.microsoft.com/office/powerpoint/2012/main" xmlns:p14="http://schemas.microsoft.com/office/powerpoint/2010/main" xmlns:com="http://schemas.openxmlformats.org/drawingml/2006/compatibility" xmlns:pvml="urn:schemas-microsoft-com:office:powerpoint" xmlns:v="urn:schemas-microsoft-com:vml" xmlns:o="urn:schemas-microsoft-com:office:office" xmlns:dgm="http://schemas.openxmlformats.org/drawingml/2006/diagram" xmlns:c="http://schemas.openxmlformats.org/drawingml/2006/chart" xmlns:mv="urn:schemas-microsoft-com:mac:vml" xmlns:mc="http://schemas.openxmlformats.org/markup-compatibility/2006" xmlns="" r:id="rId24" roundtripDataSignature="AMtx7mjtQ1srNo008AFggN65lsm/0suc6w=="/>
     </p:ext>
   </p:extLst>
 </p:presentation>
@@ -20622,56 +20622,6 @@
           <a:chExt cx="0" cy="0"/>
         </a:xfrm>
       </p:grpSpPr>
-      <p:sp>
-        <p:nvSpPr>
-          <p:cNvPr id="2" name="Title 1">
-            <a:extLst>
-              <a:ext uri="{FF2B5EF4-FFF2-40B4-BE49-F238E27FC236}">
-                <a16:creationId xmlns:a16="http://schemas.microsoft.com/office/drawing/2014/main" id="{B7D30F33-0F80-4033-9C09-3A5355496D9B}"/>
-              </a:ext>
-            </a:extLst>
-          </p:cNvPr>
-          <p:cNvSpPr>
-            <a:spLocks noGrp="1"/>
-          </p:cNvSpPr>
-          <p:nvPr>
-            <p:ph type="title"/>
-          </p:nvPr>
-        </p:nvSpPr>
-        <p:spPr/>
-        <p:txBody>
-          <a:bodyPr/>
-          <a:lstStyle/>
-          <a:p>
-            <a:endParaRPr lang="en-IN"/>
-          </a:p>
-        </p:txBody>
-      </p:sp>
-      <p:sp>
-        <p:nvSpPr>
-          <p:cNvPr id="3" name="Text Placeholder 2">
-            <a:extLst>
-              <a:ext uri="{FF2B5EF4-FFF2-40B4-BE49-F238E27FC236}">
-                <a16:creationId xmlns:a16="http://schemas.microsoft.com/office/drawing/2014/main" id="{0B2E974B-A838-4747-952F-3819F40801BF}"/>
-              </a:ext>
-            </a:extLst>
-          </p:cNvPr>
-          <p:cNvSpPr>
-            <a:spLocks noGrp="1"/>
-          </p:cNvSpPr>
-          <p:nvPr>
-            <p:ph type="body" idx="1"/>
-          </p:nvPr>
-        </p:nvSpPr>
-        <p:spPr/>
-        <p:txBody>
-          <a:bodyPr/>
-          <a:lstStyle/>
-          <a:p>
-            <a:endParaRPr lang="en-IN"/>
-          </a:p>
-        </p:txBody>
-      </p:sp>
       <p:pic>
         <p:nvPicPr>
           <p:cNvPr id="5" name="Picture 4">

--- a/documents/Litrature Review.pptx
+++ b/documents/Litrature Review.pptx
@@ -9,8 +9,8 @@
   </p:notesMasterIdLst>
   <p:sldIdLst>
     <p:sldId id="256" r:id="rId2"/>
-    <p:sldId id="277" r:id="rId3"/>
-    <p:sldId id="257" r:id="rId4"/>
+    <p:sldId id="257" r:id="rId3"/>
+    <p:sldId id="277" r:id="rId4"/>
     <p:sldId id="276" r:id="rId5"/>
     <p:sldId id="267" r:id="rId6"/>
     <p:sldId id="269" r:id="rId7"/>
@@ -265,7 +265,7 @@
       <p15:sldGuideLst xmlns:p15="http://schemas.microsoft.com/office/powerpoint/2012/main"/>
     </p:ext>
     <p:ext uri="http://customooxmlschemas.google.com/">
-      <go:slidesCustomData xmlns:go="http://customooxmlschemas.google.com/" xmlns:p15="http://schemas.microsoft.com/office/powerpoint/2012/main" xmlns:p14="http://schemas.microsoft.com/office/powerpoint/2010/main" xmlns:com="http://schemas.openxmlformats.org/drawingml/2006/compatibility" xmlns:pvml="urn:schemas-microsoft-com:office:powerpoint" xmlns:v="urn:schemas-microsoft-com:vml" xmlns:o="urn:schemas-microsoft-com:office:office" xmlns:dgm="http://schemas.openxmlformats.org/drawingml/2006/diagram" xmlns:c="http://schemas.openxmlformats.org/drawingml/2006/chart" xmlns:mv="urn:schemas-microsoft-com:mac:vml" xmlns:mc="http://schemas.openxmlformats.org/markup-compatibility/2006" xmlns="" r:id="rId24" roundtripDataSignature="AMtx7mjtQ1srNo008AFggN65lsm/0suc6w=="/>
+      <go:slidesCustomData xmlns="" xmlns:mc="http://schemas.openxmlformats.org/markup-compatibility/2006" xmlns:mv="urn:schemas-microsoft-com:mac:vml" xmlns:c="http://schemas.openxmlformats.org/drawingml/2006/chart" xmlns:dgm="http://schemas.openxmlformats.org/drawingml/2006/diagram" xmlns:o="urn:schemas-microsoft-com:office:office" xmlns:v="urn:schemas-microsoft-com:vml" xmlns:pvml="urn:schemas-microsoft-com:office:powerpoint" xmlns:com="http://schemas.openxmlformats.org/drawingml/2006/compatibility" xmlns:p14="http://schemas.microsoft.com/office/powerpoint/2010/main" xmlns:p15="http://schemas.microsoft.com/office/powerpoint/2012/main" xmlns:go="http://customooxmlschemas.google.com/" r:id="rId24" roundtripDataSignature="AMtx7mjtQ1srNo008AFggN65lsm/0suc6w=="/>
     </p:ext>
   </p:extLst>
 </p:presentation>
@@ -18422,14 +18422,14 @@
           <p:nvPr>
             <p:extLst>
               <p:ext uri="{D42A27DB-BD31-4B8C-83A1-F6EECF244321}">
-                <p14:modId xmlns:p14="http://schemas.microsoft.com/office/powerpoint/2010/main" val="1186651131"/>
+                <p14:modId xmlns:p14="http://schemas.microsoft.com/office/powerpoint/2010/main" val="2524621982"/>
               </p:ext>
             </p:extLst>
           </p:nvPr>
         </p:nvGraphicFramePr>
         <p:xfrm>
           <a:off x="625035" y="592443"/>
-          <a:ext cx="10996990" cy="6268907"/>
+          <a:ext cx="10996990" cy="6227223"/>
         </p:xfrm>
         <a:graphic>
           <a:graphicData uri="http://schemas.openxmlformats.org/drawingml/2006/table">
@@ -18761,10 +18761,17 @@
                         <a:t>improvement of about 35% above the Hard Coded system. </a:t>
                       </a:r>
                     </a:p>
+                  </a:txBody>
+                  <a:tcPr marL="91425" marR="91425" marT="91425" marB="91425"/>
+                </a:tc>
+                <a:tc>
+                  <a:txBody>
+                    <a:bodyPr/>
+                    <a:lstStyle/>
                     <a:p>
-                      <a:pPr marL="0" marR="0" lvl="0" indent="0" algn="ctr" rtl="0">
+                      <a:pPr marL="0" marR="0" lvl="0" indent="0" algn="ctr" defTabSz="914400" rtl="0" eaLnBrk="1" fontAlgn="auto" latinLnBrk="0" hangingPunct="1">
                         <a:lnSpc>
-                          <a:spcPct val="90000"/>
+                          <a:spcPct val="100000"/>
                         </a:lnSpc>
                         <a:spcBef>
                           <a:spcPts val="0"/>
@@ -18773,21 +18780,16 @@
                           <a:spcPts val="0"/>
                         </a:spcAft>
                         <a:buClr>
-                          <a:schemeClr val="dk1"/>
+                          <a:srgbClr val="000000"/>
                         </a:buClr>
-                        <a:buSzPts val="2400"/>
+                        <a:buSzPts val="2000"/>
                         <a:buFont typeface="Arial"/>
                         <a:buNone/>
+                        <a:tabLst/>
+                        <a:defRPr/>
                       </a:pPr>
-                      <a:endParaRPr sz="2000" u="none" strike="noStrike" cap="none" dirty="0"/>
+                      <a:endParaRPr lang="en-IN" sz="2000" dirty="0"/>
                     </a:p>
-                  </a:txBody>
-                  <a:tcPr marL="91425" marR="91425" marT="91425" marB="91425"/>
-                </a:tc>
-                <a:tc>
-                  <a:txBody>
-                    <a:bodyPr/>
-                    <a:lstStyle/>
                     <a:p>
                       <a:pPr marL="0" marR="0" lvl="0" indent="0" algn="ctr" defTabSz="914400" rtl="0" eaLnBrk="1" fontAlgn="auto" latinLnBrk="0" hangingPunct="1">
                         <a:lnSpc>
@@ -19245,9 +19247,29 @@
                         <a:buFont typeface="Arial"/>
                         <a:buNone/>
                       </a:pPr>
+                      <a:endParaRPr lang="en-IN" sz="2000" dirty="0"/>
+                    </a:p>
+                    <a:p>
+                      <a:pPr marL="0" marR="0" lvl="0" indent="0" algn="ctr" rtl="0">
+                        <a:lnSpc>
+                          <a:spcPct val="100000"/>
+                        </a:lnSpc>
+                        <a:spcBef>
+                          <a:spcPts val="0"/>
+                        </a:spcBef>
+                        <a:spcAft>
+                          <a:spcPts val="0"/>
+                        </a:spcAft>
+                        <a:buClr>
+                          <a:srgbClr val="000000"/>
+                        </a:buClr>
+                        <a:buSzPts val="2000"/>
+                        <a:buFont typeface="Arial"/>
+                        <a:buNone/>
+                      </a:pPr>
                       <a:r>
                         <a:rPr lang="en-IN" sz="2000" dirty="0"/>
-                        <a:t>Ineffective during night hours</a:t>
+                        <a:t>Struggles in low light</a:t>
                       </a:r>
                       <a:endParaRPr sz="2000" dirty="0"/>
                     </a:p>
@@ -19823,7 +19845,7 @@
               <a:buNone/>
             </a:pPr>
             <a:r>
-              <a:rPr lang="en-US">
+              <a:rPr lang="en-US" dirty="0">
                 <a:latin typeface="Times New Roman"/>
                 <a:ea typeface="Times New Roman"/>
                 <a:cs typeface="Times New Roman"/>
@@ -19831,7 +19853,7 @@
               </a:rPr>
               <a:t>Summary</a:t>
             </a:r>
-            <a:endParaRPr>
+            <a:endParaRPr dirty="0">
               <a:latin typeface="Times New Roman"/>
               <a:ea typeface="Times New Roman"/>
               <a:cs typeface="Times New Roman"/>
@@ -19907,7 +19929,7 @@
                 <a:cs typeface="Times New Roman"/>
                 <a:sym typeface="Times New Roman"/>
               </a:rPr>
-              <a:t> et.al (2014) as it is implemented on a junction and has no relation to every automobile that crosses it apart from its vehicle density and as the only hardware employed in our project would be the surveillance cameras at the junctions therefore no need of constant maintenance and less prone to failure as is the case with Salama  et.al (2010) and Zhao et.al (2009).</a:t>
+              <a:t> et.al (2014) as it is implemented on a junction and has no relation to every automobile that crosses it apart from its vehicle density and as the only hardware employed in our project would be the surveillance cameras at the junctions therefore no need of constant maintenance and less prone to failure as is the case with Badura et.al (2010) and Zhao et.al (2009).</a:t>
             </a:r>
             <a:endParaRPr dirty="0"/>
           </a:p>
@@ -20051,7 +20073,7 @@
   <p:cSld>
     <p:spTree>
       <p:nvGrpSpPr>
-        <p:cNvPr id="1" name=""/>
+        <p:cNvPr id="1" name="Shape 89"/>
         <p:cNvGrpSpPr/>
         <p:nvPr/>
       </p:nvGrpSpPr>
@@ -20065,51 +20087,72 @@
       </p:grpSpPr>
       <p:sp>
         <p:nvSpPr>
-          <p:cNvPr id="2" name="Title 1">
-            <a:extLst>
-              <a:ext uri="{FF2B5EF4-FFF2-40B4-BE49-F238E27FC236}">
-                <a16:creationId xmlns:a16="http://schemas.microsoft.com/office/drawing/2014/main" id="{21318379-E22B-4101-ADF7-FF1771FB3C80}"/>
-              </a:ext>
-            </a:extLst>
-          </p:cNvPr>
-          <p:cNvSpPr>
+          <p:cNvPr id="90" name="Google Shape;90;p2"/>
+          <p:cNvSpPr txBox="1">
             <a:spLocks noGrp="1"/>
           </p:cNvSpPr>
           <p:nvPr>
             <p:ph type="title"/>
           </p:nvPr>
         </p:nvSpPr>
-        <p:spPr/>
+        <p:spPr>
+          <a:xfrm>
+            <a:off x="838200" y="365125"/>
+            <a:ext cx="10515600" cy="1325563"/>
+          </a:xfrm>
+          <a:prstGeom prst="rect">
+            <a:avLst/>
+          </a:prstGeom>
+          <a:noFill/>
+          <a:ln>
+            <a:noFill/>
+          </a:ln>
+        </p:spPr>
         <p:txBody>
-          <a:bodyPr>
+          <a:bodyPr spcFirstLastPara="1" wrap="square" lIns="91425" tIns="45700" rIns="91425" bIns="45700" anchor="ctr" anchorCtr="0">
             <a:normAutofit/>
           </a:bodyPr>
           <a:lstStyle/>
           <a:p>
+            <a:pPr marL="0" lvl="0" indent="0" algn="l" rtl="0">
+              <a:lnSpc>
+                <a:spcPct val="90000"/>
+              </a:lnSpc>
+              <a:spcBef>
+                <a:spcPts val="0"/>
+              </a:spcBef>
+              <a:spcAft>
+                <a:spcPts val="0"/>
+              </a:spcAft>
+              <a:buClr>
+                <a:schemeClr val="dk1"/>
+              </a:buClr>
+              <a:buSzPts val="4000"/>
+              <a:buFont typeface="Times New Roman"/>
+              <a:buNone/>
+            </a:pPr>
             <a:r>
-              <a:rPr lang="en-US" sz="4000" dirty="0">
-                <a:latin typeface="Times New Roman" panose="02020603050405020304" pitchFamily="18" charset="0"/>
-                <a:cs typeface="Times New Roman" panose="02020603050405020304" pitchFamily="18" charset="0"/>
+              <a:rPr lang="en-US" sz="4000" b="1" dirty="0">
+                <a:latin typeface="Times New Roman"/>
+                <a:ea typeface="Times New Roman"/>
+                <a:cs typeface="Times New Roman"/>
+                <a:sym typeface="Times New Roman"/>
               </a:rPr>
-              <a:t>Problem Statement</a:t>
+              <a:t>Introduction</a:t>
             </a:r>
-            <a:endParaRPr lang="en-IN" sz="4000" dirty="0">
-              <a:latin typeface="Times New Roman" panose="02020603050405020304" pitchFamily="18" charset="0"/>
-              <a:cs typeface="Times New Roman" panose="02020603050405020304" pitchFamily="18" charset="0"/>
+            <a:endParaRPr sz="4000" dirty="0">
+              <a:latin typeface="Times New Roman"/>
+              <a:ea typeface="Times New Roman"/>
+              <a:cs typeface="Times New Roman"/>
+              <a:sym typeface="Times New Roman"/>
             </a:endParaRPr>
           </a:p>
         </p:txBody>
       </p:sp>
       <p:sp>
         <p:nvSpPr>
-          <p:cNvPr id="3" name="Text Placeholder 2">
-            <a:extLst>
-              <a:ext uri="{FF2B5EF4-FFF2-40B4-BE49-F238E27FC236}">
-                <a16:creationId xmlns:a16="http://schemas.microsoft.com/office/drawing/2014/main" id="{BA6E131C-4033-4E3F-B3A8-F51680DE056D}"/>
-              </a:ext>
-            </a:extLst>
-          </p:cNvPr>
-          <p:cNvSpPr>
+          <p:cNvPr id="91" name="Google Shape;91;p2"/>
+          <p:cNvSpPr txBox="1">
             <a:spLocks noGrp="1"/>
           </p:cNvSpPr>
           <p:nvPr>
@@ -20119,38 +20162,95 @@
         <p:spPr>
           <a:xfrm>
             <a:off x="838200" y="1825625"/>
-            <a:ext cx="10756392" cy="4351338"/>
+            <a:ext cx="10515600" cy="4351338"/>
           </a:xfrm>
+          <a:prstGeom prst="rect">
+            <a:avLst/>
+          </a:prstGeom>
+          <a:noFill/>
+          <a:ln>
+            <a:noFill/>
+          </a:ln>
         </p:spPr>
         <p:txBody>
-          <a:bodyPr/>
+          <a:bodyPr spcFirstLastPara="1" wrap="square" lIns="91425" tIns="45700" rIns="91425" bIns="45700" anchor="t" anchorCtr="0">
+            <a:normAutofit/>
+          </a:bodyPr>
           <a:lstStyle/>
           <a:p>
-            <a:pPr marL="0" lvl="0" indent="0">
-              <a:spcBef>
-                <a:spcPts val="0"/>
-              </a:spcBef>
+            <a:pPr marL="0" lvl="0" indent="0" algn="l" rtl="0">
+              <a:lnSpc>
+                <a:spcPct val="90000"/>
+              </a:lnSpc>
+              <a:spcBef>
+                <a:spcPts val="0"/>
+              </a:spcBef>
+              <a:spcAft>
+                <a:spcPts val="0"/>
+              </a:spcAft>
+              <a:buClr>
+                <a:schemeClr val="dk1"/>
+              </a:buClr>
               <a:buSzPts val="2600"/>
               <a:buNone/>
             </a:pPr>
             <a:r>
-              <a:rPr lang="en-US" dirty="0">
+              <a:rPr lang="en-US" sz="2600" dirty="0">
                 <a:latin typeface="Times New Roman"/>
                 <a:ea typeface="Times New Roman"/>
                 <a:cs typeface="Times New Roman"/>
                 <a:sym typeface="Times New Roman"/>
               </a:rPr>
-              <a:t>There is very little solutions implemented with machine learning which analysis data from the complete transport grid for achieving overall traffic reduction, this technology exploits the real-time traffic monitoring services which are available nowadays.</a:t>
+              <a:t>Traffic congestion has been one of the major issues that most metropolises are facing in spite of measures being taken to mitigate and reduce it. </a:t>
             </a:r>
+          </a:p>
+          <a:p>
+            <a:pPr marL="0" lvl="0" indent="0" algn="l" rtl="0">
+              <a:lnSpc>
+                <a:spcPct val="90000"/>
+              </a:lnSpc>
+              <a:spcBef>
+                <a:spcPts val="0"/>
+              </a:spcBef>
+              <a:spcAft>
+                <a:spcPts val="0"/>
+              </a:spcAft>
+              <a:buClr>
+                <a:schemeClr val="dk1"/>
+              </a:buClr>
+              <a:buSzPts val="2600"/>
+              <a:buNone/>
+            </a:pPr>
+            <a:endParaRPr lang="en-US" sz="2600" dirty="0">
+              <a:latin typeface="Times New Roman"/>
+              <a:ea typeface="Times New Roman"/>
+              <a:cs typeface="Times New Roman"/>
+              <a:sym typeface="Times New Roman"/>
+            </a:endParaRPr>
+          </a:p>
+          <a:p>
+            <a:pPr marL="0" lvl="0" indent="0">
+              <a:spcBef>
+                <a:spcPts val="0"/>
+              </a:spcBef>
+              <a:buSzPts val="2600"/>
+              <a:buNone/>
+            </a:pPr>
+            <a:r>
+              <a:rPr lang="en-US" sz="2600" dirty="0">
+                <a:latin typeface="Times New Roman" panose="02020603050405020304" pitchFamily="18" charset="0"/>
+                <a:cs typeface="Times New Roman" panose="02020603050405020304" pitchFamily="18" charset="0"/>
+              </a:rPr>
+              <a:t>It will also provide significant data which will help in future road planning and analysis. In further stages multiple traffic lights can be synchronized with each other with an aim of even less traffic congestion and free flow of traffic.</a:t>
+            </a:r>
+            <a:endParaRPr sz="2600" dirty="0">
+              <a:latin typeface="Times New Roman" panose="02020603050405020304" pitchFamily="18" charset="0"/>
+              <a:cs typeface="Times New Roman" panose="02020603050405020304" pitchFamily="18" charset="0"/>
+            </a:endParaRPr>
           </a:p>
         </p:txBody>
       </p:sp>
     </p:spTree>
-    <p:extLst>
-      <p:ext uri="{BB962C8B-B14F-4D97-AF65-F5344CB8AC3E}">
-        <p14:creationId xmlns:p14="http://schemas.microsoft.com/office/powerpoint/2010/main" val="2506059371"/>
-      </p:ext>
-    </p:extLst>
   </p:cSld>
   <p:clrMapOvr>
     <a:masterClrMapping/>
@@ -20420,7 +20520,7 @@
   <p:cSld>
     <p:spTree>
       <p:nvGrpSpPr>
-        <p:cNvPr id="1" name="Shape 89"/>
+        <p:cNvPr id="1" name=""/>
         <p:cNvGrpSpPr/>
         <p:nvPr/>
       </p:nvGrpSpPr>
@@ -20434,72 +20534,51 @@
       </p:grpSpPr>
       <p:sp>
         <p:nvSpPr>
-          <p:cNvPr id="90" name="Google Shape;90;p2"/>
-          <p:cNvSpPr txBox="1">
+          <p:cNvPr id="2" name="Title 1">
+            <a:extLst>
+              <a:ext uri="{FF2B5EF4-FFF2-40B4-BE49-F238E27FC236}">
+                <a16:creationId xmlns:a16="http://schemas.microsoft.com/office/drawing/2014/main" id="{21318379-E22B-4101-ADF7-FF1771FB3C80}"/>
+              </a:ext>
+            </a:extLst>
+          </p:cNvPr>
+          <p:cNvSpPr>
             <a:spLocks noGrp="1"/>
           </p:cNvSpPr>
           <p:nvPr>
             <p:ph type="title"/>
           </p:nvPr>
         </p:nvSpPr>
-        <p:spPr>
-          <a:xfrm>
-            <a:off x="838200" y="365125"/>
-            <a:ext cx="10515600" cy="1325563"/>
-          </a:xfrm>
-          <a:prstGeom prst="rect">
-            <a:avLst/>
-          </a:prstGeom>
-          <a:noFill/>
-          <a:ln>
-            <a:noFill/>
-          </a:ln>
-        </p:spPr>
+        <p:spPr/>
         <p:txBody>
-          <a:bodyPr spcFirstLastPara="1" wrap="square" lIns="91425" tIns="45700" rIns="91425" bIns="45700" anchor="ctr" anchorCtr="0">
+          <a:bodyPr>
             <a:normAutofit/>
           </a:bodyPr>
           <a:lstStyle/>
           <a:p>
-            <a:pPr marL="0" lvl="0" indent="0" algn="l" rtl="0">
-              <a:lnSpc>
-                <a:spcPct val="90000"/>
-              </a:lnSpc>
-              <a:spcBef>
-                <a:spcPts val="0"/>
-              </a:spcBef>
-              <a:spcAft>
-                <a:spcPts val="0"/>
-              </a:spcAft>
-              <a:buClr>
-                <a:schemeClr val="dk1"/>
-              </a:buClr>
-              <a:buSzPts val="4000"/>
-              <a:buFont typeface="Times New Roman"/>
-              <a:buNone/>
-            </a:pPr>
             <a:r>
-              <a:rPr lang="en-US" sz="4000" b="1" dirty="0">
-                <a:latin typeface="Times New Roman"/>
-                <a:ea typeface="Times New Roman"/>
-                <a:cs typeface="Times New Roman"/>
-                <a:sym typeface="Times New Roman"/>
+              <a:rPr lang="en-US" sz="4000" dirty="0">
+                <a:latin typeface="Times New Roman" panose="02020603050405020304" pitchFamily="18" charset="0"/>
+                <a:cs typeface="Times New Roman" panose="02020603050405020304" pitchFamily="18" charset="0"/>
               </a:rPr>
-              <a:t>Introduction</a:t>
+              <a:t>Problem Statement</a:t>
             </a:r>
-            <a:endParaRPr sz="4000" dirty="0">
-              <a:latin typeface="Times New Roman"/>
-              <a:ea typeface="Times New Roman"/>
-              <a:cs typeface="Times New Roman"/>
-              <a:sym typeface="Times New Roman"/>
+            <a:endParaRPr lang="en-IN" sz="4000" dirty="0">
+              <a:latin typeface="Times New Roman" panose="02020603050405020304" pitchFamily="18" charset="0"/>
+              <a:cs typeface="Times New Roman" panose="02020603050405020304" pitchFamily="18" charset="0"/>
             </a:endParaRPr>
           </a:p>
         </p:txBody>
       </p:sp>
       <p:sp>
         <p:nvSpPr>
-          <p:cNvPr id="91" name="Google Shape;91;p2"/>
-          <p:cNvSpPr txBox="1">
+          <p:cNvPr id="3" name="Text Placeholder 2">
+            <a:extLst>
+              <a:ext uri="{FF2B5EF4-FFF2-40B4-BE49-F238E27FC236}">
+                <a16:creationId xmlns:a16="http://schemas.microsoft.com/office/drawing/2014/main" id="{BA6E131C-4033-4E3F-B3A8-F51680DE056D}"/>
+              </a:ext>
+            </a:extLst>
+          </p:cNvPr>
+          <p:cNvSpPr>
             <a:spLocks noGrp="1"/>
           </p:cNvSpPr>
           <p:nvPr>
@@ -20509,95 +20588,38 @@
         <p:spPr>
           <a:xfrm>
             <a:off x="838200" y="1825625"/>
-            <a:ext cx="10515600" cy="4351338"/>
+            <a:ext cx="10756392" cy="4351338"/>
           </a:xfrm>
-          <a:prstGeom prst="rect">
-            <a:avLst/>
-          </a:prstGeom>
-          <a:noFill/>
-          <a:ln>
-            <a:noFill/>
-          </a:ln>
         </p:spPr>
         <p:txBody>
-          <a:bodyPr spcFirstLastPara="1" wrap="square" lIns="91425" tIns="45700" rIns="91425" bIns="45700" anchor="t" anchorCtr="0">
-            <a:normAutofit/>
-          </a:bodyPr>
+          <a:bodyPr/>
           <a:lstStyle/>
           <a:p>
-            <a:pPr marL="0" lvl="0" indent="0" algn="l" rtl="0">
-              <a:lnSpc>
-                <a:spcPct val="90000"/>
-              </a:lnSpc>
-              <a:spcBef>
-                <a:spcPts val="0"/>
-              </a:spcBef>
-              <a:spcAft>
-                <a:spcPts val="0"/>
-              </a:spcAft>
-              <a:buClr>
-                <a:schemeClr val="dk1"/>
-              </a:buClr>
+            <a:pPr marL="0" lvl="0" indent="0">
+              <a:spcBef>
+                <a:spcPts val="0"/>
+              </a:spcBef>
               <a:buSzPts val="2600"/>
               <a:buNone/>
             </a:pPr>
             <a:r>
-              <a:rPr lang="en-US" sz="2600" dirty="0">
+              <a:rPr lang="en-US" dirty="0">
                 <a:latin typeface="Times New Roman"/>
                 <a:ea typeface="Times New Roman"/>
                 <a:cs typeface="Times New Roman"/>
                 <a:sym typeface="Times New Roman"/>
               </a:rPr>
-              <a:t>Traffic congestion has been one of the major issues that most metropolises are facing in spite of measures being taken to mitigate and reduce it. </a:t>
+              <a:t>There is very little solutions implemented with machine learning which analysis data from the complete transport grid for achieving overall traffic reduction, this technology exploits the real-time traffic monitoring services which are available nowadays.</a:t>
             </a:r>
-          </a:p>
-          <a:p>
-            <a:pPr marL="0" lvl="0" indent="0" algn="l" rtl="0">
-              <a:lnSpc>
-                <a:spcPct val="90000"/>
-              </a:lnSpc>
-              <a:spcBef>
-                <a:spcPts val="0"/>
-              </a:spcBef>
-              <a:spcAft>
-                <a:spcPts val="0"/>
-              </a:spcAft>
-              <a:buClr>
-                <a:schemeClr val="dk1"/>
-              </a:buClr>
-              <a:buSzPts val="2600"/>
-              <a:buNone/>
-            </a:pPr>
-            <a:endParaRPr lang="en-US" sz="2600" dirty="0">
-              <a:latin typeface="Times New Roman"/>
-              <a:ea typeface="Times New Roman"/>
-              <a:cs typeface="Times New Roman"/>
-              <a:sym typeface="Times New Roman"/>
-            </a:endParaRPr>
-          </a:p>
-          <a:p>
-            <a:pPr marL="0" lvl="0" indent="0">
-              <a:spcBef>
-                <a:spcPts val="0"/>
-              </a:spcBef>
-              <a:buSzPts val="2600"/>
-              <a:buNone/>
-            </a:pPr>
-            <a:r>
-              <a:rPr lang="en-US" sz="2600" dirty="0">
-                <a:latin typeface="Times New Roman" panose="02020603050405020304" pitchFamily="18" charset="0"/>
-                <a:cs typeface="Times New Roman" panose="02020603050405020304" pitchFamily="18" charset="0"/>
-              </a:rPr>
-              <a:t>It will also provide significant data which will help in future road planning and analysis. In further stages multiple traffic lights can be synchronized with each other with an aim of even less traffic congestion and free flow of traffic.</a:t>
-            </a:r>
-            <a:endParaRPr sz="2600" dirty="0">
-              <a:latin typeface="Times New Roman" panose="02020603050405020304" pitchFamily="18" charset="0"/>
-              <a:cs typeface="Times New Roman" panose="02020603050405020304" pitchFamily="18" charset="0"/>
-            </a:endParaRPr>
           </a:p>
         </p:txBody>
       </p:sp>
     </p:spTree>
+    <p:extLst>
+      <p:ext uri="{BB962C8B-B14F-4D97-AF65-F5344CB8AC3E}">
+        <p14:creationId xmlns:p14="http://schemas.microsoft.com/office/powerpoint/2010/main" val="2506059371"/>
+      </p:ext>
+    </p:extLst>
   </p:cSld>
   <p:clrMapOvr>
     <a:masterClrMapping/>
